--- a/presentation_materials/ece143-final_presentation.pptx
+++ b/presentation_materials/ece143-final_presentation.pptx
@@ -163,28 +163,6 @@
 <p188:authorLst xmlns:a="http://schemas.openxmlformats.org/drawingml/2006/main" xmlns:r="http://schemas.openxmlformats.org/officeDocument/2006/relationships" xmlns:p188="http://schemas.microsoft.com/office/powerpoint/2018/8/main">
   <p188:author id="{475C214E-0971-1AEA-2B50-C0AC64D73CD6}" name="Mandy K Cheung" initials="MKC" userId="S::m3cheung@UCSD.EDU::9839c999-5313-4edf-b464-73b1b3813af4" providerId="AD"/>
 </p188:authorLst>
-</file>
-
-<file path=ppt/comments/modernComment_10F_67A712F8.xml><?xml version="1.0" encoding="utf-8"?>
-<p188:cmLst xmlns:a="http://schemas.openxmlformats.org/drawingml/2006/main" xmlns:r="http://schemas.openxmlformats.org/officeDocument/2006/relationships" xmlns:p188="http://schemas.microsoft.com/office/powerpoint/2018/8/main">
-  <p188:cm id="{D7DFCAED-7285-447C-B3DF-30705C6A0C3B}" authorId="{475C214E-0971-1AEA-2B50-C0AC64D73CD6}" created="2023-03-12T20:50:31.932">
-    <ac:deMkLst xmlns:ac="http://schemas.microsoft.com/office/drawing/2013/main/command">
-      <pc:docMk xmlns:pc="http://schemas.microsoft.com/office/powerpoint/2013/main/command"/>
-      <pc:sldMk xmlns:pc="http://schemas.microsoft.com/office/powerpoint/2013/main/command" cId="1739002616" sldId="271"/>
-      <ac:picMk id="9" creationId="{5E8D5F90-3AD9-6D5F-8F59-8C7E29E27449}"/>
-    </ac:deMkLst>
-    <p188:txBody>
-      <a:bodyPr/>
-      <a:lstStyle/>
-      <a:p>
-        <a:r>
-          <a:rPr lang="en-US"/>
-          <a:t>I will replace with my own plot</a:t>
-        </a:r>
-      </a:p>
-    </p188:txBody>
-  </p188:cm>
-</p188:cmLst>
 </file>
 
 <file path=ppt/comments/modernComment_113_FA3F07AA.xml><?xml version="1.0" encoding="utf-8"?>
@@ -14825,41 +14803,6 @@
           </a:p>
         </p:txBody>
       </p:sp>
-      <p:pic>
-        <p:nvPicPr>
-          <p:cNvPr id="9" name="Content Placeholder 6">
-            <a:extLst>
-              <a:ext uri="{FF2B5EF4-FFF2-40B4-BE49-F238E27FC236}">
-                <a16:creationId xmlns:a16="http://schemas.microsoft.com/office/drawing/2014/main" id="{5E8D5F90-3AD9-6D5F-8F59-8C7E29E27449}"/>
-              </a:ext>
-            </a:extLst>
-          </p:cNvPr>
-          <p:cNvPicPr>
-            <a:picLocks noGrp="1" noChangeAspect="1"/>
-          </p:cNvPicPr>
-          <p:nvPr>
-            <p:ph sz="half" idx="2"/>
-          </p:nvPr>
-        </p:nvPicPr>
-        <p:blipFill>
-          <a:blip r:embed="rId4">
-            <a:extLst>
-              <a:ext uri="{28A0092B-C50C-407E-A947-70E740481C1C}">
-                <a14:useLocalDpi xmlns:a14="http://schemas.microsoft.com/office/drawing/2010/main" val="0"/>
-              </a:ext>
-            </a:extLst>
-          </a:blip>
-          <a:stretch>
-            <a:fillRect/>
-          </a:stretch>
-        </p:blipFill>
-        <p:spPr>
-          <a:xfrm>
-            <a:off x="4655997" y="1023270"/>
-            <a:ext cx="7132282" cy="4811460"/>
-          </a:xfrm>
-        </p:spPr>
-      </p:pic>
       <p:sp>
         <p:nvSpPr>
           <p:cNvPr id="4" name="Slide Number Placeholder 3">
@@ -14889,6 +14832,41 @@
           </a:p>
         </p:txBody>
       </p:sp>
+      <p:pic>
+        <p:nvPicPr>
+          <p:cNvPr id="7" name="Picture 6">
+            <a:extLst>
+              <a:ext uri="{FF2B5EF4-FFF2-40B4-BE49-F238E27FC236}">
+                <a16:creationId xmlns:a16="http://schemas.microsoft.com/office/drawing/2014/main" id="{377D243C-DD66-05C8-C1BC-57976ADC5956}"/>
+              </a:ext>
+            </a:extLst>
+          </p:cNvPr>
+          <p:cNvPicPr>
+            <a:picLocks noChangeAspect="1"/>
+          </p:cNvPicPr>
+          <p:nvPr/>
+        </p:nvPicPr>
+        <p:blipFill>
+          <a:blip r:embed="rId3"/>
+          <a:stretch>
+            <a:fillRect/>
+          </a:stretch>
+        </p:blipFill>
+        <p:spPr>
+          <a:xfrm>
+            <a:off x="4871490" y="1284143"/>
+            <a:ext cx="6619875" cy="4476750"/>
+          </a:xfrm>
+          <a:prstGeom prst="rect">
+            <a:avLst/>
+          </a:prstGeom>
+          <a:ln w="57150">
+            <a:solidFill>
+              <a:srgbClr val="0582CA"/>
+            </a:solidFill>
+          </a:ln>
+        </p:spPr>
+      </p:pic>
     </p:spTree>
     <p:extLst>
       <p:ext uri="{BB962C8B-B14F-4D97-AF65-F5344CB8AC3E}">
@@ -14899,11 +14877,6 @@
   <p:clrMapOvr>
     <a:masterClrMapping/>
   </p:clrMapOvr>
-  <p:extLst>
-    <p:ext uri="{6950BFC3-D8DA-4A85-94F7-54DA5524770B}">
-      <p188:commentRel xmlns:p188="http://schemas.microsoft.com/office/powerpoint/2018/8/main" r:id="rId3"/>
-    </p:ext>
-  </p:extLst>
 </p:sld>
 </file>
 
@@ -22258,6 +22231,12 @@
 </file>
 
 <file path=customXml/item1.xml><?xml version="1.0" encoding="utf-8"?>
+<p:properties xmlns:p="http://schemas.microsoft.com/office/2006/metadata/properties" xmlns:xsi="http://www.w3.org/2001/XMLSchema-instance" xmlns:pc="http://schemas.microsoft.com/office/infopath/2007/PartnerControls">
+  <documentManagement/>
+</p:properties>
+</file>
+
+<file path=customXml/item2.xml><?xml version="1.0" encoding="utf-8"?>
 <ct:contentTypeSchema xmlns:ct="http://schemas.microsoft.com/office/2006/metadata/contentType" xmlns:ma="http://schemas.microsoft.com/office/2006/metadata/properties/metaAttributes" ct:_="" ma:_="" ma:contentTypeName="Document" ma:contentTypeID="0x010100C12ECD6C40FCB548A2F070481B8D2BE4" ma:contentTypeVersion="6" ma:contentTypeDescription="Create a new document." ma:contentTypeScope="" ma:versionID="9e4ec0c945ce08b2ab3ab2cc40be4cf6">
   <xsd:schema xmlns:xsd="http://www.w3.org/2001/XMLSchema" xmlns:xs="http://www.w3.org/2001/XMLSchema" xmlns:p="http://schemas.microsoft.com/office/2006/metadata/properties" xmlns:ns3="667e26b5-248a-4389-a65f-951c5a9bab3c" targetNamespace="http://schemas.microsoft.com/office/2006/metadata/properties" ma:root="true" ma:fieldsID="5df20083d56dd8e42f9ec60ccdc9b8a6" ns3:_="">
     <xsd:import namespace="667e26b5-248a-4389-a65f-951c5a9bab3c"/>
@@ -22415,12 +22394,6 @@
 </ct:contentTypeSchema>
 </file>
 
-<file path=customXml/item2.xml><?xml version="1.0" encoding="utf-8"?>
-<p:properties xmlns:p="http://schemas.microsoft.com/office/2006/metadata/properties" xmlns:xsi="http://www.w3.org/2001/XMLSchema-instance" xmlns:pc="http://schemas.microsoft.com/office/infopath/2007/PartnerControls">
-  <documentManagement/>
-</p:properties>
-</file>
-
 <file path=customXml/item3.xml><?xml version="1.0" encoding="utf-8"?>
 <?mso-contentType ?>
 <FormTemplates xmlns="http://schemas.microsoft.com/sharepoint/v3/contenttype/forms">
@@ -22431,6 +22404,22 @@
 </file>
 
 <file path=customXml/itemProps1.xml><?xml version="1.0" encoding="utf-8"?>
+<ds:datastoreItem xmlns:ds="http://schemas.openxmlformats.org/officeDocument/2006/customXml" ds:itemID="{B6F1018E-E76A-4D3C-87B4-1B7F78A0FE21}">
+  <ds:schemaRefs>
+    <ds:schemaRef ds:uri="http://purl.org/dc/elements/1.1/"/>
+    <ds:schemaRef ds:uri="http://schemas.microsoft.com/office/2006/metadata/properties"/>
+    <ds:schemaRef ds:uri="http://www.w3.org/XML/1998/namespace"/>
+    <ds:schemaRef ds:uri="http://schemas.microsoft.com/office/2006/documentManagement/types"/>
+    <ds:schemaRef ds:uri="http://purl.org/dc/dcmitype/"/>
+    <ds:schemaRef ds:uri="http://schemas.microsoft.com/office/infopath/2007/PartnerControls"/>
+    <ds:schemaRef ds:uri="http://schemas.openxmlformats.org/package/2006/metadata/core-properties"/>
+    <ds:schemaRef ds:uri="667e26b5-248a-4389-a65f-951c5a9bab3c"/>
+    <ds:schemaRef ds:uri="http://purl.org/dc/terms/"/>
+  </ds:schemaRefs>
+</ds:datastoreItem>
+</file>
+
+<file path=customXml/itemProps2.xml><?xml version="1.0" encoding="utf-8"?>
 <ds:datastoreItem xmlns:ds="http://schemas.openxmlformats.org/officeDocument/2006/customXml" ds:itemID="{02B1956C-3C53-482E-BB50-017B98ABDE68}">
   <ds:schemaRefs>
     <ds:schemaRef ds:uri="http://schemas.microsoft.com/office/2006/metadata/contentType"/>
@@ -22448,22 +22437,6 @@
 </ds:datastoreItem>
 </file>
 
-<file path=customXml/itemProps2.xml><?xml version="1.0" encoding="utf-8"?>
-<ds:datastoreItem xmlns:ds="http://schemas.openxmlformats.org/officeDocument/2006/customXml" ds:itemID="{B6F1018E-E76A-4D3C-87B4-1B7F78A0FE21}">
-  <ds:schemaRefs>
-    <ds:schemaRef ds:uri="http://purl.org/dc/elements/1.1/"/>
-    <ds:schemaRef ds:uri="http://schemas.microsoft.com/office/2006/metadata/properties"/>
-    <ds:schemaRef ds:uri="http://www.w3.org/XML/1998/namespace"/>
-    <ds:schemaRef ds:uri="http://schemas.microsoft.com/office/2006/documentManagement/types"/>
-    <ds:schemaRef ds:uri="http://purl.org/dc/dcmitype/"/>
-    <ds:schemaRef ds:uri="http://schemas.microsoft.com/office/infopath/2007/PartnerControls"/>
-    <ds:schemaRef ds:uri="http://schemas.openxmlformats.org/package/2006/metadata/core-properties"/>
-    <ds:schemaRef ds:uri="667e26b5-248a-4389-a65f-951c5a9bab3c"/>
-    <ds:schemaRef ds:uri="http://purl.org/dc/terms/"/>
-  </ds:schemaRefs>
-</ds:datastoreItem>
-</file>
-
 <file path=customXml/itemProps3.xml><?xml version="1.0" encoding="utf-8"?>
 <ds:datastoreItem xmlns:ds="http://schemas.openxmlformats.org/officeDocument/2006/customXml" ds:itemID="{21196880-332C-4F5A-9898-176DAAE03C5B}">
   <ds:schemaRefs>

--- a/presentation_materials/ece143-final_presentation.pptx
+++ b/presentation_materials/ece143-final_presentation.pptx
@@ -5,10 +5,10 @@
     <p:sldMasterId id="2147483648" r:id="rId4"/>
   </p:sldMasterIdLst>
   <p:notesMasterIdLst>
-    <p:notesMasterId r:id="rId33"/>
+    <p:notesMasterId r:id="rId34"/>
   </p:notesMasterIdLst>
   <p:handoutMasterIdLst>
-    <p:handoutMasterId r:id="rId34"/>
+    <p:handoutMasterId r:id="rId35"/>
   </p:handoutMasterIdLst>
   <p:sldIdLst>
     <p:sldId id="256" r:id="rId5"/>
@@ -36,9 +36,10 @@
     <p:sldId id="269" r:id="rId27"/>
     <p:sldId id="291" r:id="rId28"/>
     <p:sldId id="272" r:id="rId29"/>
-    <p:sldId id="296" r:id="rId30"/>
+    <p:sldId id="298" r:id="rId30"/>
     <p:sldId id="273" r:id="rId31"/>
-    <p:sldId id="274" r:id="rId32"/>
+    <p:sldId id="299" r:id="rId32"/>
+    <p:sldId id="300" r:id="rId33"/>
   </p:sldIdLst>
   <p:sldSz cx="12192000" cy="6858000"/>
   <p:notesSz cx="6858000" cy="9144000"/>
@@ -163,53 +164,6 @@
 <p188:authorLst xmlns:a="http://schemas.openxmlformats.org/drawingml/2006/main" xmlns:r="http://schemas.openxmlformats.org/officeDocument/2006/relationships" xmlns:p188="http://schemas.microsoft.com/office/powerpoint/2018/8/main">
   <p188:author id="{475C214E-0971-1AEA-2B50-C0AC64D73CD6}" name="Mandy K Cheung" initials="MKC" userId="S::m3cheung@UCSD.EDU::9839c999-5313-4edf-b464-73b1b3813af4" providerId="AD"/>
 </p188:authorLst>
-</file>
-
-<file path=ppt/comments/modernComment_113_FA3F07AA.xml><?xml version="1.0" encoding="utf-8"?>
-<p188:cmLst xmlns:a="http://schemas.openxmlformats.org/drawingml/2006/main" xmlns:r="http://schemas.openxmlformats.org/officeDocument/2006/relationships" xmlns:p188="http://schemas.microsoft.com/office/powerpoint/2018/8/main">
-  <p188:cm id="{B32E2E73-E7EF-4E73-A142-02FC7B004076}" authorId="{475C214E-0971-1AEA-2B50-C0AC64D73CD6}" created="2023-03-15T08:09:21.868">
-    <ac:txMkLst xmlns:ac="http://schemas.microsoft.com/office/drawing/2013/main/command">
-      <pc:docMk xmlns:pc="http://schemas.microsoft.com/office/powerpoint/2013/main/command"/>
-      <pc:sldMk xmlns:pc="http://schemas.microsoft.com/office/powerpoint/2013/main/command" cId="4198434730" sldId="275"/>
-      <ac:spMk id="9" creationId="{AFF00EC3-25E2-B889-BBC7-6E2501C94CEF}"/>
-      <ac:txMk cp="0" len="18">
-        <ac:context len="111" hash="2760299630"/>
-      </ac:txMk>
-    </ac:txMkLst>
-    <p188:pos x="2453642" y="348474"/>
-    <p188:txBody>
-      <a:bodyPr/>
-      <a:lstStyle/>
-      <a:p>
-        <a:r>
-          <a:rPr lang="en-US"/>
-          <a:t>I'm not sure if this text should be here, it is okay to write things I am not saying in my speech?</a:t>
-        </a:r>
-      </a:p>
-    </p188:txBody>
-  </p188:cm>
-  <p188:cm id="{E0A8D793-C66B-4779-BCB0-EBC13CB9706C}" authorId="{475C214E-0971-1AEA-2B50-C0AC64D73CD6}" created="2023-03-15T08:09:37.382">
-    <ac:txMkLst xmlns:ac="http://schemas.microsoft.com/office/drawing/2013/main/command">
-      <pc:docMk xmlns:pc="http://schemas.microsoft.com/office/powerpoint/2013/main/command"/>
-      <pc:sldMk xmlns:pc="http://schemas.microsoft.com/office/powerpoint/2013/main/command" cId="4198434730" sldId="275"/>
-      <ac:spMk id="16" creationId="{86036178-7E45-9EDB-1C14-32EA3A22B8FE}"/>
-      <ac:txMk cp="0" len="4">
-        <ac:context len="130" hash="3113927706"/>
-      </ac:txMk>
-    </ac:txMkLst>
-    <p188:pos x="574042" y="349250"/>
-    <p188:txBody>
-      <a:bodyPr/>
-      <a:lstStyle/>
-      <a:p>
-        <a:r>
-          <a:rPr lang="en-US"/>
-          <a:t>Do notes belong here?</a:t>
-        </a:r>
-      </a:p>
-    </p188:txBody>
-  </p188:cm>
-</p188:cmLst>
 </file>
 
 <file path=ppt/comments/modernComment_11A_5441131E.xml><?xml version="1.0" encoding="utf-8"?>
@@ -6269,6 +6223,90 @@
 </p:notes>
 </file>
 
+<file path=ppt/notesSlides/notesSlide3.xml><?xml version="1.0" encoding="utf-8"?>
+<p:notes xmlns:a="http://schemas.openxmlformats.org/drawingml/2006/main" xmlns:r="http://schemas.openxmlformats.org/officeDocument/2006/relationships" xmlns:p="http://schemas.openxmlformats.org/presentationml/2006/main">
+  <p:cSld>
+    <p:spTree>
+      <p:nvGrpSpPr>
+        <p:cNvPr id="1" name=""/>
+        <p:cNvGrpSpPr/>
+        <p:nvPr/>
+      </p:nvGrpSpPr>
+      <p:grpSpPr>
+        <a:xfrm>
+          <a:off x="0" y="0"/>
+          <a:ext cx="0" cy="0"/>
+          <a:chOff x="0" y="0"/>
+          <a:chExt cx="0" cy="0"/>
+        </a:xfrm>
+      </p:grpSpPr>
+      <p:sp>
+        <p:nvSpPr>
+          <p:cNvPr id="2" name="Slide Image Placeholder 1"/>
+          <p:cNvSpPr>
+            <a:spLocks noGrp="1" noRot="1" noChangeAspect="1"/>
+          </p:cNvSpPr>
+          <p:nvPr>
+            <p:ph type="sldImg"/>
+          </p:nvPr>
+        </p:nvSpPr>
+        <p:spPr/>
+      </p:sp>
+      <p:sp>
+        <p:nvSpPr>
+          <p:cNvPr id="3" name="Notes Placeholder 2"/>
+          <p:cNvSpPr>
+            <a:spLocks noGrp="1"/>
+          </p:cNvSpPr>
+          <p:nvPr>
+            <p:ph type="body" idx="1"/>
+          </p:nvPr>
+        </p:nvSpPr>
+        <p:spPr/>
+        <p:txBody>
+          <a:bodyPr/>
+          <a:lstStyle/>
+          <a:p>
+            <a:endParaRPr lang="en-US" dirty="0"/>
+          </a:p>
+        </p:txBody>
+      </p:sp>
+      <p:sp>
+        <p:nvSpPr>
+          <p:cNvPr id="4" name="Slide Number Placeholder 3"/>
+          <p:cNvSpPr>
+            <a:spLocks noGrp="1"/>
+          </p:cNvSpPr>
+          <p:nvPr>
+            <p:ph type="sldNum" sz="quarter" idx="5"/>
+          </p:nvPr>
+        </p:nvSpPr>
+        <p:spPr/>
+        <p:txBody>
+          <a:bodyPr/>
+          <a:lstStyle/>
+          <a:p>
+            <a:fld id="{6ADB079E-C73C-4232-B553-4EDFA45FDEAE}" type="slidenum">
+              <a:rPr lang="en-US" smtClean="0"/>
+              <a:t>8</a:t>
+            </a:fld>
+            <a:endParaRPr lang="en-US"/>
+          </a:p>
+        </p:txBody>
+      </p:sp>
+    </p:spTree>
+    <p:extLst>
+      <p:ext uri="{BB962C8B-B14F-4D97-AF65-F5344CB8AC3E}">
+        <p14:creationId xmlns:p14="http://schemas.microsoft.com/office/powerpoint/2010/main" val="544235712"/>
+      </p:ext>
+    </p:extLst>
+  </p:cSld>
+  <p:clrMapOvr>
+    <a:masterClrMapping/>
+  </p:clrMapOvr>
+</p:notes>
+</file>
+
 <file path=ppt/slideLayouts/slideLayout1.xml><?xml version="1.0" encoding="utf-8"?>
 <p:sldLayout xmlns:a="http://schemas.openxmlformats.org/drawingml/2006/main" xmlns:r="http://schemas.openxmlformats.org/officeDocument/2006/relationships" xmlns:p="http://schemas.openxmlformats.org/presentationml/2006/main" type="title" preserve="1">
   <p:cSld name="Title Slide">
@@ -10113,53 +10151,6 @@
           </a:p>
         </p:txBody>
       </p:sp>
-      <p:sp>
-        <p:nvSpPr>
-          <p:cNvPr id="5" name="TextBox 4">
-            <a:extLst>
-              <a:ext uri="{FF2B5EF4-FFF2-40B4-BE49-F238E27FC236}">
-                <a16:creationId xmlns:a16="http://schemas.microsoft.com/office/drawing/2014/main" id="{E103630E-FF49-D92C-CFD8-83AF4561C833}"/>
-              </a:ext>
-            </a:extLst>
-          </p:cNvPr>
-          <p:cNvSpPr txBox="1"/>
-          <p:nvPr/>
-        </p:nvSpPr>
-        <p:spPr>
-          <a:xfrm>
-            <a:off x="656947" y="1606859"/>
-            <a:ext cx="1864311" cy="2585323"/>
-          </a:xfrm>
-          <a:prstGeom prst="rect">
-            <a:avLst/>
-          </a:prstGeom>
-          <a:noFill/>
-        </p:spPr>
-        <p:txBody>
-          <a:bodyPr wrap="square" rtlCol="0">
-            <a:spAutoFit/>
-          </a:bodyPr>
-          <a:lstStyle/>
-          <a:p>
-            <a:r>
-              <a:rPr lang="en-US" dirty="0"/>
-              <a:t>Preterm births refer</a:t>
-            </a:r>
-          </a:p>
-          <a:p>
-            <a:r>
-              <a:rPr lang="en-US" dirty="0"/>
-              <a:t>Gestation age less than 36 weeks</a:t>
-            </a:r>
-          </a:p>
-          <a:p>
-            <a:r>
-              <a:rPr lang="en-US" dirty="0"/>
-              <a:t>Pre term births increase long term health conditions </a:t>
-            </a:r>
-          </a:p>
-        </p:txBody>
-      </p:sp>
       <p:pic>
         <p:nvPicPr>
           <p:cNvPr id="8" name="Picture 7" descr="Chart, line chart&#10;&#10;Description automatically generated">
@@ -10188,14 +10179,649 @@
         </p:blipFill>
         <p:spPr>
           <a:xfrm>
-            <a:off x="3370085" y="1339502"/>
-            <a:ext cx="8357992" cy="4178996"/>
+            <a:off x="256876" y="1593202"/>
+            <a:ext cx="8147952" cy="4073976"/>
+          </a:xfrm>
+          <a:prstGeom prst="rect">
+            <a:avLst/>
+          </a:prstGeom>
+          <a:ln w="57150">
+            <a:solidFill>
+              <a:srgbClr val="0582CA"/>
+            </a:solidFill>
+          </a:ln>
+        </p:spPr>
+      </p:pic>
+      <p:sp>
+        <p:nvSpPr>
+          <p:cNvPr id="3" name="Title 1">
+            <a:extLst>
+              <a:ext uri="{FF2B5EF4-FFF2-40B4-BE49-F238E27FC236}">
+                <a16:creationId xmlns:a16="http://schemas.microsoft.com/office/drawing/2014/main" id="{88F73B6A-EA7B-230D-C6AE-939120A84835}"/>
+              </a:ext>
+            </a:extLst>
+          </p:cNvPr>
+          <p:cNvSpPr txBox="1">
+            <a:spLocks/>
+          </p:cNvSpPr>
+          <p:nvPr/>
+        </p:nvSpPr>
+        <p:spPr>
+          <a:xfrm>
+            <a:off x="8620586" y="1096297"/>
+            <a:ext cx="3265212" cy="1352397"/>
           </a:xfrm>
           <a:prstGeom prst="rect">
             <a:avLst/>
           </a:prstGeom>
         </p:spPr>
-      </p:pic>
+        <p:txBody>
+          <a:bodyPr>
+            <a:normAutofit/>
+          </a:bodyPr>
+          <a:lstStyle>
+            <a:lvl1pPr algn="l" defTabSz="914400" rtl="0" eaLnBrk="1" latinLnBrk="0" hangingPunct="1">
+              <a:lnSpc>
+                <a:spcPct val="100000"/>
+              </a:lnSpc>
+              <a:spcBef>
+                <a:spcPct val="0"/>
+              </a:spcBef>
+              <a:buNone/>
+              <a:defRPr sz="4000" kern="1200" cap="all" spc="30" baseline="0">
+                <a:solidFill>
+                  <a:schemeClr val="tx1"/>
+                </a:solidFill>
+                <a:latin typeface="Verdana" panose="020B0604030504040204" pitchFamily="34" charset="0"/>
+                <a:ea typeface="Verdana" panose="020B0604030504040204" pitchFamily="34" charset="0"/>
+                <a:cs typeface="+mj-cs"/>
+              </a:defRPr>
+            </a:lvl1pPr>
+          </a:lstStyle>
+          <a:p>
+            <a:pPr algn="ctr"/>
+            <a:r>
+              <a:rPr lang="en-US" dirty="0"/>
+              <a:t>IMPACT OF BMI</a:t>
+            </a:r>
+          </a:p>
+        </p:txBody>
+      </p:sp>
+      <p:sp>
+        <p:nvSpPr>
+          <p:cNvPr id="7" name="Content Placeholder 36">
+            <a:extLst>
+              <a:ext uri="{FF2B5EF4-FFF2-40B4-BE49-F238E27FC236}">
+                <a16:creationId xmlns:a16="http://schemas.microsoft.com/office/drawing/2014/main" id="{A382851B-31C1-58FD-006F-B324EF40744B}"/>
+              </a:ext>
+            </a:extLst>
+          </p:cNvPr>
+          <p:cNvSpPr txBox="1">
+            <a:spLocks/>
+          </p:cNvSpPr>
+          <p:nvPr/>
+        </p:nvSpPr>
+        <p:spPr>
+          <a:xfrm>
+            <a:off x="8582917" y="2448694"/>
+            <a:ext cx="3340550" cy="3513567"/>
+          </a:xfrm>
+          <a:prstGeom prst="rect">
+            <a:avLst/>
+          </a:prstGeom>
+        </p:spPr>
+        <p:txBody>
+          <a:bodyPr>
+            <a:normAutofit/>
+          </a:bodyPr>
+          <a:lstStyle>
+            <a:lvl1pPr marL="228600" indent="-228600" algn="l" defTabSz="914400" rtl="0" eaLnBrk="1" latinLnBrk="0" hangingPunct="1">
+              <a:lnSpc>
+                <a:spcPct val="120000"/>
+              </a:lnSpc>
+              <a:spcBef>
+                <a:spcPts val="1000"/>
+              </a:spcBef>
+              <a:buFont typeface="Arial" panose="020B0604020202020204" pitchFamily="34" charset="0"/>
+              <a:buChar char="•"/>
+              <a:defRPr sz="2000" kern="1200">
+                <a:solidFill>
+                  <a:schemeClr val="tx1"/>
+                </a:solidFill>
+                <a:latin typeface="+mn-lt"/>
+                <a:ea typeface="Verdana" panose="020B0604030504040204" pitchFamily="34" charset="0"/>
+                <a:cs typeface="Times New Roman" panose="02020603050405020304" pitchFamily="18" charset="0"/>
+              </a:defRPr>
+            </a:lvl1pPr>
+            <a:lvl2pPr marL="685800" indent="-228600" algn="l" defTabSz="914400" rtl="0" eaLnBrk="1" latinLnBrk="0" hangingPunct="1">
+              <a:lnSpc>
+                <a:spcPct val="120000"/>
+              </a:lnSpc>
+              <a:spcBef>
+                <a:spcPts val="500"/>
+              </a:spcBef>
+              <a:buFont typeface="Arial" panose="020B0604020202020204" pitchFamily="34" charset="0"/>
+              <a:buChar char="•"/>
+              <a:defRPr sz="1800" kern="1200">
+                <a:solidFill>
+                  <a:schemeClr val="tx1"/>
+                </a:solidFill>
+                <a:latin typeface="+mn-lt"/>
+                <a:ea typeface="Verdana" panose="020B0604030504040204" pitchFamily="34" charset="0"/>
+                <a:cs typeface="Times New Roman" panose="02020603050405020304" pitchFamily="18" charset="0"/>
+              </a:defRPr>
+            </a:lvl2pPr>
+            <a:lvl3pPr marL="1143000" indent="-228600" algn="l" defTabSz="914400" rtl="0" eaLnBrk="1" latinLnBrk="0" hangingPunct="1">
+              <a:lnSpc>
+                <a:spcPct val="120000"/>
+              </a:lnSpc>
+              <a:spcBef>
+                <a:spcPts val="500"/>
+              </a:spcBef>
+              <a:buFont typeface="Arial" panose="020B0604020202020204" pitchFamily="34" charset="0"/>
+              <a:buChar char="•"/>
+              <a:defRPr sz="1600" kern="1200">
+                <a:solidFill>
+                  <a:schemeClr val="tx1"/>
+                </a:solidFill>
+                <a:latin typeface="+mn-lt"/>
+                <a:ea typeface="Verdana" panose="020B0604030504040204" pitchFamily="34" charset="0"/>
+                <a:cs typeface="Times New Roman" panose="02020603050405020304" pitchFamily="18" charset="0"/>
+              </a:defRPr>
+            </a:lvl3pPr>
+            <a:lvl4pPr marL="1600200" indent="-228600" algn="l" defTabSz="914400" rtl="0" eaLnBrk="1" latinLnBrk="0" hangingPunct="1">
+              <a:lnSpc>
+                <a:spcPct val="120000"/>
+              </a:lnSpc>
+              <a:spcBef>
+                <a:spcPts val="500"/>
+              </a:spcBef>
+              <a:buFont typeface="Arial" panose="020B0604020202020204" pitchFamily="34" charset="0"/>
+              <a:buChar char="•"/>
+              <a:defRPr sz="1400" kern="1200">
+                <a:solidFill>
+                  <a:schemeClr val="tx1"/>
+                </a:solidFill>
+                <a:latin typeface="+mn-lt"/>
+                <a:ea typeface="Verdana" panose="020B0604030504040204" pitchFamily="34" charset="0"/>
+                <a:cs typeface="Times New Roman" panose="02020603050405020304" pitchFamily="18" charset="0"/>
+              </a:defRPr>
+            </a:lvl4pPr>
+            <a:lvl5pPr marL="2057400" indent="-228600" algn="l" defTabSz="914400" rtl="0" eaLnBrk="1" latinLnBrk="0" hangingPunct="1">
+              <a:lnSpc>
+                <a:spcPct val="120000"/>
+              </a:lnSpc>
+              <a:spcBef>
+                <a:spcPts val="500"/>
+              </a:spcBef>
+              <a:buFont typeface="Arial" panose="020B0604020202020204" pitchFamily="34" charset="0"/>
+              <a:buChar char="•"/>
+              <a:defRPr sz="1400" kern="1200">
+                <a:solidFill>
+                  <a:schemeClr val="tx1"/>
+                </a:solidFill>
+                <a:latin typeface="+mn-lt"/>
+                <a:ea typeface="Verdana" panose="020B0604030504040204" pitchFamily="34" charset="0"/>
+                <a:cs typeface="Times New Roman" panose="02020603050405020304" pitchFamily="18" charset="0"/>
+              </a:defRPr>
+            </a:lvl5pPr>
+            <a:lvl6pPr marL="2514600" indent="-228600" algn="l" defTabSz="914400" rtl="0" eaLnBrk="1" latinLnBrk="0" hangingPunct="1">
+              <a:lnSpc>
+                <a:spcPct val="90000"/>
+              </a:lnSpc>
+              <a:spcBef>
+                <a:spcPts val="500"/>
+              </a:spcBef>
+              <a:buFont typeface="Arial" panose="020B0604020202020204" pitchFamily="34" charset="0"/>
+              <a:buChar char="•"/>
+              <a:defRPr sz="1800" kern="1200">
+                <a:solidFill>
+                  <a:schemeClr val="tx1"/>
+                </a:solidFill>
+                <a:latin typeface="+mn-lt"/>
+                <a:ea typeface="+mn-ea"/>
+                <a:cs typeface="+mn-cs"/>
+              </a:defRPr>
+            </a:lvl6pPr>
+            <a:lvl7pPr marL="2971800" indent="-228600" algn="l" defTabSz="914400" rtl="0" eaLnBrk="1" latinLnBrk="0" hangingPunct="1">
+              <a:lnSpc>
+                <a:spcPct val="90000"/>
+              </a:lnSpc>
+              <a:spcBef>
+                <a:spcPts val="500"/>
+              </a:spcBef>
+              <a:buFont typeface="Arial" panose="020B0604020202020204" pitchFamily="34" charset="0"/>
+              <a:buChar char="•"/>
+              <a:defRPr sz="1800" kern="1200">
+                <a:solidFill>
+                  <a:schemeClr val="tx1"/>
+                </a:solidFill>
+                <a:latin typeface="+mn-lt"/>
+                <a:ea typeface="+mn-ea"/>
+                <a:cs typeface="+mn-cs"/>
+              </a:defRPr>
+            </a:lvl7pPr>
+            <a:lvl8pPr marL="3429000" indent="-228600" algn="l" defTabSz="914400" rtl="0" eaLnBrk="1" latinLnBrk="0" hangingPunct="1">
+              <a:lnSpc>
+                <a:spcPct val="90000"/>
+              </a:lnSpc>
+              <a:spcBef>
+                <a:spcPts val="500"/>
+              </a:spcBef>
+              <a:buFont typeface="Arial" panose="020B0604020202020204" pitchFamily="34" charset="0"/>
+              <a:buChar char="•"/>
+              <a:defRPr sz="1800" kern="1200">
+                <a:solidFill>
+                  <a:schemeClr val="tx1"/>
+                </a:solidFill>
+                <a:latin typeface="+mn-lt"/>
+                <a:ea typeface="+mn-ea"/>
+                <a:cs typeface="+mn-cs"/>
+              </a:defRPr>
+            </a:lvl8pPr>
+            <a:lvl9pPr marL="3886200" indent="-228600" algn="l" defTabSz="914400" rtl="0" eaLnBrk="1" latinLnBrk="0" hangingPunct="1">
+              <a:lnSpc>
+                <a:spcPct val="90000"/>
+              </a:lnSpc>
+              <a:spcBef>
+                <a:spcPts val="500"/>
+              </a:spcBef>
+              <a:buFont typeface="Arial" panose="020B0604020202020204" pitchFamily="34" charset="0"/>
+              <a:buChar char="•"/>
+              <a:defRPr sz="1800" kern="1200">
+                <a:solidFill>
+                  <a:schemeClr val="tx1"/>
+                </a:solidFill>
+                <a:latin typeface="+mn-lt"/>
+                <a:ea typeface="+mn-ea"/>
+                <a:cs typeface="+mn-cs"/>
+              </a:defRPr>
+            </a:lvl9pPr>
+          </a:lstStyle>
+          <a:p>
+            <a:pPr>
+              <a:buFont typeface="Wingdings" panose="05000000000000000000" pitchFamily="2" charset="2"/>
+              <a:buChar char="§"/>
+            </a:pPr>
+            <a:r>
+              <a:rPr lang="en-US" altLang="en-US" sz="1800" dirty="0"/>
+              <a:t>Preterm births refer to live births that occur </a:t>
+            </a:r>
+            <a:r>
+              <a:rPr lang="en-US" altLang="en-US" sz="1800" dirty="0">
+                <a:solidFill>
+                  <a:srgbClr val="E85D04"/>
+                </a:solidFill>
+              </a:rPr>
+              <a:t>before 37 weeks</a:t>
+            </a:r>
+            <a:r>
+              <a:rPr lang="en-US" altLang="en-US" sz="1800" dirty="0"/>
+              <a:t> of pregnancy is completed</a:t>
+            </a:r>
+          </a:p>
+          <a:p>
+            <a:pPr>
+              <a:buFont typeface="Wingdings" panose="05000000000000000000" pitchFamily="2" charset="2"/>
+              <a:buChar char="§"/>
+            </a:pPr>
+            <a:r>
+              <a:rPr lang="en-US" altLang="en-US" sz="1800" dirty="0"/>
+              <a:t>This is generally considered </a:t>
+            </a:r>
+            <a:r>
+              <a:rPr lang="en-US" altLang="en-US" sz="1800" dirty="0">
+                <a:solidFill>
+                  <a:srgbClr val="E85D04"/>
+                </a:solidFill>
+              </a:rPr>
+              <a:t>dangerous</a:t>
+            </a:r>
+            <a:r>
+              <a:rPr lang="en-US" altLang="en-US" sz="1800" dirty="0"/>
+              <a:t>, as the baby may  develop </a:t>
+            </a:r>
+            <a:r>
+              <a:rPr lang="en-US" altLang="en-US" sz="1800" dirty="0">
+                <a:solidFill>
+                  <a:srgbClr val="E85D04"/>
+                </a:solidFill>
+              </a:rPr>
+              <a:t>long-term health issues</a:t>
+            </a:r>
+          </a:p>
+          <a:p>
+            <a:pPr lvl="1">
+              <a:buFont typeface="Wingdings" panose="05000000000000000000" pitchFamily="2" charset="2"/>
+              <a:buChar char="§"/>
+            </a:pPr>
+            <a:endParaRPr lang="en-US" dirty="0"/>
+          </a:p>
+        </p:txBody>
+      </p:sp>
+      <p:sp>
+        <p:nvSpPr>
+          <p:cNvPr id="11" name="Oval 10">
+            <a:extLst>
+              <a:ext uri="{FF2B5EF4-FFF2-40B4-BE49-F238E27FC236}">
+                <a16:creationId xmlns:a16="http://schemas.microsoft.com/office/drawing/2014/main" id="{8DF8DFC6-B566-C0BD-60FE-D390300A429F}"/>
+              </a:ext>
+            </a:extLst>
+          </p:cNvPr>
+          <p:cNvSpPr/>
+          <p:nvPr/>
+        </p:nvSpPr>
+        <p:spPr>
+          <a:xfrm>
+            <a:off x="1513117" y="4698069"/>
+            <a:ext cx="914400" cy="914400"/>
+          </a:xfrm>
+          <a:prstGeom prst="ellipse">
+            <a:avLst/>
+          </a:prstGeom>
+          <a:noFill/>
+          <a:ln>
+            <a:solidFill>
+              <a:srgbClr val="FF0000"/>
+            </a:solidFill>
+          </a:ln>
+        </p:spPr>
+        <p:style>
+          <a:lnRef idx="2">
+            <a:schemeClr val="accent1">
+              <a:shade val="50000"/>
+            </a:schemeClr>
+          </a:lnRef>
+          <a:fillRef idx="1">
+            <a:schemeClr val="accent1"/>
+          </a:fillRef>
+          <a:effectRef idx="0">
+            <a:schemeClr val="accent1"/>
+          </a:effectRef>
+          <a:fontRef idx="minor">
+            <a:schemeClr val="lt1"/>
+          </a:fontRef>
+        </p:style>
+        <p:txBody>
+          <a:bodyPr rtlCol="0" anchor="ctr"/>
+          <a:lstStyle>
+            <a:defPPr>
+              <a:defRPr lang="en-US"/>
+            </a:defPPr>
+            <a:lvl1pPr marL="0" algn="l" defTabSz="914400" rtl="0" eaLnBrk="1" latinLnBrk="0" hangingPunct="1">
+              <a:defRPr sz="1800" kern="1200">
+                <a:solidFill>
+                  <a:schemeClr val="lt1"/>
+                </a:solidFill>
+                <a:latin typeface="+mn-lt"/>
+                <a:ea typeface="+mn-ea"/>
+                <a:cs typeface="+mn-cs"/>
+              </a:defRPr>
+            </a:lvl1pPr>
+            <a:lvl2pPr marL="457200" algn="l" defTabSz="914400" rtl="0" eaLnBrk="1" latinLnBrk="0" hangingPunct="1">
+              <a:defRPr sz="1800" kern="1200">
+                <a:solidFill>
+                  <a:schemeClr val="lt1"/>
+                </a:solidFill>
+                <a:latin typeface="+mn-lt"/>
+                <a:ea typeface="+mn-ea"/>
+                <a:cs typeface="+mn-cs"/>
+              </a:defRPr>
+            </a:lvl2pPr>
+            <a:lvl3pPr marL="914400" algn="l" defTabSz="914400" rtl="0" eaLnBrk="1" latinLnBrk="0" hangingPunct="1">
+              <a:defRPr sz="1800" kern="1200">
+                <a:solidFill>
+                  <a:schemeClr val="lt1"/>
+                </a:solidFill>
+                <a:latin typeface="+mn-lt"/>
+                <a:ea typeface="+mn-ea"/>
+                <a:cs typeface="+mn-cs"/>
+              </a:defRPr>
+            </a:lvl3pPr>
+            <a:lvl4pPr marL="1371600" algn="l" defTabSz="914400" rtl="0" eaLnBrk="1" latinLnBrk="0" hangingPunct="1">
+              <a:defRPr sz="1800" kern="1200">
+                <a:solidFill>
+                  <a:schemeClr val="lt1"/>
+                </a:solidFill>
+                <a:latin typeface="+mn-lt"/>
+                <a:ea typeface="+mn-ea"/>
+                <a:cs typeface="+mn-cs"/>
+              </a:defRPr>
+            </a:lvl4pPr>
+            <a:lvl5pPr marL="1828800" algn="l" defTabSz="914400" rtl="0" eaLnBrk="1" latinLnBrk="0" hangingPunct="1">
+              <a:defRPr sz="1800" kern="1200">
+                <a:solidFill>
+                  <a:schemeClr val="lt1"/>
+                </a:solidFill>
+                <a:latin typeface="+mn-lt"/>
+                <a:ea typeface="+mn-ea"/>
+                <a:cs typeface="+mn-cs"/>
+              </a:defRPr>
+            </a:lvl5pPr>
+            <a:lvl6pPr marL="2286000" algn="l" defTabSz="914400" rtl="0" eaLnBrk="1" latinLnBrk="0" hangingPunct="1">
+              <a:defRPr sz="1800" kern="1200">
+                <a:solidFill>
+                  <a:schemeClr val="lt1"/>
+                </a:solidFill>
+                <a:latin typeface="+mn-lt"/>
+                <a:ea typeface="+mn-ea"/>
+                <a:cs typeface="+mn-cs"/>
+              </a:defRPr>
+            </a:lvl6pPr>
+            <a:lvl7pPr marL="2743200" algn="l" defTabSz="914400" rtl="0" eaLnBrk="1" latinLnBrk="0" hangingPunct="1">
+              <a:defRPr sz="1800" kern="1200">
+                <a:solidFill>
+                  <a:schemeClr val="lt1"/>
+                </a:solidFill>
+                <a:latin typeface="+mn-lt"/>
+                <a:ea typeface="+mn-ea"/>
+                <a:cs typeface="+mn-cs"/>
+              </a:defRPr>
+            </a:lvl7pPr>
+            <a:lvl8pPr marL="3200400" algn="l" defTabSz="914400" rtl="0" eaLnBrk="1" latinLnBrk="0" hangingPunct="1">
+              <a:defRPr sz="1800" kern="1200">
+                <a:solidFill>
+                  <a:schemeClr val="lt1"/>
+                </a:solidFill>
+                <a:latin typeface="+mn-lt"/>
+                <a:ea typeface="+mn-ea"/>
+                <a:cs typeface="+mn-cs"/>
+              </a:defRPr>
+            </a:lvl8pPr>
+            <a:lvl9pPr marL="3657600" algn="l" defTabSz="914400" rtl="0" eaLnBrk="1" latinLnBrk="0" hangingPunct="1">
+              <a:defRPr sz="1800" kern="1200">
+                <a:solidFill>
+                  <a:schemeClr val="lt1"/>
+                </a:solidFill>
+                <a:latin typeface="+mn-lt"/>
+                <a:ea typeface="+mn-ea"/>
+                <a:cs typeface="+mn-cs"/>
+              </a:defRPr>
+            </a:lvl9pPr>
+          </a:lstStyle>
+          <a:p>
+            <a:pPr algn="ctr"/>
+            <a:endParaRPr lang="en-US"/>
+          </a:p>
+        </p:txBody>
+      </p:sp>
+      <p:sp>
+        <p:nvSpPr>
+          <p:cNvPr id="12" name="TextBox 9">
+            <a:extLst>
+              <a:ext uri="{FF2B5EF4-FFF2-40B4-BE49-F238E27FC236}">
+                <a16:creationId xmlns:a16="http://schemas.microsoft.com/office/drawing/2014/main" id="{363D6DE7-1099-A0DB-5A71-256EC60BC82A}"/>
+              </a:ext>
+            </a:extLst>
+          </p:cNvPr>
+          <p:cNvSpPr txBox="1"/>
+          <p:nvPr/>
+        </p:nvSpPr>
+        <p:spPr>
+          <a:xfrm>
+            <a:off x="2427517" y="5777595"/>
+            <a:ext cx="1353256" cy="369332"/>
+          </a:xfrm>
+          <a:prstGeom prst="rect">
+            <a:avLst/>
+          </a:prstGeom>
+          <a:noFill/>
+        </p:spPr>
+        <p:txBody>
+          <a:bodyPr wrap="none" rtlCol="0">
+            <a:spAutoFit/>
+          </a:bodyPr>
+          <a:lstStyle>
+            <a:defPPr>
+              <a:defRPr lang="en-US"/>
+            </a:defPPr>
+            <a:lvl1pPr marL="0" algn="l" defTabSz="914400" rtl="0" eaLnBrk="1" latinLnBrk="0" hangingPunct="1">
+              <a:defRPr sz="1800" kern="1200">
+                <a:solidFill>
+                  <a:schemeClr val="tx1"/>
+                </a:solidFill>
+                <a:latin typeface="+mn-lt"/>
+                <a:ea typeface="+mn-ea"/>
+                <a:cs typeface="+mn-cs"/>
+              </a:defRPr>
+            </a:lvl1pPr>
+            <a:lvl2pPr marL="457200" algn="l" defTabSz="914400" rtl="0" eaLnBrk="1" latinLnBrk="0" hangingPunct="1">
+              <a:defRPr sz="1800" kern="1200">
+                <a:solidFill>
+                  <a:schemeClr val="tx1"/>
+                </a:solidFill>
+                <a:latin typeface="+mn-lt"/>
+                <a:ea typeface="+mn-ea"/>
+                <a:cs typeface="+mn-cs"/>
+              </a:defRPr>
+            </a:lvl2pPr>
+            <a:lvl3pPr marL="914400" algn="l" defTabSz="914400" rtl="0" eaLnBrk="1" latinLnBrk="0" hangingPunct="1">
+              <a:defRPr sz="1800" kern="1200">
+                <a:solidFill>
+                  <a:schemeClr val="tx1"/>
+                </a:solidFill>
+                <a:latin typeface="+mn-lt"/>
+                <a:ea typeface="+mn-ea"/>
+                <a:cs typeface="+mn-cs"/>
+              </a:defRPr>
+            </a:lvl3pPr>
+            <a:lvl4pPr marL="1371600" algn="l" defTabSz="914400" rtl="0" eaLnBrk="1" latinLnBrk="0" hangingPunct="1">
+              <a:defRPr sz="1800" kern="1200">
+                <a:solidFill>
+                  <a:schemeClr val="tx1"/>
+                </a:solidFill>
+                <a:latin typeface="+mn-lt"/>
+                <a:ea typeface="+mn-ea"/>
+                <a:cs typeface="+mn-cs"/>
+              </a:defRPr>
+            </a:lvl4pPr>
+            <a:lvl5pPr marL="1828800" algn="l" defTabSz="914400" rtl="0" eaLnBrk="1" latinLnBrk="0" hangingPunct="1">
+              <a:defRPr sz="1800" kern="1200">
+                <a:solidFill>
+                  <a:schemeClr val="tx1"/>
+                </a:solidFill>
+                <a:latin typeface="+mn-lt"/>
+                <a:ea typeface="+mn-ea"/>
+                <a:cs typeface="+mn-cs"/>
+              </a:defRPr>
+            </a:lvl5pPr>
+            <a:lvl6pPr marL="2286000" algn="l" defTabSz="914400" rtl="0" eaLnBrk="1" latinLnBrk="0" hangingPunct="1">
+              <a:defRPr sz="1800" kern="1200">
+                <a:solidFill>
+                  <a:schemeClr val="tx1"/>
+                </a:solidFill>
+                <a:latin typeface="+mn-lt"/>
+                <a:ea typeface="+mn-ea"/>
+                <a:cs typeface="+mn-cs"/>
+              </a:defRPr>
+            </a:lvl6pPr>
+            <a:lvl7pPr marL="2743200" algn="l" defTabSz="914400" rtl="0" eaLnBrk="1" latinLnBrk="0" hangingPunct="1">
+              <a:defRPr sz="1800" kern="1200">
+                <a:solidFill>
+                  <a:schemeClr val="tx1"/>
+                </a:solidFill>
+                <a:latin typeface="+mn-lt"/>
+                <a:ea typeface="+mn-ea"/>
+                <a:cs typeface="+mn-cs"/>
+              </a:defRPr>
+            </a:lvl7pPr>
+            <a:lvl8pPr marL="3200400" algn="l" defTabSz="914400" rtl="0" eaLnBrk="1" latinLnBrk="0" hangingPunct="1">
+              <a:defRPr sz="1800" kern="1200">
+                <a:solidFill>
+                  <a:schemeClr val="tx1"/>
+                </a:solidFill>
+                <a:latin typeface="+mn-lt"/>
+                <a:ea typeface="+mn-ea"/>
+                <a:cs typeface="+mn-cs"/>
+              </a:defRPr>
+            </a:lvl8pPr>
+            <a:lvl9pPr marL="3657600" algn="l" defTabSz="914400" rtl="0" eaLnBrk="1" latinLnBrk="0" hangingPunct="1">
+              <a:defRPr sz="1800" kern="1200">
+                <a:solidFill>
+                  <a:schemeClr val="tx1"/>
+                </a:solidFill>
+                <a:latin typeface="+mn-lt"/>
+                <a:ea typeface="+mn-ea"/>
+                <a:cs typeface="+mn-cs"/>
+              </a:defRPr>
+            </a:lvl9pPr>
+          </a:lstStyle>
+          <a:p>
+            <a:r>
+              <a:rPr lang="en-US" dirty="0">
+                <a:solidFill>
+                  <a:srgbClr val="E85D04"/>
+                </a:solidFill>
+              </a:rPr>
+              <a:t>Normal BMI</a:t>
+            </a:r>
+          </a:p>
+        </p:txBody>
+      </p:sp>
+      <p:cxnSp>
+        <p:nvCxnSpPr>
+          <p:cNvPr id="14" name="Straight Arrow Connector 13">
+            <a:extLst>
+              <a:ext uri="{FF2B5EF4-FFF2-40B4-BE49-F238E27FC236}">
+                <a16:creationId xmlns:a16="http://schemas.microsoft.com/office/drawing/2014/main" id="{B15563C5-86A3-0168-347C-264ADF0F6FD8}"/>
+              </a:ext>
+            </a:extLst>
+          </p:cNvPr>
+          <p:cNvCxnSpPr>
+            <a:stCxn id="12" idx="1"/>
+          </p:cNvCxnSpPr>
+          <p:nvPr/>
+        </p:nvCxnSpPr>
+        <p:spPr>
+          <a:xfrm flipH="1" flipV="1">
+            <a:off x="2164702" y="5612469"/>
+            <a:ext cx="262815" cy="349792"/>
+          </a:xfrm>
+          <a:prstGeom prst="straightConnector1">
+            <a:avLst/>
+          </a:prstGeom>
+          <a:ln w="28575">
+            <a:solidFill>
+              <a:srgbClr val="E85D04"/>
+            </a:solidFill>
+            <a:tailEnd type="triangle"/>
+          </a:ln>
+        </p:spPr>
+        <p:style>
+          <a:lnRef idx="1">
+            <a:schemeClr val="accent1"/>
+          </a:lnRef>
+          <a:fillRef idx="0">
+            <a:schemeClr val="accent1"/>
+          </a:fillRef>
+          <a:effectRef idx="0">
+            <a:schemeClr val="accent1"/>
+          </a:effectRef>
+          <a:fontRef idx="minor">
+            <a:schemeClr val="tx1"/>
+          </a:fontRef>
+        </p:style>
+      </p:cxnSp>
     </p:spTree>
     <p:extLst>
       <p:ext uri="{BB962C8B-B14F-4D97-AF65-F5344CB8AC3E}">
@@ -10455,7 +11081,7 @@
           <p:nvPr/>
         </p:nvPicPr>
         <p:blipFill rotWithShape="1">
-          <a:blip r:embed="rId3"/>
+          <a:blip r:embed="rId2"/>
           <a:srcRect l="15454" r="1"/>
           <a:stretch/>
         </p:blipFill>
@@ -10724,11 +11350,6 @@
   <p:clrMapOvr>
     <a:masterClrMapping/>
   </p:clrMapOvr>
-  <p:extLst>
-    <p:ext uri="{6950BFC3-D8DA-4A85-94F7-54DA5524770B}">
-      <p188:commentRel xmlns:p188="http://schemas.microsoft.com/office/powerpoint/2018/8/main" r:id="rId2"/>
-    </p:ext>
-  </p:extLst>
 </p:sld>
 </file>
 
@@ -14867,6 +15488,41 @@
           </a:ln>
         </p:spPr>
       </p:pic>
+      <p:sp>
+        <p:nvSpPr>
+          <p:cNvPr id="5" name="TextBox 4">
+            <a:extLst>
+              <a:ext uri="{FF2B5EF4-FFF2-40B4-BE49-F238E27FC236}">
+                <a16:creationId xmlns:a16="http://schemas.microsoft.com/office/drawing/2014/main" id="{302BEF5C-1E41-15FF-BD89-77D466E3E31A}"/>
+              </a:ext>
+            </a:extLst>
+          </p:cNvPr>
+          <p:cNvSpPr txBox="1"/>
+          <p:nvPr/>
+        </p:nvSpPr>
+        <p:spPr>
+          <a:xfrm>
+            <a:off x="4702628" y="5848463"/>
+            <a:ext cx="6686446" cy="261610"/>
+          </a:xfrm>
+          <a:prstGeom prst="rect">
+            <a:avLst/>
+          </a:prstGeom>
+          <a:noFill/>
+        </p:spPr>
+        <p:txBody>
+          <a:bodyPr wrap="none" rtlCol="0">
+            <a:spAutoFit/>
+          </a:bodyPr>
+          <a:lstStyle/>
+          <a:p>
+            <a:r>
+              <a:rPr lang="en-US" sz="1100" dirty="0"/>
+              <a:t>Plot source: https://tcf.org/content/commentary/worsening-u-s-maternal-health-crisis-three-graphs/</a:t>
+            </a:r>
+          </a:p>
+        </p:txBody>
+      </p:sp>
     </p:spTree>
     <p:extLst>
       <p:ext uri="{BB962C8B-B14F-4D97-AF65-F5344CB8AC3E}">
@@ -18551,7 +19207,9 @@
         </p:nvSpPr>
         <p:spPr/>
         <p:txBody>
-          <a:bodyPr/>
+          <a:bodyPr>
+            <a:normAutofit lnSpcReduction="10000"/>
+          </a:bodyPr>
           <a:lstStyle/>
           <a:p>
             <a:pPr marL="0" indent="0">
@@ -18559,8 +19217,84 @@
             </a:pPr>
             <a:r>
               <a:rPr lang="en-US" dirty="0"/>
-              <a:t>Slide 6: We also looked at age as well…</a:t>
+              <a:t>About Physical Health Maternal Characteristics: </a:t>
             </a:r>
+            <a:r>
+              <a:rPr lang="en-US" dirty="0">
+                <a:hlinkClick r:id="rId2"/>
+              </a:rPr>
+              <a:t>https://www.cdc.gov/reproductivehealth/maternalinfanthealth/pretermbirth.htm</a:t>
+            </a:r>
+            <a:endParaRPr lang="en-US" dirty="0"/>
+          </a:p>
+          <a:p>
+            <a:pPr marL="0" indent="0">
+              <a:buNone/>
+            </a:pPr>
+            <a:r>
+              <a:rPr lang="en-US" dirty="0">
+                <a:hlinkClick r:id="rId3"/>
+              </a:rPr>
+              <a:t>https://pubmed.ncbi.nlm.nih.gov/35469531/</a:t>
+            </a:r>
+            <a:endParaRPr lang="en-US" dirty="0"/>
+          </a:p>
+          <a:p>
+            <a:pPr marL="0" indent="0">
+              <a:buNone/>
+            </a:pPr>
+            <a:r>
+              <a:rPr lang="en-US" dirty="0">
+                <a:hlinkClick r:id="rId4"/>
+              </a:rPr>
+              <a:t>https://www.uptodate.com/contents/fetal-macrosomia</a:t>
+            </a:r>
+            <a:endParaRPr lang="en-US" dirty="0"/>
+          </a:p>
+          <a:p>
+            <a:pPr marL="0" indent="0">
+              <a:buNone/>
+            </a:pPr>
+            <a:r>
+              <a:rPr lang="en-US" dirty="0">
+                <a:hlinkClick r:id="rId5"/>
+              </a:rPr>
+              <a:t>https://my.clevelandclinic.org/health/diseases/22311-shoulder-dystocia</a:t>
+            </a:r>
+            <a:endParaRPr lang="en-US" dirty="0"/>
+          </a:p>
+          <a:p>
+            <a:pPr marL="0" indent="0">
+              <a:buNone/>
+            </a:pPr>
+            <a:r>
+              <a:rPr lang="en-US" dirty="0"/>
+              <a:t>About Social Maternal Characteristics:</a:t>
+            </a:r>
+          </a:p>
+          <a:p>
+            <a:pPr marL="0" indent="0">
+              <a:buNone/>
+            </a:pPr>
+            <a:r>
+              <a:rPr lang="en-US" dirty="0">
+                <a:hlinkClick r:id="rId6"/>
+              </a:rPr>
+              <a:t>https://www.nytimes.com/interactive/2019/us/abortion-laws-states.html</a:t>
+            </a:r>
+            <a:endParaRPr lang="en-US" dirty="0"/>
+          </a:p>
+          <a:p>
+            <a:pPr marL="0" indent="0">
+              <a:buNone/>
+            </a:pPr>
+            <a:r>
+              <a:rPr lang="en-US" dirty="0">
+                <a:hlinkClick r:id="rId7"/>
+              </a:rPr>
+              <a:t>https://www.gao.gov/assets/gao-23-105871.pdf</a:t>
+            </a:r>
+            <a:endParaRPr lang="en-US" dirty="0"/>
           </a:p>
         </p:txBody>
       </p:sp>
@@ -18625,10 +19359,145 @@
       </p:grpSpPr>
       <p:sp>
         <p:nvSpPr>
+          <p:cNvPr id="2" name="Title 1">
+            <a:extLst>
+              <a:ext uri="{FF2B5EF4-FFF2-40B4-BE49-F238E27FC236}">
+                <a16:creationId xmlns:a16="http://schemas.microsoft.com/office/drawing/2014/main" id="{F525DF8D-0F58-5908-35C8-7C18067BFAF8}"/>
+              </a:ext>
+            </a:extLst>
+          </p:cNvPr>
+          <p:cNvSpPr>
+            <a:spLocks noGrp="1"/>
+          </p:cNvSpPr>
+          <p:nvPr>
+            <p:ph type="title"/>
+          </p:nvPr>
+        </p:nvSpPr>
+        <p:spPr/>
+        <p:txBody>
+          <a:bodyPr/>
+          <a:lstStyle/>
+          <a:p>
+            <a:r>
+              <a:rPr lang="en-US" dirty="0"/>
+              <a:t>APPENDIX A: RESOURCES</a:t>
+            </a:r>
+          </a:p>
+        </p:txBody>
+      </p:sp>
+      <p:sp>
+        <p:nvSpPr>
+          <p:cNvPr id="3" name="Content Placeholder 2">
+            <a:extLst>
+              <a:ext uri="{FF2B5EF4-FFF2-40B4-BE49-F238E27FC236}">
+                <a16:creationId xmlns:a16="http://schemas.microsoft.com/office/drawing/2014/main" id="{5E5E1165-2FF5-95EB-6DE6-E75D3896A6A7}"/>
+              </a:ext>
+            </a:extLst>
+          </p:cNvPr>
+          <p:cNvSpPr>
+            <a:spLocks noGrp="1"/>
+          </p:cNvSpPr>
+          <p:nvPr>
+            <p:ph idx="1"/>
+          </p:nvPr>
+        </p:nvSpPr>
+        <p:spPr/>
+        <p:txBody>
+          <a:bodyPr/>
+          <a:lstStyle/>
+          <a:p>
+            <a:pPr marL="0" indent="0">
+              <a:buNone/>
+            </a:pPr>
+            <a:r>
+              <a:rPr lang="en-US" dirty="0"/>
+              <a:t>About Maternal Mortality Reporting:</a:t>
+            </a:r>
+          </a:p>
+          <a:p>
+            <a:pPr marL="0" indent="0">
+              <a:buNone/>
+            </a:pPr>
+            <a:r>
+              <a:rPr lang="en-US" dirty="0">
+                <a:hlinkClick r:id="rId2"/>
+              </a:rPr>
+              <a:t>https://www.cdc.gov/nchs/maternal-mortality/evaluation.htm</a:t>
+            </a:r>
+            <a:r>
+              <a:rPr lang="en-US" dirty="0"/>
+              <a:t> </a:t>
+            </a:r>
+          </a:p>
+          <a:p>
+            <a:pPr marL="0" indent="0">
+              <a:buNone/>
+            </a:pPr>
+            <a:r>
+              <a:rPr lang="en-US" dirty="0">
+                <a:hlinkClick r:id="rId3"/>
+              </a:rPr>
+              <a:t>https://www.who.int/data/gho/indicator-metadata-registry/imr-details/4622</a:t>
+            </a:r>
+            <a:r>
+              <a:rPr lang="en-US" dirty="0"/>
+              <a:t> </a:t>
+            </a:r>
+          </a:p>
+          <a:p>
+            <a:pPr marL="0" indent="0">
+              <a:buNone/>
+            </a:pPr>
+            <a:r>
+              <a:rPr lang="en-US" dirty="0">
+                <a:hlinkClick r:id="rId4"/>
+              </a:rPr>
+              <a:t>https://apps.who.int/iris/bitstream/handle/10665/70929/9789241548458_eng.pdf;jsess</a:t>
+            </a:r>
+            <a:endParaRPr lang="en-US" dirty="0"/>
+          </a:p>
+          <a:p>
+            <a:pPr marL="0" indent="0">
+              <a:buNone/>
+            </a:pPr>
+            <a:r>
+              <a:rPr lang="en-US" u="sng" dirty="0">
+                <a:solidFill>
+                  <a:srgbClr val="0563C1"/>
+                </a:solidFill>
+                <a:effectLst/>
+                <a:ea typeface="Calibri" panose="020F0502020204030204" pitchFamily="34" charset="0"/>
+                <a:cs typeface="Times New Roman" panose="02020603050405020304" pitchFamily="18" charset="0"/>
+                <a:hlinkClick r:id="rId5"/>
+              </a:rPr>
+              <a:t>https://www.ncbi.nlm.nih.gov/pmc/articles/PMC7592741/</a:t>
+            </a:r>
+            <a:endParaRPr lang="en-US" dirty="0">
+              <a:effectLst/>
+              <a:ea typeface="Calibri" panose="020F0502020204030204" pitchFamily="34" charset="0"/>
+              <a:cs typeface="Times New Roman" panose="02020603050405020304" pitchFamily="18" charset="0"/>
+            </a:endParaRPr>
+          </a:p>
+          <a:p>
+            <a:pPr marL="0" indent="0">
+              <a:buNone/>
+            </a:pPr>
+            <a:endParaRPr lang="en-US" dirty="0"/>
+          </a:p>
+          <a:p>
+            <a:pPr marL="0" indent="0">
+              <a:buNone/>
+            </a:pPr>
+            <a:endParaRPr lang="en-US" dirty="0"/>
+          </a:p>
+        </p:txBody>
+      </p:sp>
+      <p:sp>
+        <p:nvSpPr>
           <p:cNvPr id="4" name="Slide Number Placeholder 3">
             <a:extLst>
               <a:ext uri="{FF2B5EF4-FFF2-40B4-BE49-F238E27FC236}">
-                <a16:creationId xmlns:a16="http://schemas.microsoft.com/office/drawing/2014/main" id="{4D03E257-84A9-19FA-1459-8C254D97B170}"/>
+                <a16:creationId xmlns:a16="http://schemas.microsoft.com/office/drawing/2014/main" id="{E6FBFEB2-A10C-B985-4BFB-6FB649496D26}"/>
               </a:ext>
             </a:extLst>
           </p:cNvPr>
@@ -18652,180 +19521,10 @@
           </a:p>
         </p:txBody>
       </p:sp>
-      <p:sp>
-        <p:nvSpPr>
-          <p:cNvPr id="6" name="Footer Placeholder 6">
-            <a:extLst>
-              <a:ext uri="{FF2B5EF4-FFF2-40B4-BE49-F238E27FC236}">
-                <a16:creationId xmlns:a16="http://schemas.microsoft.com/office/drawing/2014/main" id="{58A9E397-4370-E285-A4D2-3D0A88129082}"/>
-              </a:ext>
-            </a:extLst>
-          </p:cNvPr>
-          <p:cNvSpPr txBox="1">
-            <a:spLocks/>
-          </p:cNvSpPr>
-          <p:nvPr/>
-        </p:nvSpPr>
-        <p:spPr>
-          <a:xfrm>
-            <a:off x="9947911" y="6380956"/>
-            <a:ext cx="1780166" cy="268287"/>
-          </a:xfrm>
-          <a:prstGeom prst="rect">
-            <a:avLst/>
-          </a:prstGeom>
-        </p:spPr>
-        <p:txBody>
-          <a:bodyPr/>
-          <a:lstStyle>
-            <a:defPPr>
-              <a:defRPr lang="en-US"/>
-            </a:defPPr>
-            <a:lvl1pPr marL="0" algn="l" defTabSz="914400" rtl="0" eaLnBrk="1" latinLnBrk="0" hangingPunct="1">
-              <a:defRPr sz="1800" kern="1200">
-                <a:solidFill>
-                  <a:schemeClr val="tx1"/>
-                </a:solidFill>
-                <a:latin typeface="+mn-lt"/>
-                <a:ea typeface="+mn-ea"/>
-                <a:cs typeface="+mn-cs"/>
-              </a:defRPr>
-            </a:lvl1pPr>
-            <a:lvl2pPr marL="457200" algn="l" defTabSz="914400" rtl="0" eaLnBrk="1" latinLnBrk="0" hangingPunct="1">
-              <a:defRPr sz="1800" kern="1200">
-                <a:solidFill>
-                  <a:schemeClr val="tx1"/>
-                </a:solidFill>
-                <a:latin typeface="+mn-lt"/>
-                <a:ea typeface="+mn-ea"/>
-                <a:cs typeface="+mn-cs"/>
-              </a:defRPr>
-            </a:lvl2pPr>
-            <a:lvl3pPr marL="914400" algn="l" defTabSz="914400" rtl="0" eaLnBrk="1" latinLnBrk="0" hangingPunct="1">
-              <a:defRPr sz="1800" kern="1200">
-                <a:solidFill>
-                  <a:schemeClr val="tx1"/>
-                </a:solidFill>
-                <a:latin typeface="+mn-lt"/>
-                <a:ea typeface="+mn-ea"/>
-                <a:cs typeface="+mn-cs"/>
-              </a:defRPr>
-            </a:lvl3pPr>
-            <a:lvl4pPr marL="1371600" algn="l" defTabSz="914400" rtl="0" eaLnBrk="1" latinLnBrk="0" hangingPunct="1">
-              <a:defRPr sz="1800" kern="1200">
-                <a:solidFill>
-                  <a:schemeClr val="tx1"/>
-                </a:solidFill>
-                <a:latin typeface="+mn-lt"/>
-                <a:ea typeface="+mn-ea"/>
-                <a:cs typeface="+mn-cs"/>
-              </a:defRPr>
-            </a:lvl4pPr>
-            <a:lvl5pPr marL="1828800" algn="l" defTabSz="914400" rtl="0" eaLnBrk="1" latinLnBrk="0" hangingPunct="1">
-              <a:defRPr sz="1800" kern="1200">
-                <a:solidFill>
-                  <a:schemeClr val="tx1"/>
-                </a:solidFill>
-                <a:latin typeface="+mn-lt"/>
-                <a:ea typeface="+mn-ea"/>
-                <a:cs typeface="+mn-cs"/>
-              </a:defRPr>
-            </a:lvl5pPr>
-            <a:lvl6pPr marL="2286000" algn="l" defTabSz="914400" rtl="0" eaLnBrk="1" latinLnBrk="0" hangingPunct="1">
-              <a:defRPr sz="1800" kern="1200">
-                <a:solidFill>
-                  <a:schemeClr val="tx1"/>
-                </a:solidFill>
-                <a:latin typeface="+mn-lt"/>
-                <a:ea typeface="+mn-ea"/>
-                <a:cs typeface="+mn-cs"/>
-              </a:defRPr>
-            </a:lvl6pPr>
-            <a:lvl7pPr marL="2743200" algn="l" defTabSz="914400" rtl="0" eaLnBrk="1" latinLnBrk="0" hangingPunct="1">
-              <a:defRPr sz="1800" kern="1200">
-                <a:solidFill>
-                  <a:schemeClr val="tx1"/>
-                </a:solidFill>
-                <a:latin typeface="+mn-lt"/>
-                <a:ea typeface="+mn-ea"/>
-                <a:cs typeface="+mn-cs"/>
-              </a:defRPr>
-            </a:lvl7pPr>
-            <a:lvl8pPr marL="3200400" algn="l" defTabSz="914400" rtl="0" eaLnBrk="1" latinLnBrk="0" hangingPunct="1">
-              <a:defRPr sz="1800" kern="1200">
-                <a:solidFill>
-                  <a:schemeClr val="tx1"/>
-                </a:solidFill>
-                <a:latin typeface="+mn-lt"/>
-                <a:ea typeface="+mn-ea"/>
-                <a:cs typeface="+mn-cs"/>
-              </a:defRPr>
-            </a:lvl8pPr>
-            <a:lvl9pPr marL="3657600" algn="l" defTabSz="914400" rtl="0" eaLnBrk="1" latinLnBrk="0" hangingPunct="1">
-              <a:defRPr sz="1800" kern="1200">
-                <a:solidFill>
-                  <a:schemeClr val="tx1"/>
-                </a:solidFill>
-                <a:latin typeface="+mn-lt"/>
-                <a:ea typeface="+mn-ea"/>
-                <a:cs typeface="+mn-cs"/>
-              </a:defRPr>
-            </a:lvl9pPr>
-          </a:lstStyle>
-          <a:p>
-            <a:pPr algn="r"/>
-            <a:r>
-              <a:rPr lang="en-US" sz="1100" dirty="0"/>
-              <a:t>Physical Characteristics</a:t>
-            </a:r>
-          </a:p>
-        </p:txBody>
-      </p:sp>
-      <p:pic>
-        <p:nvPicPr>
-          <p:cNvPr id="11" name="Picture 10" descr="Chart, line chart&#10;&#10;Description automatically generated">
-            <a:extLst>
-              <a:ext uri="{FF2B5EF4-FFF2-40B4-BE49-F238E27FC236}">
-                <a16:creationId xmlns:a16="http://schemas.microsoft.com/office/drawing/2014/main" id="{1ED8A8BD-6C21-E4EB-E9F5-AC8CDA2F42E9}"/>
-              </a:ext>
-            </a:extLst>
-          </p:cNvPr>
-          <p:cNvPicPr>
-            <a:picLocks noChangeAspect="1"/>
-          </p:cNvPicPr>
-          <p:nvPr/>
-        </p:nvPicPr>
-        <p:blipFill>
-          <a:blip r:embed="rId2">
-            <a:extLst>
-              <a:ext uri="{28A0092B-C50C-407E-A947-70E740481C1C}">
-                <a14:useLocalDpi xmlns:a14="http://schemas.microsoft.com/office/drawing/2010/main" val="0"/>
-              </a:ext>
-            </a:extLst>
-          </a:blip>
-          <a:stretch>
-            <a:fillRect/>
-          </a:stretch>
-        </p:blipFill>
-        <p:spPr>
-          <a:xfrm>
-            <a:off x="3163780" y="1287925"/>
-            <a:ext cx="8564297" cy="4282149"/>
-          </a:xfrm>
-          <a:prstGeom prst="rect">
-            <a:avLst/>
-          </a:prstGeom>
-          <a:ln w="57150">
-            <a:solidFill>
-              <a:srgbClr val="0582CA"/>
-            </a:solidFill>
-          </a:ln>
-        </p:spPr>
-      </p:pic>
     </p:spTree>
     <p:extLst>
       <p:ext uri="{BB962C8B-B14F-4D97-AF65-F5344CB8AC3E}">
-        <p14:creationId xmlns:p14="http://schemas.microsoft.com/office/powerpoint/2010/main" val="3379331860"/>
+        <p14:creationId xmlns:p14="http://schemas.microsoft.com/office/powerpoint/2010/main" val="648506169"/>
       </p:ext>
     </p:extLst>
   </p:cSld>
@@ -18898,10 +19597,240 @@
         </p:nvSpPr>
         <p:spPr/>
         <p:txBody>
-          <a:bodyPr/>
+          <a:bodyPr>
+            <a:noAutofit/>
+          </a:bodyPr>
           <a:lstStyle/>
           <a:p>
-            <a:endParaRPr lang="en-US"/>
+            <a:pPr marR="0" lvl="0">
+              <a:lnSpc>
+                <a:spcPct val="107000"/>
+              </a:lnSpc>
+              <a:spcBef>
+                <a:spcPts val="0"/>
+              </a:spcBef>
+              <a:spcAft>
+                <a:spcPts val="0"/>
+              </a:spcAft>
+              <a:buFont typeface="Wingdings" panose="05000000000000000000" pitchFamily="2" charset="2"/>
+              <a:buChar char="§"/>
+            </a:pPr>
+            <a:r>
+              <a:rPr lang="en-US" dirty="0">
+                <a:effectLst/>
+                <a:highlight>
+                  <a:srgbClr val="FFFF00"/>
+                </a:highlight>
+                <a:ea typeface="Calibri" panose="020F0502020204030204" pitchFamily="34" charset="0"/>
+                <a:cs typeface="Times New Roman" panose="02020603050405020304" pitchFamily="18" charset="0"/>
+              </a:rPr>
+              <a:t>Maternal Mortality</a:t>
+            </a:r>
+            <a:r>
+              <a:rPr lang="en-US" dirty="0">
+                <a:effectLst/>
+                <a:ea typeface="Calibri" panose="020F0502020204030204" pitchFamily="34" charset="0"/>
+                <a:cs typeface="Times New Roman" panose="02020603050405020304" pitchFamily="18" charset="0"/>
+              </a:rPr>
+              <a:t> is defined as deaths due to pregnancy-related complications during pregnancy or up to a year after childbirth. Subclassify (between 42 days - 1year after childbirth as </a:t>
+            </a:r>
+            <a:r>
+              <a:rPr lang="en-US" i="1" dirty="0">
+                <a:effectLst/>
+                <a:ea typeface="Calibri" panose="020F0502020204030204" pitchFamily="34" charset="0"/>
+                <a:cs typeface="Times New Roman" panose="02020603050405020304" pitchFamily="18" charset="0"/>
+              </a:rPr>
+              <a:t>late maternal death</a:t>
+            </a:r>
+            <a:r>
+              <a:rPr lang="en-US" dirty="0">
+                <a:effectLst/>
+                <a:ea typeface="Calibri" panose="020F0502020204030204" pitchFamily="34" charset="0"/>
+                <a:cs typeface="Times New Roman" panose="02020603050405020304" pitchFamily="18" charset="0"/>
+              </a:rPr>
+              <a:t>).</a:t>
+            </a:r>
+          </a:p>
+          <a:p>
+            <a:pPr marR="0" lvl="1">
+              <a:lnSpc>
+                <a:spcPct val="107000"/>
+              </a:lnSpc>
+              <a:spcBef>
+                <a:spcPts val="0"/>
+              </a:spcBef>
+              <a:spcAft>
+                <a:spcPts val="800"/>
+              </a:spcAft>
+              <a:buFont typeface="Wingdings" panose="05000000000000000000" pitchFamily="2" charset="2"/>
+              <a:buChar char="§"/>
+            </a:pPr>
+            <a:r>
+              <a:rPr lang="en-US" sz="2000" dirty="0">
+                <a:effectLst/>
+                <a:ea typeface="Calibri" panose="020F0502020204030204" pitchFamily="34" charset="0"/>
+                <a:cs typeface="Times New Roman" panose="02020603050405020304" pitchFamily="18" charset="0"/>
+              </a:rPr>
+              <a:t>CDC uses A34, O00-O95, O98-O99	</a:t>
+            </a:r>
+          </a:p>
+          <a:p>
+            <a:pPr marR="0" lvl="0">
+              <a:lnSpc>
+                <a:spcPct val="107000"/>
+              </a:lnSpc>
+              <a:spcBef>
+                <a:spcPts val="0"/>
+              </a:spcBef>
+              <a:spcAft>
+                <a:spcPts val="0"/>
+              </a:spcAft>
+              <a:buFont typeface="Wingdings" panose="05000000000000000000" pitchFamily="2" charset="2"/>
+              <a:buChar char="§"/>
+            </a:pPr>
+            <a:r>
+              <a:rPr lang="en-US" dirty="0">
+                <a:effectLst/>
+                <a:highlight>
+                  <a:srgbClr val="FFFF00"/>
+                </a:highlight>
+                <a:ea typeface="Calibri" panose="020F0502020204030204" pitchFamily="34" charset="0"/>
+                <a:cs typeface="Times New Roman" panose="02020603050405020304" pitchFamily="18" charset="0"/>
+              </a:rPr>
+              <a:t>Ratio</a:t>
+            </a:r>
+            <a:r>
+              <a:rPr lang="en-US" dirty="0">
+                <a:effectLst/>
+                <a:ea typeface="Calibri" panose="020F0502020204030204" pitchFamily="34" charset="0"/>
+                <a:cs typeface="Times New Roman" panose="02020603050405020304" pitchFamily="18" charset="0"/>
+              </a:rPr>
+              <a:t> is defined as number of events per 100,000 live births</a:t>
+            </a:r>
+          </a:p>
+          <a:p>
+            <a:pPr marR="0" lvl="1">
+              <a:lnSpc>
+                <a:spcPct val="107000"/>
+              </a:lnSpc>
+              <a:spcBef>
+                <a:spcPts val="0"/>
+              </a:spcBef>
+              <a:spcAft>
+                <a:spcPts val="0"/>
+              </a:spcAft>
+              <a:buFont typeface="Wingdings" panose="05000000000000000000" pitchFamily="2" charset="2"/>
+              <a:buChar char="§"/>
+            </a:pPr>
+            <a:r>
+              <a:rPr lang="en-US" sz="2000" u="sng" dirty="0">
+                <a:solidFill>
+                  <a:srgbClr val="0563C1"/>
+                </a:solidFill>
+                <a:effectLst/>
+                <a:ea typeface="Calibri" panose="020F0502020204030204" pitchFamily="34" charset="0"/>
+                <a:cs typeface="Times New Roman" panose="02020603050405020304" pitchFamily="18" charset="0"/>
+                <a:hlinkClick r:id="rId2"/>
+              </a:rPr>
+              <a:t>https://www.who.int/data/gho/indicator-metadata-registry/imr-details/26</a:t>
+            </a:r>
+            <a:endParaRPr lang="en-US" sz="2000" dirty="0">
+              <a:effectLst/>
+              <a:ea typeface="Calibri" panose="020F0502020204030204" pitchFamily="34" charset="0"/>
+              <a:cs typeface="Times New Roman" panose="02020603050405020304" pitchFamily="18" charset="0"/>
+            </a:endParaRPr>
+          </a:p>
+          <a:p>
+            <a:pPr marR="0" lvl="1">
+              <a:lnSpc>
+                <a:spcPct val="107000"/>
+              </a:lnSpc>
+              <a:spcBef>
+                <a:spcPts val="0"/>
+              </a:spcBef>
+              <a:spcAft>
+                <a:spcPts val="0"/>
+              </a:spcAft>
+              <a:buFont typeface="Wingdings" panose="05000000000000000000" pitchFamily="2" charset="2"/>
+              <a:buChar char="§"/>
+            </a:pPr>
+            <a:r>
+              <a:rPr lang="en-US" sz="2000" dirty="0">
+                <a:effectLst/>
+                <a:ea typeface="Calibri" panose="020F0502020204030204" pitchFamily="34" charset="0"/>
+                <a:cs typeface="Times New Roman" panose="02020603050405020304" pitchFamily="18" charset="0"/>
+              </a:rPr>
+              <a:t>We’re basically using WHO’s standard definition for “Maternal Mortality Ratio”</a:t>
+            </a:r>
+          </a:p>
+          <a:p>
+            <a:pPr marR="0" lvl="1">
+              <a:lnSpc>
+                <a:spcPct val="107000"/>
+              </a:lnSpc>
+              <a:spcBef>
+                <a:spcPts val="0"/>
+              </a:spcBef>
+              <a:spcAft>
+                <a:spcPts val="800"/>
+              </a:spcAft>
+              <a:buFont typeface="Wingdings" panose="05000000000000000000" pitchFamily="2" charset="2"/>
+              <a:buChar char="§"/>
+            </a:pPr>
+            <a:r>
+              <a:rPr lang="en-US" sz="2000" dirty="0">
+                <a:effectLst/>
+                <a:ea typeface="Calibri" panose="020F0502020204030204" pitchFamily="34" charset="0"/>
+                <a:cs typeface="Times New Roman" panose="02020603050405020304" pitchFamily="18" charset="0"/>
+              </a:rPr>
+              <a:t>The CDC uses the word “rate”, but apparently this is just for ease of language</a:t>
+            </a:r>
+          </a:p>
+          <a:p>
+            <a:pPr marL="0" indent="0">
+              <a:lnSpc>
+                <a:spcPct val="107000"/>
+              </a:lnSpc>
+              <a:spcBef>
+                <a:spcPts val="0"/>
+              </a:spcBef>
+              <a:spcAft>
+                <a:spcPts val="800"/>
+              </a:spcAft>
+              <a:buNone/>
+            </a:pPr>
+            <a:endParaRPr lang="en-US" dirty="0">
+              <a:effectLst/>
+              <a:ea typeface="Calibri" panose="020F0502020204030204" pitchFamily="34" charset="0"/>
+              <a:cs typeface="Times New Roman" panose="02020603050405020304" pitchFamily="18" charset="0"/>
+            </a:endParaRPr>
+          </a:p>
+          <a:p>
+            <a:pPr>
+              <a:lnSpc>
+                <a:spcPct val="107000"/>
+              </a:lnSpc>
+              <a:spcBef>
+                <a:spcPts val="0"/>
+              </a:spcBef>
+              <a:spcAft>
+                <a:spcPts val="800"/>
+              </a:spcAft>
+              <a:buFont typeface="Wingdings" panose="05000000000000000000" pitchFamily="2" charset="2"/>
+              <a:buChar char="§"/>
+            </a:pPr>
+            <a:endParaRPr lang="en-US" dirty="0">
+              <a:effectLst/>
+              <a:ea typeface="Calibri" panose="020F0502020204030204" pitchFamily="34" charset="0"/>
+              <a:cs typeface="Times New Roman" panose="02020603050405020304" pitchFamily="18" charset="0"/>
+            </a:endParaRPr>
+          </a:p>
+          <a:p>
+            <a:pPr>
+              <a:buFont typeface="Wingdings" panose="05000000000000000000" pitchFamily="2" charset="2"/>
+              <a:buChar char="§"/>
+            </a:pPr>
+            <a:endParaRPr lang="en-US" dirty="0"/>
           </a:p>
         </p:txBody>
       </p:sp>
@@ -18969,7 +19898,7 @@
           <p:cNvPr id="2" name="Title 1">
             <a:extLst>
               <a:ext uri="{FF2B5EF4-FFF2-40B4-BE49-F238E27FC236}">
-                <a16:creationId xmlns:a16="http://schemas.microsoft.com/office/drawing/2014/main" id="{C758763C-CD10-E33F-9E4F-BF45007AD8EA}"/>
+                <a16:creationId xmlns:a16="http://schemas.microsoft.com/office/drawing/2014/main" id="{3CF1517D-AEAF-4435-188B-AC4E7ECDEAB1}"/>
               </a:ext>
             </a:extLst>
           </p:cNvPr>
@@ -18987,7 +19916,7 @@
           <a:p>
             <a:r>
               <a:rPr lang="en-US" dirty="0"/>
-              <a:t>APPENDIX C: NEXT STEPS</a:t>
+              <a:t>APPENDIX B: DEFINITIONS</a:t>
             </a:r>
           </a:p>
         </p:txBody>
@@ -18997,7 +19926,7 @@
           <p:cNvPr id="3" name="Content Placeholder 2">
             <a:extLst>
               <a:ext uri="{FF2B5EF4-FFF2-40B4-BE49-F238E27FC236}">
-                <a16:creationId xmlns:a16="http://schemas.microsoft.com/office/drawing/2014/main" id="{D61115A8-9A44-705E-0F92-77863095BFC6}"/>
+                <a16:creationId xmlns:a16="http://schemas.microsoft.com/office/drawing/2014/main" id="{D848432C-C02C-5EE7-B6FA-8BB1AA336885}"/>
               </a:ext>
             </a:extLst>
           </p:cNvPr>
@@ -19010,13 +19939,244 @@
         </p:nvSpPr>
         <p:spPr/>
         <p:txBody>
-          <a:bodyPr/>
+          <a:bodyPr>
+            <a:noAutofit/>
+          </a:bodyPr>
           <a:lstStyle/>
           <a:p>
+            <a:pPr marR="0" lvl="0">
+              <a:lnSpc>
+                <a:spcPct val="107000"/>
+              </a:lnSpc>
+              <a:spcBef>
+                <a:spcPts val="0"/>
+              </a:spcBef>
+              <a:spcAft>
+                <a:spcPts val="0"/>
+              </a:spcAft>
+              <a:buFont typeface="Wingdings" panose="05000000000000000000" pitchFamily="2" charset="2"/>
+              <a:buChar char="§"/>
+            </a:pPr>
             <a:r>
-              <a:rPr lang="en-US" dirty="0"/>
-              <a:t>Some other things to consider: Maternal History</a:t>
+              <a:rPr lang="en-US" dirty="0">
+                <a:effectLst/>
+                <a:ea typeface="Calibri" panose="020F0502020204030204" pitchFamily="34" charset="0"/>
+                <a:cs typeface="Times New Roman" panose="02020603050405020304" pitchFamily="18" charset="0"/>
+              </a:rPr>
+              <a:t>We used Single </a:t>
             </a:r>
+            <a:r>
+              <a:rPr lang="en-US" dirty="0">
+                <a:effectLst/>
+                <a:highlight>
+                  <a:srgbClr val="FFFF00"/>
+                </a:highlight>
+                <a:ea typeface="Calibri" panose="020F0502020204030204" pitchFamily="34" charset="0"/>
+                <a:cs typeface="Times New Roman" panose="02020603050405020304" pitchFamily="18" charset="0"/>
+              </a:rPr>
+              <a:t>Race</a:t>
+            </a:r>
+            <a:r>
+              <a:rPr lang="en-US" dirty="0">
+                <a:effectLst/>
+                <a:ea typeface="Calibri" panose="020F0502020204030204" pitchFamily="34" charset="0"/>
+                <a:cs typeface="Times New Roman" panose="02020603050405020304" pitchFamily="18" charset="0"/>
+              </a:rPr>
+              <a:t> 6 Category and whether mother was of Hispanic origin or not to classify race.</a:t>
+            </a:r>
+          </a:p>
+          <a:p>
+            <a:pPr marR="0" lvl="1">
+              <a:lnSpc>
+                <a:spcPct val="107000"/>
+              </a:lnSpc>
+              <a:spcBef>
+                <a:spcPts val="0"/>
+              </a:spcBef>
+              <a:spcAft>
+                <a:spcPts val="0"/>
+              </a:spcAft>
+              <a:buFont typeface="Wingdings" panose="05000000000000000000" pitchFamily="2" charset="2"/>
+              <a:buChar char="§"/>
+            </a:pPr>
+            <a:r>
+              <a:rPr lang="en-US" sz="2000" dirty="0">
+                <a:effectLst/>
+                <a:ea typeface="Calibri" panose="020F0502020204030204" pitchFamily="34" charset="0"/>
+                <a:cs typeface="Times New Roman" panose="02020603050405020304" pitchFamily="18" charset="0"/>
+              </a:rPr>
+              <a:t>Non-Hispanic American Indian or Alaska Native</a:t>
+            </a:r>
+          </a:p>
+          <a:p>
+            <a:pPr marR="0" lvl="1">
+              <a:lnSpc>
+                <a:spcPct val="107000"/>
+              </a:lnSpc>
+              <a:spcBef>
+                <a:spcPts val="0"/>
+              </a:spcBef>
+              <a:spcAft>
+                <a:spcPts val="0"/>
+              </a:spcAft>
+              <a:buFont typeface="Wingdings" panose="05000000000000000000" pitchFamily="2" charset="2"/>
+              <a:buChar char="§"/>
+            </a:pPr>
+            <a:r>
+              <a:rPr lang="en-US" sz="2000" dirty="0">
+                <a:effectLst/>
+                <a:ea typeface="Calibri" panose="020F0502020204030204" pitchFamily="34" charset="0"/>
+                <a:cs typeface="Times New Roman" panose="02020603050405020304" pitchFamily="18" charset="0"/>
+              </a:rPr>
+              <a:t>Non-Hispanic Asian</a:t>
+            </a:r>
+          </a:p>
+          <a:p>
+            <a:pPr marR="0" lvl="1">
+              <a:lnSpc>
+                <a:spcPct val="107000"/>
+              </a:lnSpc>
+              <a:spcBef>
+                <a:spcPts val="0"/>
+              </a:spcBef>
+              <a:spcAft>
+                <a:spcPts val="0"/>
+              </a:spcAft>
+              <a:buFont typeface="Wingdings" panose="05000000000000000000" pitchFamily="2" charset="2"/>
+              <a:buChar char="§"/>
+            </a:pPr>
+            <a:r>
+              <a:rPr lang="en-US" sz="2000" dirty="0">
+                <a:effectLst/>
+                <a:ea typeface="Calibri" panose="020F0502020204030204" pitchFamily="34" charset="0"/>
+                <a:cs typeface="Times New Roman" panose="02020603050405020304" pitchFamily="18" charset="0"/>
+              </a:rPr>
+              <a:t>Non-Hispanic Black or African American</a:t>
+            </a:r>
+          </a:p>
+          <a:p>
+            <a:pPr marR="0" lvl="1">
+              <a:lnSpc>
+                <a:spcPct val="107000"/>
+              </a:lnSpc>
+              <a:spcBef>
+                <a:spcPts val="0"/>
+              </a:spcBef>
+              <a:spcAft>
+                <a:spcPts val="0"/>
+              </a:spcAft>
+              <a:buFont typeface="Wingdings" panose="05000000000000000000" pitchFamily="2" charset="2"/>
+              <a:buChar char="§"/>
+            </a:pPr>
+            <a:r>
+              <a:rPr lang="en-US" sz="2000" dirty="0">
+                <a:effectLst/>
+                <a:ea typeface="Calibri" panose="020F0502020204030204" pitchFamily="34" charset="0"/>
+                <a:cs typeface="Times New Roman" panose="02020603050405020304" pitchFamily="18" charset="0"/>
+              </a:rPr>
+              <a:t>Non-Hispanic Native Hawaiian or Other Pacific Islander</a:t>
+            </a:r>
+          </a:p>
+          <a:p>
+            <a:pPr marR="0" lvl="1">
+              <a:lnSpc>
+                <a:spcPct val="107000"/>
+              </a:lnSpc>
+              <a:spcBef>
+                <a:spcPts val="0"/>
+              </a:spcBef>
+              <a:spcAft>
+                <a:spcPts val="0"/>
+              </a:spcAft>
+              <a:buFont typeface="Wingdings" panose="05000000000000000000" pitchFamily="2" charset="2"/>
+              <a:buChar char="§"/>
+            </a:pPr>
+            <a:r>
+              <a:rPr lang="en-US" sz="2000" dirty="0">
+                <a:effectLst/>
+                <a:ea typeface="Calibri" panose="020F0502020204030204" pitchFamily="34" charset="0"/>
+                <a:cs typeface="Times New Roman" panose="02020603050405020304" pitchFamily="18" charset="0"/>
+              </a:rPr>
+              <a:t>Non-Hispanic White</a:t>
+            </a:r>
+          </a:p>
+          <a:p>
+            <a:pPr marR="0" lvl="1">
+              <a:lnSpc>
+                <a:spcPct val="107000"/>
+              </a:lnSpc>
+              <a:spcBef>
+                <a:spcPts val="0"/>
+              </a:spcBef>
+              <a:spcAft>
+                <a:spcPts val="0"/>
+              </a:spcAft>
+              <a:buFont typeface="Wingdings" panose="05000000000000000000" pitchFamily="2" charset="2"/>
+              <a:buChar char="§"/>
+            </a:pPr>
+            <a:r>
+              <a:rPr lang="en-US" sz="2000" dirty="0">
+                <a:effectLst/>
+                <a:ea typeface="Calibri" panose="020F0502020204030204" pitchFamily="34" charset="0"/>
+                <a:cs typeface="Times New Roman" panose="02020603050405020304" pitchFamily="18" charset="0"/>
+              </a:rPr>
+              <a:t>Non-Hispanic More than one race</a:t>
+            </a:r>
+          </a:p>
+          <a:p>
+            <a:pPr marR="0" lvl="1">
+              <a:lnSpc>
+                <a:spcPct val="107000"/>
+              </a:lnSpc>
+              <a:spcBef>
+                <a:spcPts val="0"/>
+              </a:spcBef>
+              <a:spcAft>
+                <a:spcPts val="800"/>
+              </a:spcAft>
+              <a:buFont typeface="Wingdings" panose="05000000000000000000" pitchFamily="2" charset="2"/>
+              <a:buChar char="§"/>
+            </a:pPr>
+            <a:r>
+              <a:rPr lang="en-US" sz="2000" dirty="0">
+                <a:effectLst/>
+                <a:ea typeface="Calibri" panose="020F0502020204030204" pitchFamily="34" charset="0"/>
+                <a:cs typeface="Times New Roman" panose="02020603050405020304" pitchFamily="18" charset="0"/>
+              </a:rPr>
+              <a:t>Hispanic</a:t>
+            </a:r>
+            <a:endParaRPr lang="en-US" dirty="0">
+              <a:effectLst/>
+              <a:ea typeface="Calibri" panose="020F0502020204030204" pitchFamily="34" charset="0"/>
+              <a:cs typeface="Times New Roman" panose="02020603050405020304" pitchFamily="18" charset="0"/>
+            </a:endParaRPr>
+          </a:p>
+          <a:p>
+            <a:pPr>
+              <a:lnSpc>
+                <a:spcPct val="107000"/>
+              </a:lnSpc>
+              <a:spcBef>
+                <a:spcPts val="0"/>
+              </a:spcBef>
+              <a:spcAft>
+                <a:spcPts val="800"/>
+              </a:spcAft>
+              <a:buFont typeface="Wingdings" panose="05000000000000000000" pitchFamily="2" charset="2"/>
+              <a:buChar char="§"/>
+            </a:pPr>
+            <a:endParaRPr lang="en-US" dirty="0">
+              <a:effectLst/>
+              <a:ea typeface="Calibri" panose="020F0502020204030204" pitchFamily="34" charset="0"/>
+              <a:cs typeface="Times New Roman" panose="02020603050405020304" pitchFamily="18" charset="0"/>
+            </a:endParaRPr>
+          </a:p>
+          <a:p>
+            <a:pPr>
+              <a:buFont typeface="Wingdings" panose="05000000000000000000" pitchFamily="2" charset="2"/>
+              <a:buChar char="§"/>
+            </a:pPr>
+            <a:endParaRPr lang="en-US" dirty="0"/>
           </a:p>
         </p:txBody>
       </p:sp>
@@ -19025,7 +20185,7 @@
           <p:cNvPr id="4" name="Slide Number Placeholder 3">
             <a:extLst>
               <a:ext uri="{FF2B5EF4-FFF2-40B4-BE49-F238E27FC236}">
-                <a16:creationId xmlns:a16="http://schemas.microsoft.com/office/drawing/2014/main" id="{512B515F-EEF3-EFC6-3F85-D98E7FF361C8}"/>
+                <a16:creationId xmlns:a16="http://schemas.microsoft.com/office/drawing/2014/main" id="{C5D23418-10AD-8359-550A-C792C36CF070}"/>
               </a:ext>
             </a:extLst>
           </p:cNvPr>
@@ -19052,7 +20212,327 @@
     </p:spTree>
     <p:extLst>
       <p:ext uri="{BB962C8B-B14F-4D97-AF65-F5344CB8AC3E}">
-        <p14:creationId xmlns:p14="http://schemas.microsoft.com/office/powerpoint/2010/main" val="2860164962"/>
+        <p14:creationId xmlns:p14="http://schemas.microsoft.com/office/powerpoint/2010/main" val="3418261656"/>
+      </p:ext>
+    </p:extLst>
+  </p:cSld>
+  <p:clrMapOvr>
+    <a:masterClrMapping/>
+  </p:clrMapOvr>
+</p:sld>
+</file>
+
+<file path=ppt/slides/slide29.xml><?xml version="1.0" encoding="utf-8"?>
+<p:sld xmlns:a="http://schemas.openxmlformats.org/drawingml/2006/main" xmlns:r="http://schemas.openxmlformats.org/officeDocument/2006/relationships" xmlns:p="http://schemas.openxmlformats.org/presentationml/2006/main" show="0">
+  <p:cSld>
+    <p:spTree>
+      <p:nvGrpSpPr>
+        <p:cNvPr id="1" name=""/>
+        <p:cNvGrpSpPr/>
+        <p:nvPr/>
+      </p:nvGrpSpPr>
+      <p:grpSpPr>
+        <a:xfrm>
+          <a:off x="0" y="0"/>
+          <a:ext cx="0" cy="0"/>
+          <a:chOff x="0" y="0"/>
+          <a:chExt cx="0" cy="0"/>
+        </a:xfrm>
+      </p:grpSpPr>
+      <p:sp>
+        <p:nvSpPr>
+          <p:cNvPr id="2" name="Title 1">
+            <a:extLst>
+              <a:ext uri="{FF2B5EF4-FFF2-40B4-BE49-F238E27FC236}">
+                <a16:creationId xmlns:a16="http://schemas.microsoft.com/office/drawing/2014/main" id="{3CF1517D-AEAF-4435-188B-AC4E7ECDEAB1}"/>
+              </a:ext>
+            </a:extLst>
+          </p:cNvPr>
+          <p:cNvSpPr>
+            <a:spLocks noGrp="1"/>
+          </p:cNvSpPr>
+          <p:nvPr>
+            <p:ph type="title"/>
+          </p:nvPr>
+        </p:nvSpPr>
+        <p:spPr/>
+        <p:txBody>
+          <a:bodyPr/>
+          <a:lstStyle/>
+          <a:p>
+            <a:r>
+              <a:rPr lang="en-US" dirty="0"/>
+              <a:t>APPENDIX B: DEFINITIONS</a:t>
+            </a:r>
+          </a:p>
+        </p:txBody>
+      </p:sp>
+      <p:sp>
+        <p:nvSpPr>
+          <p:cNvPr id="3" name="Content Placeholder 2">
+            <a:extLst>
+              <a:ext uri="{FF2B5EF4-FFF2-40B4-BE49-F238E27FC236}">
+                <a16:creationId xmlns:a16="http://schemas.microsoft.com/office/drawing/2014/main" id="{D848432C-C02C-5EE7-B6FA-8BB1AA336885}"/>
+              </a:ext>
+            </a:extLst>
+          </p:cNvPr>
+          <p:cNvSpPr>
+            <a:spLocks noGrp="1"/>
+          </p:cNvSpPr>
+          <p:nvPr>
+            <p:ph idx="1"/>
+          </p:nvPr>
+        </p:nvSpPr>
+        <p:spPr/>
+        <p:txBody>
+          <a:bodyPr>
+            <a:noAutofit/>
+          </a:bodyPr>
+          <a:lstStyle/>
+          <a:p>
+            <a:pPr marR="0" lvl="0">
+              <a:lnSpc>
+                <a:spcPct val="107000"/>
+              </a:lnSpc>
+              <a:spcBef>
+                <a:spcPts val="0"/>
+              </a:spcBef>
+              <a:spcAft>
+                <a:spcPts val="0"/>
+              </a:spcAft>
+              <a:buFont typeface="Wingdings" panose="05000000000000000000" pitchFamily="2" charset="2"/>
+              <a:buChar char="§"/>
+            </a:pPr>
+            <a:r>
+              <a:rPr lang="en-US" dirty="0">
+                <a:effectLst/>
+                <a:highlight>
+                  <a:srgbClr val="FFFF00"/>
+                </a:highlight>
+                <a:ea typeface="Calibri" panose="020F0502020204030204" pitchFamily="34" charset="0"/>
+                <a:cs typeface="Times New Roman" panose="02020603050405020304" pitchFamily="18" charset="0"/>
+              </a:rPr>
+              <a:t>Maternal Morbidity</a:t>
+            </a:r>
+            <a:r>
+              <a:rPr lang="en-US" dirty="0">
+                <a:effectLst/>
+                <a:ea typeface="Calibri" panose="020F0502020204030204" pitchFamily="34" charset="0"/>
+                <a:cs typeface="Times New Roman" panose="02020603050405020304" pitchFamily="18" charset="0"/>
+              </a:rPr>
+              <a:t> includes any one or more of the following conditions:</a:t>
+            </a:r>
+          </a:p>
+          <a:p>
+            <a:pPr marR="0" lvl="1">
+              <a:lnSpc>
+                <a:spcPct val="107000"/>
+              </a:lnSpc>
+              <a:spcBef>
+                <a:spcPts val="0"/>
+              </a:spcBef>
+              <a:spcAft>
+                <a:spcPts val="0"/>
+              </a:spcAft>
+              <a:buFont typeface="Wingdings" panose="05000000000000000000" pitchFamily="2" charset="2"/>
+              <a:buChar char="§"/>
+            </a:pPr>
+            <a:r>
+              <a:rPr lang="en-US" sz="2000" u="sng" dirty="0">
+                <a:solidFill>
+                  <a:srgbClr val="0563C1"/>
+                </a:solidFill>
+                <a:effectLst/>
+                <a:ea typeface="Calibri" panose="020F0502020204030204" pitchFamily="34" charset="0"/>
+                <a:cs typeface="Times New Roman" panose="02020603050405020304" pitchFamily="18" charset="0"/>
+                <a:hlinkClick r:id="rId2"/>
+              </a:rPr>
+              <a:t>Maternal Transfusion</a:t>
+            </a:r>
+            <a:r>
+              <a:rPr lang="en-US" sz="2000" dirty="0">
+                <a:effectLst/>
+                <a:ea typeface="Calibri" panose="020F0502020204030204" pitchFamily="34" charset="0"/>
+                <a:cs typeface="Times New Roman" panose="02020603050405020304" pitchFamily="18" charset="0"/>
+              </a:rPr>
+              <a:t> - Yes; No; Unknown or Not Stated.</a:t>
+            </a:r>
+          </a:p>
+          <a:p>
+            <a:pPr marR="0" lvl="1">
+              <a:lnSpc>
+                <a:spcPct val="107000"/>
+              </a:lnSpc>
+              <a:spcBef>
+                <a:spcPts val="0"/>
+              </a:spcBef>
+              <a:spcAft>
+                <a:spcPts val="0"/>
+              </a:spcAft>
+              <a:buFont typeface="Wingdings" panose="05000000000000000000" pitchFamily="2" charset="2"/>
+              <a:buChar char="§"/>
+            </a:pPr>
+            <a:r>
+              <a:rPr lang="en-US" sz="2000" u="sng" dirty="0">
+                <a:solidFill>
+                  <a:srgbClr val="0563C1"/>
+                </a:solidFill>
+                <a:effectLst/>
+                <a:ea typeface="Calibri" panose="020F0502020204030204" pitchFamily="34" charset="0"/>
+                <a:cs typeface="Times New Roman" panose="02020603050405020304" pitchFamily="18" charset="0"/>
+                <a:hlinkClick r:id="rId3"/>
+              </a:rPr>
+              <a:t>Third or Fourth Degree Perineal Laceration</a:t>
+            </a:r>
+            <a:r>
+              <a:rPr lang="en-US" sz="2000" dirty="0">
+                <a:effectLst/>
+                <a:ea typeface="Calibri" panose="020F0502020204030204" pitchFamily="34" charset="0"/>
+                <a:cs typeface="Times New Roman" panose="02020603050405020304" pitchFamily="18" charset="0"/>
+              </a:rPr>
+              <a:t> - Yes; No; Unknown or Not Stated.</a:t>
+            </a:r>
+          </a:p>
+          <a:p>
+            <a:pPr marR="0" lvl="1">
+              <a:lnSpc>
+                <a:spcPct val="107000"/>
+              </a:lnSpc>
+              <a:spcBef>
+                <a:spcPts val="0"/>
+              </a:spcBef>
+              <a:spcAft>
+                <a:spcPts val="0"/>
+              </a:spcAft>
+              <a:buFont typeface="Wingdings" panose="05000000000000000000" pitchFamily="2" charset="2"/>
+              <a:buChar char="§"/>
+            </a:pPr>
+            <a:r>
+              <a:rPr lang="en-US" sz="2000" u="sng" dirty="0">
+                <a:solidFill>
+                  <a:srgbClr val="0563C1"/>
+                </a:solidFill>
+                <a:effectLst/>
+                <a:ea typeface="Calibri" panose="020F0502020204030204" pitchFamily="34" charset="0"/>
+                <a:cs typeface="Times New Roman" panose="02020603050405020304" pitchFamily="18" charset="0"/>
+                <a:hlinkClick r:id="rId4"/>
+              </a:rPr>
+              <a:t>Ruptured Uterus</a:t>
+            </a:r>
+            <a:r>
+              <a:rPr lang="en-US" sz="2000" dirty="0">
+                <a:effectLst/>
+                <a:ea typeface="Calibri" panose="020F0502020204030204" pitchFamily="34" charset="0"/>
+                <a:cs typeface="Times New Roman" panose="02020603050405020304" pitchFamily="18" charset="0"/>
+              </a:rPr>
+              <a:t> - Yes; No; Unknown or Not Stated.</a:t>
+            </a:r>
+          </a:p>
+          <a:p>
+            <a:pPr marR="0" lvl="1">
+              <a:lnSpc>
+                <a:spcPct val="107000"/>
+              </a:lnSpc>
+              <a:spcBef>
+                <a:spcPts val="0"/>
+              </a:spcBef>
+              <a:spcAft>
+                <a:spcPts val="0"/>
+              </a:spcAft>
+              <a:buFont typeface="Wingdings" panose="05000000000000000000" pitchFamily="2" charset="2"/>
+              <a:buChar char="§"/>
+            </a:pPr>
+            <a:r>
+              <a:rPr lang="en-US" sz="2000" u="sng" dirty="0">
+                <a:solidFill>
+                  <a:srgbClr val="0563C1"/>
+                </a:solidFill>
+                <a:effectLst/>
+                <a:ea typeface="Calibri" panose="020F0502020204030204" pitchFamily="34" charset="0"/>
+                <a:cs typeface="Times New Roman" panose="02020603050405020304" pitchFamily="18" charset="0"/>
+                <a:hlinkClick r:id="rId5"/>
+              </a:rPr>
+              <a:t>Unplanned Hysterectomy</a:t>
+            </a:r>
+            <a:r>
+              <a:rPr lang="en-US" sz="2000" dirty="0">
+                <a:effectLst/>
+                <a:ea typeface="Calibri" panose="020F0502020204030204" pitchFamily="34" charset="0"/>
+                <a:cs typeface="Times New Roman" panose="02020603050405020304" pitchFamily="18" charset="0"/>
+              </a:rPr>
+              <a:t> - Yes; No; Unknown or Not Stated.</a:t>
+            </a:r>
+          </a:p>
+          <a:p>
+            <a:pPr marR="0" lvl="1">
+              <a:lnSpc>
+                <a:spcPct val="107000"/>
+              </a:lnSpc>
+              <a:spcBef>
+                <a:spcPts val="0"/>
+              </a:spcBef>
+              <a:spcAft>
+                <a:spcPts val="800"/>
+              </a:spcAft>
+              <a:buFont typeface="Wingdings" panose="05000000000000000000" pitchFamily="2" charset="2"/>
+              <a:buChar char="§"/>
+            </a:pPr>
+            <a:r>
+              <a:rPr lang="en-US" sz="2000" dirty="0">
+                <a:effectLst/>
+                <a:ea typeface="Calibri" panose="020F0502020204030204" pitchFamily="34" charset="0"/>
+                <a:cs typeface="Times New Roman" panose="02020603050405020304" pitchFamily="18" charset="0"/>
+              </a:rPr>
+              <a:t>Admission to Intensive Care Unit - Yes; No; Unknown or Not Stated.</a:t>
+            </a:r>
+            <a:endParaRPr lang="en-US" dirty="0">
+              <a:effectLst/>
+              <a:ea typeface="Calibri" panose="020F0502020204030204" pitchFamily="34" charset="0"/>
+              <a:cs typeface="Times New Roman" panose="02020603050405020304" pitchFamily="18" charset="0"/>
+            </a:endParaRPr>
+          </a:p>
+          <a:p>
+            <a:pPr>
+              <a:buFont typeface="Wingdings" panose="05000000000000000000" pitchFamily="2" charset="2"/>
+              <a:buChar char="§"/>
+            </a:pPr>
+            <a:endParaRPr lang="en-US" dirty="0"/>
+          </a:p>
+        </p:txBody>
+      </p:sp>
+      <p:sp>
+        <p:nvSpPr>
+          <p:cNvPr id="4" name="Slide Number Placeholder 3">
+            <a:extLst>
+              <a:ext uri="{FF2B5EF4-FFF2-40B4-BE49-F238E27FC236}">
+                <a16:creationId xmlns:a16="http://schemas.microsoft.com/office/drawing/2014/main" id="{C5D23418-10AD-8359-550A-C792C36CF070}"/>
+              </a:ext>
+            </a:extLst>
+          </p:cNvPr>
+          <p:cNvSpPr>
+            <a:spLocks noGrp="1"/>
+          </p:cNvSpPr>
+          <p:nvPr>
+            <p:ph type="sldNum" sz="quarter" idx="12"/>
+          </p:nvPr>
+        </p:nvSpPr>
+        <p:spPr/>
+        <p:txBody>
+          <a:bodyPr/>
+          <a:lstStyle/>
+          <a:p>
+            <a:fld id="{C3DB2ADC-AF19-4574-8C10-79B5B04FCA27}" type="slidenum">
+              <a:rPr lang="en-US" smtClean="0"/>
+              <a:t>29</a:t>
+            </a:fld>
+            <a:endParaRPr lang="en-US"/>
+          </a:p>
+        </p:txBody>
+      </p:sp>
+    </p:spTree>
+    <p:extLst>
+      <p:ext uri="{BB962C8B-B14F-4D97-AF65-F5344CB8AC3E}">
+        <p14:creationId xmlns:p14="http://schemas.microsoft.com/office/powerpoint/2010/main" val="1132727674"/>
       </p:ext>
     </p:extLst>
   </p:cSld>
@@ -20331,16 +21811,28 @@
             <p:ph type="title"/>
           </p:nvPr>
         </p:nvSpPr>
-        <p:spPr/>
+        <p:spPr>
+          <a:xfrm>
+            <a:off x="441642" y="922096"/>
+            <a:ext cx="6614566" cy="1298590"/>
+          </a:xfrm>
+        </p:spPr>
         <p:txBody>
           <a:bodyPr>
-            <a:normAutofit fontScale="90000"/>
+            <a:normAutofit/>
           </a:bodyPr>
           <a:lstStyle/>
           <a:p>
             <a:r>
               <a:rPr lang="en-US" dirty="0"/>
-              <a:t>Physical Maternal Characteristics</a:t>
+              <a:t>Parameters analyzed</a:t>
+            </a:r>
+            <a:br>
+              <a:rPr lang="en-US" dirty="0"/>
+            </a:br>
+            <a:r>
+              <a:rPr lang="en-US" sz="2800" dirty="0"/>
+              <a:t>in this section</a:t>
             </a:r>
           </a:p>
         </p:txBody>
@@ -20363,8 +21855,8 @@
         </p:nvSpPr>
         <p:spPr>
           <a:xfrm>
-            <a:off x="715383" y="2128684"/>
-            <a:ext cx="10676517" cy="3844414"/>
+            <a:off x="441642" y="2833513"/>
+            <a:ext cx="4705702" cy="3319017"/>
           </a:xfrm>
         </p:spPr>
         <p:txBody>
@@ -20373,93 +21865,69 @@
           </a:bodyPr>
           <a:lstStyle/>
           <a:p>
-            <a:pPr marL="0" indent="0" rtl="0" fontAlgn="base">
+            <a:pPr marL="342900" indent="-342900" fontAlgn="base">
+              <a:buFont typeface="Arial" panose="020B0604020202020204" pitchFamily="34" charset="0"/>
+              <a:buAutoNum type="arabicPeriod"/>
+            </a:pPr>
+            <a:r>
+              <a:rPr lang="en-US" b="0" i="0" u="none" strike="noStrike" dirty="0">
+                <a:solidFill>
+                  <a:srgbClr val="000000"/>
+                </a:solidFill>
+                <a:effectLst/>
+                <a:latin typeface="Trebuchet MS" panose="020B0603020202020204" pitchFamily="34" charset="0"/>
+              </a:rPr>
+              <a:t>Tobacco </a:t>
+            </a:r>
+            <a:r>
+              <a:rPr lang="en-US" dirty="0">
+                <a:solidFill>
+                  <a:srgbClr val="000000"/>
+                </a:solidFill>
+                <a:latin typeface="Trebuchet MS" panose="020B0603020202020204" pitchFamily="34" charset="0"/>
+              </a:rPr>
+              <a:t>and Cigarette Use</a:t>
+            </a:r>
+          </a:p>
+          <a:p>
+            <a:pPr marL="342900" indent="-342900" rtl="0" fontAlgn="base">
               <a:spcBef>
                 <a:spcPts val="1000"/>
               </a:spcBef>
               <a:spcAft>
                 <a:spcPts val="0"/>
               </a:spcAft>
-              <a:buNone/>
+              <a:buAutoNum type="arabicPeriod"/>
             </a:pPr>
-            <a:endParaRPr lang="en-US" sz="1800" b="0" i="0" u="none" strike="noStrike" dirty="0">
-              <a:solidFill>
-                <a:srgbClr val="000000"/>
-              </a:solidFill>
-              <a:effectLst/>
-              <a:latin typeface="Trebuchet MS" panose="020B0603020202020204" pitchFamily="34" charset="0"/>
-            </a:endParaRPr>
-          </a:p>
-          <a:p>
-            <a:pPr rtl="0" fontAlgn="base">
+            <a:r>
+              <a:rPr lang="en-US" b="0" i="0" u="none" strike="noStrike" dirty="0">
+                <a:solidFill>
+                  <a:srgbClr val="000000"/>
+                </a:solidFill>
+                <a:effectLst/>
+                <a:latin typeface="Trebuchet MS" panose="020B0603020202020204" pitchFamily="34" charset="0"/>
+              </a:rPr>
+              <a:t>Height</a:t>
+            </a:r>
+          </a:p>
+          <a:p>
+            <a:pPr marL="342900" indent="-342900" rtl="0" fontAlgn="base">
               <a:spcBef>
                 <a:spcPts val="1000"/>
               </a:spcBef>
               <a:spcAft>
                 <a:spcPts val="0"/>
               </a:spcAft>
-              <a:buFont typeface="Arial" panose="020B0604020202020204" pitchFamily="34" charset="0"/>
-              <a:buChar char="•"/>
+              <a:buAutoNum type="arabicPeriod"/>
             </a:pPr>
             <a:r>
-              <a:rPr lang="en-US" sz="1800" b="0" i="0" u="none" strike="noStrike" dirty="0">
-                <a:solidFill>
-                  <a:srgbClr val="000000"/>
-                </a:solidFill>
-                <a:effectLst/>
-                <a:latin typeface="Trebuchet MS" panose="020B0603020202020204" pitchFamily="34" charset="0"/>
-              </a:rPr>
-              <a:t>Height</a:t>
-            </a:r>
-          </a:p>
-          <a:p>
-            <a:pPr rtl="0" fontAlgn="base">
-              <a:spcBef>
-                <a:spcPts val="1000"/>
-              </a:spcBef>
-              <a:spcAft>
-                <a:spcPts val="0"/>
-              </a:spcAft>
-              <a:buFont typeface="Arial" panose="020B0604020202020204" pitchFamily="34" charset="0"/>
-              <a:buChar char="•"/>
-            </a:pPr>
-            <a:r>
-              <a:rPr lang="en-US" sz="1800" dirty="0">
+              <a:rPr lang="en-US" dirty="0">
                 <a:solidFill>
                   <a:srgbClr val="000000"/>
                 </a:solidFill>
                 <a:latin typeface="Trebuchet MS" panose="020B0603020202020204" pitchFamily="34" charset="0"/>
               </a:rPr>
               <a:t>Weight</a:t>
-            </a:r>
-            <a:endParaRPr lang="en-US" sz="1800" b="0" i="0" u="none" strike="noStrike" dirty="0">
-              <a:solidFill>
-                <a:srgbClr val="000000"/>
-              </a:solidFill>
-              <a:effectLst/>
-              <a:latin typeface="Trebuchet MS" panose="020B0603020202020204" pitchFamily="34" charset="0"/>
-            </a:endParaRPr>
-          </a:p>
-          <a:p>
-            <a:pPr rtl="0" fontAlgn="base">
-              <a:spcBef>
-                <a:spcPts val="1000"/>
-              </a:spcBef>
-              <a:spcAft>
-                <a:spcPts val="0"/>
-              </a:spcAft>
-              <a:buFont typeface="Arial" panose="020B0604020202020204" pitchFamily="34" charset="0"/>
-              <a:buChar char="•"/>
-            </a:pPr>
-            <a:r>
-              <a:rPr lang="en-US" sz="1800" b="0" i="0" u="none" strike="noStrike" dirty="0">
-                <a:solidFill>
-                  <a:srgbClr val="000000"/>
-                </a:solidFill>
-                <a:effectLst/>
-                <a:latin typeface="Trebuchet MS" panose="020B0603020202020204" pitchFamily="34" charset="0"/>
-              </a:rPr>
-              <a:t>Tobacco Use, cigarettes </a:t>
             </a:r>
           </a:p>
         </p:txBody>
@@ -20490,6 +21958,343 @@
               <a:t>7</a:t>
             </a:fld>
             <a:endParaRPr lang="en-US"/>
+          </a:p>
+        </p:txBody>
+      </p:sp>
+      <p:grpSp>
+        <p:nvGrpSpPr>
+          <p:cNvPr id="7" name="Group 6">
+            <a:extLst>
+              <a:ext uri="{FF2B5EF4-FFF2-40B4-BE49-F238E27FC236}">
+                <a16:creationId xmlns:a16="http://schemas.microsoft.com/office/drawing/2014/main" id="{499EAA70-AE48-4B3C-8041-9374EFE318AC}"/>
+              </a:ext>
+            </a:extLst>
+          </p:cNvPr>
+          <p:cNvGrpSpPr/>
+          <p:nvPr/>
+        </p:nvGrpSpPr>
+        <p:grpSpPr>
+          <a:xfrm>
+            <a:off x="1956273" y="3429000"/>
+            <a:ext cx="4633064" cy="944688"/>
+            <a:chOff x="2265217" y="2862824"/>
+            <a:chExt cx="4633064" cy="1013125"/>
+          </a:xfrm>
+        </p:grpSpPr>
+        <p:sp>
+          <p:nvSpPr>
+            <p:cNvPr id="4" name="Right Brace 3">
+              <a:extLst>
+                <a:ext uri="{FF2B5EF4-FFF2-40B4-BE49-F238E27FC236}">
+                  <a16:creationId xmlns:a16="http://schemas.microsoft.com/office/drawing/2014/main" id="{93FE520B-E775-04D4-14CF-2AAAB80237DB}"/>
+                </a:ext>
+              </a:extLst>
+            </p:cNvPr>
+            <p:cNvSpPr/>
+            <p:nvPr/>
+          </p:nvSpPr>
+          <p:spPr>
+            <a:xfrm>
+              <a:off x="2265217" y="2862824"/>
+              <a:ext cx="522515" cy="807097"/>
+            </a:xfrm>
+            <a:prstGeom prst="rightBrace">
+              <a:avLst/>
+            </a:prstGeom>
+            <a:noFill/>
+            <a:ln w="28575">
+              <a:solidFill>
+                <a:srgbClr val="E85D04"/>
+              </a:solidFill>
+            </a:ln>
+          </p:spPr>
+          <p:style>
+            <a:lnRef idx="1">
+              <a:schemeClr val="accent1"/>
+            </a:lnRef>
+            <a:fillRef idx="0">
+              <a:schemeClr val="accent1"/>
+            </a:fillRef>
+            <a:effectRef idx="0">
+              <a:schemeClr val="accent1"/>
+            </a:effectRef>
+            <a:fontRef idx="minor">
+              <a:schemeClr val="tx1"/>
+            </a:fontRef>
+          </p:style>
+          <p:txBody>
+            <a:bodyPr rtlCol="0" anchor="ctr"/>
+            <a:lstStyle/>
+            <a:p>
+              <a:pPr algn="ctr"/>
+              <a:endParaRPr lang="en-US" dirty="0"/>
+            </a:p>
+          </p:txBody>
+        </p:sp>
+        <mc:AlternateContent xmlns:mc="http://schemas.openxmlformats.org/markup-compatibility/2006" xmlns:a14="http://schemas.microsoft.com/office/drawing/2010/main">
+          <mc:Choice Requires="a14">
+            <p:sp>
+              <p:nvSpPr>
+                <p:cNvPr id="6" name="TextBox 5">
+                  <a:extLst>
+                    <a:ext uri="{FF2B5EF4-FFF2-40B4-BE49-F238E27FC236}">
+                      <a16:creationId xmlns:a16="http://schemas.microsoft.com/office/drawing/2014/main" id="{A66AE619-0760-350D-9873-C0786479615D}"/>
+                    </a:ext>
+                  </a:extLst>
+                </p:cNvPr>
+                <p:cNvSpPr txBox="1"/>
+                <p:nvPr/>
+              </p:nvSpPr>
+              <p:spPr>
+                <a:xfrm>
+                  <a:off x="2787732" y="2982050"/>
+                  <a:ext cx="4110549" cy="893899"/>
+                </a:xfrm>
+                <a:prstGeom prst="rect">
+                  <a:avLst/>
+                </a:prstGeom>
+                <a:noFill/>
+              </p:spPr>
+              <p:txBody>
+                <a:bodyPr wrap="none" rtlCol="0">
+                  <a:spAutoFit/>
+                </a:bodyPr>
+                <a:lstStyle/>
+                <a:p>
+                  <a:r>
+                    <a:rPr lang="en-US" sz="2000" dirty="0"/>
+                    <a:t>Body Mass Index (</a:t>
+                  </a:r>
+                  <a:r>
+                    <a:rPr lang="en-US" sz="2000" dirty="0">
+                      <a:solidFill>
+                        <a:srgbClr val="E85D04"/>
+                      </a:solidFill>
+                    </a:rPr>
+                    <a:t>BMI</a:t>
+                  </a:r>
+                  <a:r>
+                    <a:rPr lang="en-US" sz="2000" dirty="0"/>
+                    <a:t>) = </a:t>
+                  </a:r>
+                  <a14:m>
+                    <m:oMath xmlns:m="http://schemas.openxmlformats.org/officeDocument/2006/math">
+                      <m:f>
+                        <m:fPr>
+                          <m:ctrlPr>
+                            <a:rPr lang="en-US" sz="2000" b="0" i="1" smtClean="0">
+                              <a:latin typeface="Cambria Math" panose="02040503050406030204" pitchFamily="18" charset="0"/>
+                            </a:rPr>
+                          </m:ctrlPr>
+                        </m:fPr>
+                        <m:num>
+                          <m:r>
+                            <a:rPr lang="en-US" sz="2000" b="0" i="1" smtClean="0">
+                              <a:latin typeface="Cambria Math" panose="02040503050406030204" pitchFamily="18" charset="0"/>
+                            </a:rPr>
+                            <m:t>𝑊𝑒𝑖𝑔h𝑡</m:t>
+                          </m:r>
+                          <m:r>
+                            <a:rPr lang="en-US" sz="2000" b="0" i="1" smtClean="0">
+                              <a:latin typeface="Cambria Math" panose="02040503050406030204" pitchFamily="18" charset="0"/>
+                            </a:rPr>
+                            <m:t> </m:t>
+                          </m:r>
+                          <m:d>
+                            <m:dPr>
+                              <m:ctrlPr>
+                                <a:rPr lang="en-US" sz="2000" b="0" i="1" smtClean="0">
+                                  <a:latin typeface="Cambria Math" panose="02040503050406030204" pitchFamily="18" charset="0"/>
+                                </a:rPr>
+                              </m:ctrlPr>
+                            </m:dPr>
+                            <m:e>
+                              <m:r>
+                                <a:rPr lang="en-US" sz="2000" b="0" i="1" smtClean="0">
+                                  <a:latin typeface="Cambria Math" panose="02040503050406030204" pitchFamily="18" charset="0"/>
+                                </a:rPr>
+                                <m:t>𝑘𝑔</m:t>
+                              </m:r>
+                            </m:e>
+                          </m:d>
+                        </m:num>
+                        <m:den>
+                          <m:r>
+                            <a:rPr lang="en-US" sz="2000" b="0" i="1" smtClean="0">
+                              <a:latin typeface="Cambria Math" panose="02040503050406030204" pitchFamily="18" charset="0"/>
+                            </a:rPr>
+                            <m:t>𝐻𝑒𝑖𝑔h𝑡</m:t>
+                          </m:r>
+                          <m:d>
+                            <m:dPr>
+                              <m:ctrlPr>
+                                <a:rPr lang="en-US" sz="2000" b="0" i="1" smtClean="0">
+                                  <a:latin typeface="Cambria Math" panose="02040503050406030204" pitchFamily="18" charset="0"/>
+                                </a:rPr>
+                              </m:ctrlPr>
+                            </m:dPr>
+                            <m:e>
+                              <m:sSup>
+                                <m:sSupPr>
+                                  <m:ctrlPr>
+                                    <a:rPr lang="en-US" sz="2000" b="0" i="1" smtClean="0">
+                                      <a:latin typeface="Cambria Math" panose="02040503050406030204" pitchFamily="18" charset="0"/>
+                                    </a:rPr>
+                                  </m:ctrlPr>
+                                </m:sSupPr>
+                                <m:e>
+                                  <m:r>
+                                    <a:rPr lang="en-US" sz="2000" b="0" i="1" smtClean="0">
+                                      <a:latin typeface="Cambria Math" panose="02040503050406030204" pitchFamily="18" charset="0"/>
+                                    </a:rPr>
+                                    <m:t>𝑚</m:t>
+                                  </m:r>
+                                </m:e>
+                                <m:sup>
+                                  <m:r>
+                                    <a:rPr lang="en-US" sz="2000" b="0" i="1" smtClean="0">
+                                      <a:latin typeface="Cambria Math" panose="02040503050406030204" pitchFamily="18" charset="0"/>
+                                    </a:rPr>
+                                    <m:t>2</m:t>
+                                  </m:r>
+                                </m:sup>
+                              </m:sSup>
+                            </m:e>
+                          </m:d>
+                        </m:den>
+                      </m:f>
+                    </m:oMath>
+                  </a14:m>
+                  <a:endParaRPr lang="en-US" sz="2000" b="0" dirty="0"/>
+                </a:p>
+                <a:p>
+                  <a:r>
+                    <a:rPr lang="en-US" sz="2000" dirty="0"/>
+                    <a:t> </a:t>
+                  </a:r>
+                </a:p>
+              </p:txBody>
+            </p:sp>
+          </mc:Choice>
+          <mc:Fallback xmlns="">
+            <p:sp>
+              <p:nvSpPr>
+                <p:cNvPr id="6" name="TextBox 5">
+                  <a:extLst>
+                    <a:ext uri="{FF2B5EF4-FFF2-40B4-BE49-F238E27FC236}">
+                      <a16:creationId xmlns:a16="http://schemas.microsoft.com/office/drawing/2014/main" id="{A66AE619-0760-350D-9873-C0786479615D}"/>
+                    </a:ext>
+                  </a:extLst>
+                </p:cNvPr>
+                <p:cNvSpPr txBox="1">
+                  <a:spLocks noRot="1" noChangeAspect="1" noMove="1" noResize="1" noEditPoints="1" noAdjustHandles="1" noChangeArrowheads="1" noChangeShapeType="1" noTextEdit="1"/>
+                </p:cNvSpPr>
+                <p:nvPr/>
+              </p:nvSpPr>
+              <p:spPr>
+                <a:xfrm>
+                  <a:off x="2787732" y="2982050"/>
+                  <a:ext cx="4110549" cy="893899"/>
+                </a:xfrm>
+                <a:prstGeom prst="rect">
+                  <a:avLst/>
+                </a:prstGeom>
+                <a:blipFill>
+                  <a:blip r:embed="rId2"/>
+                  <a:stretch>
+                    <a:fillRect l="-1632"/>
+                  </a:stretch>
+                </a:blipFill>
+              </p:spPr>
+              <p:txBody>
+                <a:bodyPr/>
+                <a:lstStyle/>
+                <a:p>
+                  <a:r>
+                    <a:rPr lang="en-US">
+                      <a:noFill/>
+                    </a:rPr>
+                    <a:t> </a:t>
+                  </a:r>
+                </a:p>
+              </p:txBody>
+            </p:sp>
+          </mc:Fallback>
+        </mc:AlternateContent>
+      </p:grpSp>
+      <p:pic>
+        <p:nvPicPr>
+          <p:cNvPr id="13" name="Picture 12" descr="A picture containing icon&#10;&#10;Description automatically generated">
+            <a:extLst>
+              <a:ext uri="{FF2B5EF4-FFF2-40B4-BE49-F238E27FC236}">
+                <a16:creationId xmlns:a16="http://schemas.microsoft.com/office/drawing/2014/main" id="{6B5A7636-A35A-6D73-C0AD-75C6734757EB}"/>
+              </a:ext>
+            </a:extLst>
+          </p:cNvPr>
+          <p:cNvPicPr>
+            <a:picLocks noChangeAspect="1"/>
+          </p:cNvPicPr>
+          <p:nvPr/>
+        </p:nvPicPr>
+        <p:blipFill>
+          <a:blip r:embed="rId3">
+            <a:extLst>
+              <a:ext uri="{28A0092B-C50C-407E-A947-70E740481C1C}">
+                <a14:useLocalDpi xmlns:a14="http://schemas.microsoft.com/office/drawing/2010/main" val="0"/>
+              </a:ext>
+            </a:extLst>
+          </a:blip>
+          <a:stretch>
+            <a:fillRect/>
+          </a:stretch>
+        </p:blipFill>
+        <p:spPr>
+          <a:xfrm>
+            <a:off x="6954336" y="2220686"/>
+            <a:ext cx="4796022" cy="3319017"/>
+          </a:xfrm>
+          <a:prstGeom prst="rect">
+            <a:avLst/>
+          </a:prstGeom>
+          <a:ln w="57150">
+            <a:solidFill>
+              <a:srgbClr val="0582CA"/>
+            </a:solidFill>
+          </a:ln>
+        </p:spPr>
+      </p:pic>
+      <p:sp>
+        <p:nvSpPr>
+          <p:cNvPr id="14" name="TextBox 13">
+            <a:extLst>
+              <a:ext uri="{FF2B5EF4-FFF2-40B4-BE49-F238E27FC236}">
+                <a16:creationId xmlns:a16="http://schemas.microsoft.com/office/drawing/2014/main" id="{764999BE-3BEB-5BB4-1334-DF70A40B76AE}"/>
+              </a:ext>
+            </a:extLst>
+          </p:cNvPr>
+          <p:cNvSpPr txBox="1"/>
+          <p:nvPr/>
+        </p:nvSpPr>
+        <p:spPr>
+          <a:xfrm>
+            <a:off x="6848330" y="5619123"/>
+            <a:ext cx="5020209" cy="261610"/>
+          </a:xfrm>
+          <a:prstGeom prst="rect">
+            <a:avLst/>
+          </a:prstGeom>
+          <a:noFill/>
+        </p:spPr>
+        <p:txBody>
+          <a:bodyPr wrap="square" rtlCol="0">
+            <a:spAutoFit/>
+          </a:bodyPr>
+          <a:lstStyle/>
+          <a:p>
+            <a:r>
+              <a:rPr lang="en-US" sz="1100" dirty="0"/>
+              <a:t>Photo source: https://health.clevelandclinic.org/is-bmi-accurate/</a:t>
+            </a:r>
           </a:p>
         </p:txBody>
       </p:sp>
@@ -20696,7 +22501,7 @@
           <p:nvPr/>
         </p:nvPicPr>
         <p:blipFill>
-          <a:blip r:embed="rId2">
+          <a:blip r:embed="rId3">
             <a:extLst>
               <a:ext uri="{28A0092B-C50C-407E-A947-70E740481C1C}">
                 <a14:useLocalDpi xmlns:a14="http://schemas.microsoft.com/office/drawing/2010/main" val="0"/>
@@ -20709,8 +22514,8 @@
         </p:blipFill>
         <p:spPr>
           <a:xfrm>
-            <a:off x="3323063" y="1339034"/>
-            <a:ext cx="8412480" cy="4206240"/>
+            <a:off x="268533" y="1593201"/>
+            <a:ext cx="8126964" cy="4063482"/>
           </a:xfrm>
           <a:prstGeom prst="rect">
             <a:avLst/>
@@ -20724,66 +22529,84 @@
       </p:pic>
       <p:sp>
         <p:nvSpPr>
-          <p:cNvPr id="12" name="Rectangle 3">
+          <p:cNvPr id="2" name="Title 1">
             <a:extLst>
               <a:ext uri="{FF2B5EF4-FFF2-40B4-BE49-F238E27FC236}">
-                <a16:creationId xmlns:a16="http://schemas.microsoft.com/office/drawing/2014/main" id="{9650BF6D-4CB5-4EF5-9CB7-07417C0DCC1A}"/>
+                <a16:creationId xmlns:a16="http://schemas.microsoft.com/office/drawing/2014/main" id="{AF6D2B93-7118-BFD7-06C9-8254DFB81EDA}"/>
               </a:ext>
             </a:extLst>
           </p:cNvPr>
           <p:cNvSpPr txBox="1">
-            <a:spLocks noChangeArrowheads="1"/>
+            <a:spLocks/>
           </p:cNvSpPr>
           <p:nvPr/>
         </p:nvSpPr>
-        <p:spPr bwMode="auto">
+        <p:spPr>
           <a:xfrm>
-            <a:off x="375925" y="1317446"/>
-            <a:ext cx="2598095" cy="4216539"/>
+            <a:off x="8582917" y="1096297"/>
+            <a:ext cx="3265212" cy="1352397"/>
           </a:xfrm>
           <a:prstGeom prst="rect">
             <a:avLst/>
           </a:prstGeom>
-          <a:noFill/>
-          <a:ln>
-            <a:noFill/>
-          </a:ln>
-          <a:effectLst/>
-          <a:extLst>
-            <a:ext uri="{909E8E84-426E-40DD-AFC4-6F175D3DCCD1}">
-              <a14:hiddenFill xmlns:a14="http://schemas.microsoft.com/office/drawing/2010/main">
-                <a:solidFill>
-                  <a:schemeClr val="accent1"/>
-                </a:solidFill>
-              </a14:hiddenFill>
-            </a:ext>
-            <a:ext uri="{91240B29-F687-4F45-9708-019B960494DF}">
-              <a14:hiddenLine xmlns:a14="http://schemas.microsoft.com/office/drawing/2010/main" w="9525">
-                <a:solidFill>
-                  <a:schemeClr val="tx1"/>
-                </a:solidFill>
-                <a:miter lim="800000"/>
-                <a:headEnd/>
-                <a:tailEnd/>
-              </a14:hiddenLine>
-            </a:ext>
-            <a:ext uri="{AF507438-7753-43E0-B8FC-AC1667EBCBE1}">
-              <a14:hiddenEffects xmlns:a14="http://schemas.microsoft.com/office/drawing/2010/main">
-                <a:effectLst>
-                  <a:outerShdw dist="35921" dir="2700000" algn="ctr" rotWithShape="0">
-                    <a:schemeClr val="bg2"/>
-                  </a:outerShdw>
-                </a:effectLst>
-              </a14:hiddenEffects>
-            </a:ext>
-          </a:extLst>
         </p:spPr>
         <p:txBody>
-          <a:bodyPr vert="horz" wrap="square" lIns="91440" tIns="45720" rIns="91440" bIns="45720" numCol="1" anchor="ctr" anchorCtr="0" compatLnSpc="1">
-            <a:prstTxWarp prst="textNoShape">
-              <a:avLst/>
-            </a:prstTxWarp>
-            <a:spAutoFit/>
+          <a:bodyPr>
+            <a:normAutofit fontScale="92500"/>
+          </a:bodyPr>
+          <a:lstStyle>
+            <a:lvl1pPr algn="l" defTabSz="914400" rtl="0" eaLnBrk="1" latinLnBrk="0" hangingPunct="1">
+              <a:lnSpc>
+                <a:spcPct val="100000"/>
+              </a:lnSpc>
+              <a:spcBef>
+                <a:spcPct val="0"/>
+              </a:spcBef>
+              <a:buNone/>
+              <a:defRPr sz="4000" kern="1200" cap="all" spc="30" baseline="0">
+                <a:solidFill>
+                  <a:schemeClr val="tx1"/>
+                </a:solidFill>
+                <a:latin typeface="Verdana" panose="020B0604030504040204" pitchFamily="34" charset="0"/>
+                <a:ea typeface="Verdana" panose="020B0604030504040204" pitchFamily="34" charset="0"/>
+                <a:cs typeface="+mj-cs"/>
+              </a:defRPr>
+            </a:lvl1pPr>
+          </a:lstStyle>
+          <a:p>
+            <a:r>
+              <a:rPr lang="en-US" dirty="0"/>
+              <a:t>IMPACT OF Cigarettes</a:t>
+            </a:r>
+          </a:p>
+        </p:txBody>
+      </p:sp>
+      <p:sp>
+        <p:nvSpPr>
+          <p:cNvPr id="3" name="Content Placeholder 36">
+            <a:extLst>
+              <a:ext uri="{FF2B5EF4-FFF2-40B4-BE49-F238E27FC236}">
+                <a16:creationId xmlns:a16="http://schemas.microsoft.com/office/drawing/2014/main" id="{5080D7E9-376C-93FA-145C-1773422A9A8A}"/>
+              </a:ext>
+            </a:extLst>
+          </p:cNvPr>
+          <p:cNvSpPr txBox="1">
+            <a:spLocks/>
+          </p:cNvSpPr>
+          <p:nvPr/>
+        </p:nvSpPr>
+        <p:spPr>
+          <a:xfrm>
+            <a:off x="8582917" y="2369975"/>
+            <a:ext cx="3340550" cy="3526971"/>
+          </a:xfrm>
+          <a:prstGeom prst="rect">
+            <a:avLst/>
+          </a:prstGeom>
+        </p:spPr>
+        <p:txBody>
+          <a:bodyPr>
+            <a:normAutofit fontScale="92500" lnSpcReduction="10000"/>
           </a:bodyPr>
           <a:lstStyle>
             <a:lvl1pPr marL="228600" indent="-228600" algn="l" defTabSz="914400" rtl="0" eaLnBrk="1" latinLnBrk="0" hangingPunct="1">
@@ -20950,160 +22773,92 @@
             </a:lvl9pPr>
           </a:lstStyle>
           <a:p>
-            <a:pPr marL="0" indent="0" eaLnBrk="0" fontAlgn="base" hangingPunct="0">
-              <a:lnSpc>
-                <a:spcPct val="100000"/>
-              </a:lnSpc>
-              <a:spcBef>
-                <a:spcPct val="0"/>
-              </a:spcBef>
-              <a:spcAft>
-                <a:spcPct val="0"/>
-              </a:spcAft>
-              <a:buFontTx/>
-              <a:buChar char="•"/>
+            <a:pPr>
+              <a:buFont typeface="Wingdings" panose="05000000000000000000" pitchFamily="2" charset="2"/>
+              <a:buChar char="§"/>
             </a:pPr>
-            <a:endParaRPr lang="en-US" altLang="en-US" sz="1800" b="1">
+            <a:r>
+              <a:rPr lang="en-US" dirty="0"/>
+              <a:t>Abnormalities refer to live births where the </a:t>
+            </a:r>
+            <a:r>
+              <a:rPr lang="en-US" dirty="0">
+                <a:solidFill>
+                  <a:srgbClr val="E85D04"/>
+                </a:solidFill>
+              </a:rPr>
+              <a:t>newborn</a:t>
+            </a:r>
+            <a:r>
+              <a:rPr lang="en-US" dirty="0"/>
+              <a:t> experiences</a:t>
+            </a:r>
+          </a:p>
+          <a:p>
+            <a:pPr lvl="1">
+              <a:buFont typeface="Wingdings" panose="05000000000000000000" pitchFamily="2" charset="2"/>
+              <a:buChar char="§"/>
+            </a:pPr>
+            <a:r>
+              <a:rPr lang="en-US" altLang="en-US" dirty="0"/>
+              <a:t>Assisted Ventilation</a:t>
+            </a:r>
+          </a:p>
+          <a:p>
+            <a:pPr lvl="1">
+              <a:buFont typeface="Wingdings" panose="05000000000000000000" pitchFamily="2" charset="2"/>
+              <a:buChar char="§"/>
+            </a:pPr>
+            <a:r>
+              <a:rPr lang="en-US" altLang="en-US" sz="1800" dirty="0"/>
+              <a:t>NICU Admission</a:t>
+            </a:r>
+          </a:p>
+          <a:p>
+            <a:pPr lvl="1">
+              <a:buFont typeface="Wingdings" panose="05000000000000000000" pitchFamily="2" charset="2"/>
+              <a:buChar char="§"/>
+            </a:pPr>
+            <a:r>
+              <a:rPr lang="en-US" altLang="en-US" sz="1800" dirty="0"/>
+              <a:t>Surfactant Replacement Therapy</a:t>
+            </a:r>
+          </a:p>
+          <a:p>
+            <a:pPr lvl="1">
+              <a:buFont typeface="Wingdings" panose="05000000000000000000" pitchFamily="2" charset="2"/>
+              <a:buChar char="§"/>
+            </a:pPr>
+            <a:r>
+              <a:rPr lang="en-US" altLang="en-US" sz="1800" dirty="0"/>
+              <a:t>Antibiotics for Suspected Neonatal Sepsis</a:t>
+            </a:r>
+          </a:p>
+          <a:p>
+            <a:pPr lvl="1">
+              <a:buFont typeface="Wingdings" panose="05000000000000000000" pitchFamily="2" charset="2"/>
+              <a:buChar char="§"/>
+            </a:pPr>
+            <a:r>
+              <a:rPr lang="en-US" altLang="en-US" sz="1800" dirty="0"/>
+              <a:t>OR Seizures</a:t>
+            </a:r>
+          </a:p>
+          <a:p>
+            <a:pPr lvl="1">
+              <a:buFont typeface="Wingdings" panose="05000000000000000000" pitchFamily="2" charset="2"/>
+              <a:buChar char="§"/>
+            </a:pPr>
+            <a:endParaRPr lang="en-US" altLang="en-US" sz="1800" dirty="0">
               <a:latin typeface="Arial" panose="020B0604020202020204" pitchFamily="34" charset="0"/>
             </a:endParaRPr>
           </a:p>
           <a:p>
-            <a:pPr marL="0" indent="0" eaLnBrk="0" fontAlgn="base" hangingPunct="0">
-              <a:lnSpc>
-                <a:spcPct val="100000"/>
-              </a:lnSpc>
-              <a:spcBef>
-                <a:spcPct val="0"/>
-              </a:spcBef>
-              <a:spcAft>
-                <a:spcPct val="0"/>
-              </a:spcAft>
-              <a:buFontTx/>
-              <a:buChar char="•"/>
+            <a:pPr lvl="1">
+              <a:buFont typeface="Wingdings" panose="05000000000000000000" pitchFamily="2" charset="2"/>
+              <a:buChar char="§"/>
             </a:pPr>
-            <a:r>
-              <a:rPr lang="en-US" altLang="en-US" sz="1800" b="1">
-                <a:latin typeface="Arial" panose="020B0604020202020204" pitchFamily="34" charset="0"/>
-              </a:rPr>
-              <a:t>Abnormalities refer to live births where newborn experiences at least one of the following:</a:t>
-            </a:r>
-          </a:p>
-          <a:p>
-            <a:pPr marL="457200" lvl="1" indent="0" eaLnBrk="0" fontAlgn="base" hangingPunct="0">
-              <a:lnSpc>
-                <a:spcPct val="100000"/>
-              </a:lnSpc>
-              <a:spcBef>
-                <a:spcPct val="0"/>
-              </a:spcBef>
-              <a:spcAft>
-                <a:spcPct val="0"/>
-              </a:spcAft>
-              <a:buFontTx/>
-              <a:buChar char="•"/>
-            </a:pPr>
-            <a:r>
-              <a:rPr lang="en-US" altLang="en-US" sz="1600" b="1">
-                <a:latin typeface="Arial" panose="020B0604020202020204" pitchFamily="34" charset="0"/>
-              </a:rPr>
-              <a:t>Assisted Ventilation</a:t>
-            </a:r>
-          </a:p>
-          <a:p>
-            <a:pPr marL="457200" lvl="1" indent="0" eaLnBrk="0" fontAlgn="base" hangingPunct="0">
-              <a:lnSpc>
-                <a:spcPct val="100000"/>
-              </a:lnSpc>
-              <a:spcBef>
-                <a:spcPct val="0"/>
-              </a:spcBef>
-              <a:spcAft>
-                <a:spcPct val="0"/>
-              </a:spcAft>
-              <a:buFontTx/>
-              <a:buChar char="•"/>
-            </a:pPr>
-            <a:r>
-              <a:rPr lang="en-US" altLang="en-US" sz="1600" b="1">
-                <a:latin typeface="Arial" panose="020B0604020202020204" pitchFamily="34" charset="0"/>
-              </a:rPr>
-              <a:t>NICU Admission</a:t>
-            </a:r>
-            <a:endParaRPr lang="en-US" altLang="en-US" sz="1600">
-              <a:latin typeface="Arial" panose="020B0604020202020204" pitchFamily="34" charset="0"/>
-            </a:endParaRPr>
-          </a:p>
-          <a:p>
-            <a:pPr marL="457200" lvl="1" indent="0" eaLnBrk="0" fontAlgn="base" hangingPunct="0">
-              <a:lnSpc>
-                <a:spcPct val="100000"/>
-              </a:lnSpc>
-              <a:spcBef>
-                <a:spcPct val="0"/>
-              </a:spcBef>
-              <a:spcAft>
-                <a:spcPct val="0"/>
-              </a:spcAft>
-              <a:buFontTx/>
-              <a:buChar char="•"/>
-            </a:pPr>
-            <a:r>
-              <a:rPr lang="en-US" altLang="en-US" sz="1600" b="1">
-                <a:latin typeface="Arial" panose="020B0604020202020204" pitchFamily="34" charset="0"/>
-              </a:rPr>
-              <a:t>Surfactant Replacement Therapy</a:t>
-            </a:r>
-            <a:endParaRPr lang="en-US" altLang="en-US" sz="1600">
-              <a:latin typeface="Arial" panose="020B0604020202020204" pitchFamily="34" charset="0"/>
-            </a:endParaRPr>
-          </a:p>
-          <a:p>
-            <a:pPr marL="457200" lvl="1" indent="0" eaLnBrk="0" fontAlgn="base" hangingPunct="0">
-              <a:lnSpc>
-                <a:spcPct val="100000"/>
-              </a:lnSpc>
-              <a:spcBef>
-                <a:spcPct val="0"/>
-              </a:spcBef>
-              <a:spcAft>
-                <a:spcPct val="0"/>
-              </a:spcAft>
-              <a:buFontTx/>
-              <a:buChar char="•"/>
-            </a:pPr>
-            <a:r>
-              <a:rPr lang="en-US" altLang="en-US" sz="1600" b="1">
-                <a:latin typeface="Arial" panose="020B0604020202020204" pitchFamily="34" charset="0"/>
-              </a:rPr>
-              <a:t>Antibiotics for Suspected Neonatal Sepsis</a:t>
-            </a:r>
-            <a:endParaRPr lang="en-US" altLang="en-US" sz="1600">
-              <a:latin typeface="Arial" panose="020B0604020202020204" pitchFamily="34" charset="0"/>
-            </a:endParaRPr>
-          </a:p>
-          <a:p>
-            <a:pPr marL="457200" lvl="1" indent="0" eaLnBrk="0" fontAlgn="base" hangingPunct="0">
-              <a:lnSpc>
-                <a:spcPct val="100000"/>
-              </a:lnSpc>
-              <a:spcBef>
-                <a:spcPct val="0"/>
-              </a:spcBef>
-              <a:spcAft>
-                <a:spcPct val="0"/>
-              </a:spcAft>
-              <a:buFontTx/>
-              <a:buChar char="•"/>
-            </a:pPr>
-            <a:r>
-              <a:rPr lang="en-US" altLang="en-US" sz="1600" b="1">
-                <a:latin typeface="Arial" panose="020B0604020202020204" pitchFamily="34" charset="0"/>
-              </a:rPr>
-              <a:t>Seizures</a:t>
-            </a:r>
-            <a:endParaRPr lang="en-US" altLang="en-US" sz="1600" dirty="0">
-              <a:latin typeface="Arial" panose="020B0604020202020204" pitchFamily="34" charset="0"/>
-            </a:endParaRPr>
+            <a:endParaRPr lang="en-US" dirty="0"/>
           </a:p>
         </p:txBody>
       </p:sp>
@@ -21297,45 +23052,273 @@
       </p:sp>
       <p:sp>
         <p:nvSpPr>
-          <p:cNvPr id="7" name="TextBox 6">
+          <p:cNvPr id="3" name="Title 1">
             <a:extLst>
               <a:ext uri="{FF2B5EF4-FFF2-40B4-BE49-F238E27FC236}">
-                <a16:creationId xmlns:a16="http://schemas.microsoft.com/office/drawing/2014/main" id="{EA317474-FB2B-91CA-5319-9E35714A5B6E}"/>
+                <a16:creationId xmlns:a16="http://schemas.microsoft.com/office/drawing/2014/main" id="{299B45D8-4453-F807-AA0B-87CCA3C76451}"/>
               </a:ext>
             </a:extLst>
           </p:cNvPr>
-          <p:cNvSpPr txBox="1"/>
+          <p:cNvSpPr txBox="1">
+            <a:spLocks/>
+          </p:cNvSpPr>
           <p:nvPr/>
         </p:nvSpPr>
         <p:spPr>
           <a:xfrm>
-            <a:off x="730188" y="1984133"/>
-            <a:ext cx="2163932" cy="1200329"/>
+            <a:off x="287193" y="825710"/>
+            <a:ext cx="4432941" cy="732503"/>
           </a:xfrm>
           <a:prstGeom prst="rect">
             <a:avLst/>
           </a:prstGeom>
-          <a:noFill/>
         </p:spPr>
         <p:txBody>
-          <a:bodyPr wrap="square">
-            <a:spAutoFit/>
+          <a:bodyPr>
+            <a:normAutofit/>
           </a:bodyPr>
-          <a:lstStyle/>
-          <a:p>
+          <a:lstStyle>
+            <a:lvl1pPr algn="l" defTabSz="914400" rtl="0" eaLnBrk="1" latinLnBrk="0" hangingPunct="1">
+              <a:lnSpc>
+                <a:spcPct val="100000"/>
+              </a:lnSpc>
+              <a:spcBef>
+                <a:spcPct val="0"/>
+              </a:spcBef>
+              <a:buNone/>
+              <a:defRPr sz="4000" kern="1200" cap="all" spc="30" baseline="0">
+                <a:solidFill>
+                  <a:schemeClr val="tx1"/>
+                </a:solidFill>
+                <a:latin typeface="Verdana" panose="020B0604030504040204" pitchFamily="34" charset="0"/>
+                <a:ea typeface="Verdana" panose="020B0604030504040204" pitchFamily="34" charset="0"/>
+                <a:cs typeface="+mj-cs"/>
+              </a:defRPr>
+            </a:lvl1pPr>
+          </a:lstStyle>
+          <a:p>
+            <a:pPr algn="ctr"/>
             <a:r>
               <a:rPr lang="en-US" dirty="0"/>
-              <a:t>Body Mass Index is the ratio of a person’s height and weight</a:t>
+              <a:t>IMPACT OF BMI</a:t>
             </a:r>
+          </a:p>
+        </p:txBody>
+      </p:sp>
+      <p:sp>
+        <p:nvSpPr>
+          <p:cNvPr id="5" name="Content Placeholder 36">
+            <a:extLst>
+              <a:ext uri="{FF2B5EF4-FFF2-40B4-BE49-F238E27FC236}">
+                <a16:creationId xmlns:a16="http://schemas.microsoft.com/office/drawing/2014/main" id="{5CE7664D-C510-E0D4-5EBA-D5D4BFAD8593}"/>
+              </a:ext>
+            </a:extLst>
+          </p:cNvPr>
+          <p:cNvSpPr txBox="1">
+            <a:spLocks/>
+          </p:cNvSpPr>
+          <p:nvPr/>
+        </p:nvSpPr>
+        <p:spPr>
+          <a:xfrm>
+            <a:off x="8582917" y="2448694"/>
+            <a:ext cx="3340550" cy="3513567"/>
+          </a:xfrm>
+          <a:prstGeom prst="rect">
+            <a:avLst/>
+          </a:prstGeom>
+        </p:spPr>
+        <p:txBody>
+          <a:bodyPr>
+            <a:normAutofit/>
+          </a:bodyPr>
+          <a:lstStyle>
+            <a:lvl1pPr marL="228600" indent="-228600" algn="l" defTabSz="914400" rtl="0" eaLnBrk="1" latinLnBrk="0" hangingPunct="1">
+              <a:lnSpc>
+                <a:spcPct val="120000"/>
+              </a:lnSpc>
+              <a:spcBef>
+                <a:spcPts val="1000"/>
+              </a:spcBef>
+              <a:buFont typeface="Arial" panose="020B0604020202020204" pitchFamily="34" charset="0"/>
+              <a:buChar char="•"/>
+              <a:defRPr sz="2000" kern="1200">
+                <a:solidFill>
+                  <a:schemeClr val="tx1"/>
+                </a:solidFill>
+                <a:latin typeface="+mn-lt"/>
+                <a:ea typeface="Verdana" panose="020B0604030504040204" pitchFamily="34" charset="0"/>
+                <a:cs typeface="Times New Roman" panose="02020603050405020304" pitchFamily="18" charset="0"/>
+              </a:defRPr>
+            </a:lvl1pPr>
+            <a:lvl2pPr marL="685800" indent="-228600" algn="l" defTabSz="914400" rtl="0" eaLnBrk="1" latinLnBrk="0" hangingPunct="1">
+              <a:lnSpc>
+                <a:spcPct val="120000"/>
+              </a:lnSpc>
+              <a:spcBef>
+                <a:spcPts val="500"/>
+              </a:spcBef>
+              <a:buFont typeface="Arial" panose="020B0604020202020204" pitchFamily="34" charset="0"/>
+              <a:buChar char="•"/>
+              <a:defRPr sz="1800" kern="1200">
+                <a:solidFill>
+                  <a:schemeClr val="tx1"/>
+                </a:solidFill>
+                <a:latin typeface="+mn-lt"/>
+                <a:ea typeface="Verdana" panose="020B0604030504040204" pitchFamily="34" charset="0"/>
+                <a:cs typeface="Times New Roman" panose="02020603050405020304" pitchFamily="18" charset="0"/>
+              </a:defRPr>
+            </a:lvl2pPr>
+            <a:lvl3pPr marL="1143000" indent="-228600" algn="l" defTabSz="914400" rtl="0" eaLnBrk="1" latinLnBrk="0" hangingPunct="1">
+              <a:lnSpc>
+                <a:spcPct val="120000"/>
+              </a:lnSpc>
+              <a:spcBef>
+                <a:spcPts val="500"/>
+              </a:spcBef>
+              <a:buFont typeface="Arial" panose="020B0604020202020204" pitchFamily="34" charset="0"/>
+              <a:buChar char="•"/>
+              <a:defRPr sz="1600" kern="1200">
+                <a:solidFill>
+                  <a:schemeClr val="tx1"/>
+                </a:solidFill>
+                <a:latin typeface="+mn-lt"/>
+                <a:ea typeface="Verdana" panose="020B0604030504040204" pitchFamily="34" charset="0"/>
+                <a:cs typeface="Times New Roman" panose="02020603050405020304" pitchFamily="18" charset="0"/>
+              </a:defRPr>
+            </a:lvl3pPr>
+            <a:lvl4pPr marL="1600200" indent="-228600" algn="l" defTabSz="914400" rtl="0" eaLnBrk="1" latinLnBrk="0" hangingPunct="1">
+              <a:lnSpc>
+                <a:spcPct val="120000"/>
+              </a:lnSpc>
+              <a:spcBef>
+                <a:spcPts val="500"/>
+              </a:spcBef>
+              <a:buFont typeface="Arial" panose="020B0604020202020204" pitchFamily="34" charset="0"/>
+              <a:buChar char="•"/>
+              <a:defRPr sz="1400" kern="1200">
+                <a:solidFill>
+                  <a:schemeClr val="tx1"/>
+                </a:solidFill>
+                <a:latin typeface="+mn-lt"/>
+                <a:ea typeface="Verdana" panose="020B0604030504040204" pitchFamily="34" charset="0"/>
+                <a:cs typeface="Times New Roman" panose="02020603050405020304" pitchFamily="18" charset="0"/>
+              </a:defRPr>
+            </a:lvl4pPr>
+            <a:lvl5pPr marL="2057400" indent="-228600" algn="l" defTabSz="914400" rtl="0" eaLnBrk="1" latinLnBrk="0" hangingPunct="1">
+              <a:lnSpc>
+                <a:spcPct val="120000"/>
+              </a:lnSpc>
+              <a:spcBef>
+                <a:spcPts val="500"/>
+              </a:spcBef>
+              <a:buFont typeface="Arial" panose="020B0604020202020204" pitchFamily="34" charset="0"/>
+              <a:buChar char="•"/>
+              <a:defRPr sz="1400" kern="1200">
+                <a:solidFill>
+                  <a:schemeClr val="tx1"/>
+                </a:solidFill>
+                <a:latin typeface="+mn-lt"/>
+                <a:ea typeface="Verdana" panose="020B0604030504040204" pitchFamily="34" charset="0"/>
+                <a:cs typeface="Times New Roman" panose="02020603050405020304" pitchFamily="18" charset="0"/>
+              </a:defRPr>
+            </a:lvl5pPr>
+            <a:lvl6pPr marL="2514600" indent="-228600" algn="l" defTabSz="914400" rtl="0" eaLnBrk="1" latinLnBrk="0" hangingPunct="1">
+              <a:lnSpc>
+                <a:spcPct val="90000"/>
+              </a:lnSpc>
+              <a:spcBef>
+                <a:spcPts val="500"/>
+              </a:spcBef>
+              <a:buFont typeface="Arial" panose="020B0604020202020204" pitchFamily="34" charset="0"/>
+              <a:buChar char="•"/>
+              <a:defRPr sz="1800" kern="1200">
+                <a:solidFill>
+                  <a:schemeClr val="tx1"/>
+                </a:solidFill>
+                <a:latin typeface="+mn-lt"/>
+                <a:ea typeface="+mn-ea"/>
+                <a:cs typeface="+mn-cs"/>
+              </a:defRPr>
+            </a:lvl6pPr>
+            <a:lvl7pPr marL="2971800" indent="-228600" algn="l" defTabSz="914400" rtl="0" eaLnBrk="1" latinLnBrk="0" hangingPunct="1">
+              <a:lnSpc>
+                <a:spcPct val="90000"/>
+              </a:lnSpc>
+              <a:spcBef>
+                <a:spcPts val="500"/>
+              </a:spcBef>
+              <a:buFont typeface="Arial" panose="020B0604020202020204" pitchFamily="34" charset="0"/>
+              <a:buChar char="•"/>
+              <a:defRPr sz="1800" kern="1200">
+                <a:solidFill>
+                  <a:schemeClr val="tx1"/>
+                </a:solidFill>
+                <a:latin typeface="+mn-lt"/>
+                <a:ea typeface="+mn-ea"/>
+                <a:cs typeface="+mn-cs"/>
+              </a:defRPr>
+            </a:lvl7pPr>
+            <a:lvl8pPr marL="3429000" indent="-228600" algn="l" defTabSz="914400" rtl="0" eaLnBrk="1" latinLnBrk="0" hangingPunct="1">
+              <a:lnSpc>
+                <a:spcPct val="90000"/>
+              </a:lnSpc>
+              <a:spcBef>
+                <a:spcPts val="500"/>
+              </a:spcBef>
+              <a:buFont typeface="Arial" panose="020B0604020202020204" pitchFamily="34" charset="0"/>
+              <a:buChar char="•"/>
+              <a:defRPr sz="1800" kern="1200">
+                <a:solidFill>
+                  <a:schemeClr val="tx1"/>
+                </a:solidFill>
+                <a:latin typeface="+mn-lt"/>
+                <a:ea typeface="+mn-ea"/>
+                <a:cs typeface="+mn-cs"/>
+              </a:defRPr>
+            </a:lvl8pPr>
+            <a:lvl9pPr marL="3886200" indent="-228600" algn="l" defTabSz="914400" rtl="0" eaLnBrk="1" latinLnBrk="0" hangingPunct="1">
+              <a:lnSpc>
+                <a:spcPct val="90000"/>
+              </a:lnSpc>
+              <a:spcBef>
+                <a:spcPts val="500"/>
+              </a:spcBef>
+              <a:buFont typeface="Arial" panose="020B0604020202020204" pitchFamily="34" charset="0"/>
+              <a:buChar char="•"/>
+              <a:defRPr sz="1800" kern="1200">
+                <a:solidFill>
+                  <a:schemeClr val="tx1"/>
+                </a:solidFill>
+                <a:latin typeface="+mn-lt"/>
+                <a:ea typeface="+mn-ea"/>
+                <a:cs typeface="+mn-cs"/>
+              </a:defRPr>
+            </a:lvl9pPr>
+          </a:lstStyle>
+          <a:p>
+            <a:pPr marL="457200" lvl="1" indent="0">
+              <a:buNone/>
+            </a:pPr>
+            <a:endParaRPr lang="en-US" altLang="en-US" sz="1800" dirty="0">
+              <a:latin typeface="Arial" panose="020B0604020202020204" pitchFamily="34" charset="0"/>
+            </a:endParaRPr>
+          </a:p>
+          <a:p>
+            <a:pPr lvl="1">
+              <a:buFont typeface="Wingdings" panose="05000000000000000000" pitchFamily="2" charset="2"/>
+              <a:buChar char="§"/>
+            </a:pPr>
+            <a:endParaRPr lang="en-US" dirty="0"/>
           </a:p>
         </p:txBody>
       </p:sp>
       <p:pic>
         <p:nvPicPr>
-          <p:cNvPr id="9" name="Picture 8" descr="Chart, line chart&#10;&#10;Description automatically generated">
+          <p:cNvPr id="10" name="Picture 9" descr="Chart, line chart&#10;&#10;Description automatically generated">
             <a:extLst>
               <a:ext uri="{FF2B5EF4-FFF2-40B4-BE49-F238E27FC236}">
-                <a16:creationId xmlns:a16="http://schemas.microsoft.com/office/drawing/2014/main" id="{D7587A76-E7F7-ABF0-64C4-385750416899}"/>
+                <a16:creationId xmlns:a16="http://schemas.microsoft.com/office/drawing/2014/main" id="{5C9061FD-5044-3870-0DEA-A7D2D8A76777}"/>
               </a:ext>
             </a:extLst>
           </p:cNvPr>
@@ -21358,12 +23341,17 @@
         </p:blipFill>
         <p:spPr>
           <a:xfrm>
-            <a:off x="3646701" y="1367947"/>
-            <a:ext cx="8244212" cy="4122106"/>
+            <a:off x="1652242" y="1588532"/>
+            <a:ext cx="8887515" cy="4443758"/>
           </a:xfrm>
           <a:prstGeom prst="rect">
             <a:avLst/>
           </a:prstGeom>
+          <a:ln w="57150">
+            <a:solidFill>
+              <a:srgbClr val="0582CA"/>
+            </a:solidFill>
+          </a:ln>
         </p:spPr>
       </p:pic>
     </p:spTree>

--- a/presentation_materials/ece143-final_presentation.pptx
+++ b/presentation_materials/ece143-final_presentation.pptx
@@ -19,8 +19,8 @@
     <p:sldId id="266" r:id="rId10"/>
     <p:sldId id="288" r:id="rId11"/>
     <p:sldId id="295" r:id="rId12"/>
-    <p:sldId id="297" r:id="rId13"/>
-    <p:sldId id="286" r:id="rId14"/>
+    <p:sldId id="301" r:id="rId13"/>
+    <p:sldId id="302" r:id="rId14"/>
     <p:sldId id="267" r:id="rId15"/>
     <p:sldId id="275" r:id="rId16"/>
     <p:sldId id="277" r:id="rId17"/>
@@ -6307,6 +6307,174 @@
 </p:notes>
 </file>
 
+<file path=ppt/notesSlides/notesSlide4.xml><?xml version="1.0" encoding="utf-8"?>
+<p:notes xmlns:a="http://schemas.openxmlformats.org/drawingml/2006/main" xmlns:r="http://schemas.openxmlformats.org/officeDocument/2006/relationships" xmlns:p="http://schemas.openxmlformats.org/presentationml/2006/main">
+  <p:cSld>
+    <p:spTree>
+      <p:nvGrpSpPr>
+        <p:cNvPr id="1" name=""/>
+        <p:cNvGrpSpPr/>
+        <p:nvPr/>
+      </p:nvGrpSpPr>
+      <p:grpSpPr>
+        <a:xfrm>
+          <a:off x="0" y="0"/>
+          <a:ext cx="0" cy="0"/>
+          <a:chOff x="0" y="0"/>
+          <a:chExt cx="0" cy="0"/>
+        </a:xfrm>
+      </p:grpSpPr>
+      <p:sp>
+        <p:nvSpPr>
+          <p:cNvPr id="2" name="Slide Image Placeholder 1"/>
+          <p:cNvSpPr>
+            <a:spLocks noGrp="1" noRot="1" noChangeAspect="1"/>
+          </p:cNvSpPr>
+          <p:nvPr>
+            <p:ph type="sldImg"/>
+          </p:nvPr>
+        </p:nvSpPr>
+        <p:spPr/>
+      </p:sp>
+      <p:sp>
+        <p:nvSpPr>
+          <p:cNvPr id="3" name="Notes Placeholder 2"/>
+          <p:cNvSpPr>
+            <a:spLocks noGrp="1"/>
+          </p:cNvSpPr>
+          <p:nvPr>
+            <p:ph type="body" idx="1"/>
+          </p:nvPr>
+        </p:nvSpPr>
+        <p:spPr/>
+        <p:txBody>
+          <a:bodyPr/>
+          <a:lstStyle/>
+          <a:p>
+            <a:endParaRPr lang="en-US" dirty="0"/>
+          </a:p>
+        </p:txBody>
+      </p:sp>
+      <p:sp>
+        <p:nvSpPr>
+          <p:cNvPr id="4" name="Slide Number Placeholder 3"/>
+          <p:cNvSpPr>
+            <a:spLocks noGrp="1"/>
+          </p:cNvSpPr>
+          <p:nvPr>
+            <p:ph type="sldNum" sz="quarter" idx="5"/>
+          </p:nvPr>
+        </p:nvSpPr>
+        <p:spPr/>
+        <p:txBody>
+          <a:bodyPr/>
+          <a:lstStyle/>
+          <a:p>
+            <a:fld id="{6ADB079E-C73C-4232-B553-4EDFA45FDEAE}" type="slidenum">
+              <a:rPr lang="en-US" smtClean="0"/>
+              <a:t>9</a:t>
+            </a:fld>
+            <a:endParaRPr lang="en-US"/>
+          </a:p>
+        </p:txBody>
+      </p:sp>
+    </p:spTree>
+    <p:extLst>
+      <p:ext uri="{BB962C8B-B14F-4D97-AF65-F5344CB8AC3E}">
+        <p14:creationId xmlns:p14="http://schemas.microsoft.com/office/powerpoint/2010/main" val="319720728"/>
+      </p:ext>
+    </p:extLst>
+  </p:cSld>
+  <p:clrMapOvr>
+    <a:masterClrMapping/>
+  </p:clrMapOvr>
+</p:notes>
+</file>
+
+<file path=ppt/notesSlides/notesSlide5.xml><?xml version="1.0" encoding="utf-8"?>
+<p:notes xmlns:a="http://schemas.openxmlformats.org/drawingml/2006/main" xmlns:r="http://schemas.openxmlformats.org/officeDocument/2006/relationships" xmlns:p="http://schemas.openxmlformats.org/presentationml/2006/main">
+  <p:cSld>
+    <p:spTree>
+      <p:nvGrpSpPr>
+        <p:cNvPr id="1" name=""/>
+        <p:cNvGrpSpPr/>
+        <p:nvPr/>
+      </p:nvGrpSpPr>
+      <p:grpSpPr>
+        <a:xfrm>
+          <a:off x="0" y="0"/>
+          <a:ext cx="0" cy="0"/>
+          <a:chOff x="0" y="0"/>
+          <a:chExt cx="0" cy="0"/>
+        </a:xfrm>
+      </p:grpSpPr>
+      <p:sp>
+        <p:nvSpPr>
+          <p:cNvPr id="2" name="Slide Image Placeholder 1"/>
+          <p:cNvSpPr>
+            <a:spLocks noGrp="1" noRot="1" noChangeAspect="1"/>
+          </p:cNvSpPr>
+          <p:nvPr>
+            <p:ph type="sldImg"/>
+          </p:nvPr>
+        </p:nvSpPr>
+        <p:spPr/>
+      </p:sp>
+      <p:sp>
+        <p:nvSpPr>
+          <p:cNvPr id="3" name="Notes Placeholder 2"/>
+          <p:cNvSpPr>
+            <a:spLocks noGrp="1"/>
+          </p:cNvSpPr>
+          <p:nvPr>
+            <p:ph type="body" idx="1"/>
+          </p:nvPr>
+        </p:nvSpPr>
+        <p:spPr/>
+        <p:txBody>
+          <a:bodyPr/>
+          <a:lstStyle/>
+          <a:p>
+            <a:endParaRPr lang="en-US" dirty="0"/>
+          </a:p>
+        </p:txBody>
+      </p:sp>
+      <p:sp>
+        <p:nvSpPr>
+          <p:cNvPr id="4" name="Slide Number Placeholder 3"/>
+          <p:cNvSpPr>
+            <a:spLocks noGrp="1"/>
+          </p:cNvSpPr>
+          <p:nvPr>
+            <p:ph type="sldNum" sz="quarter" idx="5"/>
+          </p:nvPr>
+        </p:nvSpPr>
+        <p:spPr/>
+        <p:txBody>
+          <a:bodyPr/>
+          <a:lstStyle/>
+          <a:p>
+            <a:fld id="{6ADB079E-C73C-4232-B553-4EDFA45FDEAE}" type="slidenum">
+              <a:rPr lang="en-US" smtClean="0"/>
+              <a:t>10</a:t>
+            </a:fld>
+            <a:endParaRPr lang="en-US"/>
+          </a:p>
+        </p:txBody>
+      </p:sp>
+    </p:spTree>
+    <p:extLst>
+      <p:ext uri="{BB962C8B-B14F-4D97-AF65-F5344CB8AC3E}">
+        <p14:creationId xmlns:p14="http://schemas.microsoft.com/office/powerpoint/2010/main" val="19290882"/>
+      </p:ext>
+    </p:extLst>
+  </p:cSld>
+  <p:clrMapOvr>
+    <a:masterClrMapping/>
+  </p:clrMapOvr>
+</p:notes>
+</file>
+
 <file path=ppt/slideLayouts/slideLayout1.xml><?xml version="1.0" encoding="utf-8"?>
 <p:sldLayout xmlns:a="http://schemas.openxmlformats.org/drawingml/2006/main" xmlns:r="http://schemas.openxmlformats.org/officeDocument/2006/relationships" xmlns:p="http://schemas.openxmlformats.org/presentationml/2006/main" type="title" preserve="1">
   <p:cSld name="Title Slide">
@@ -10153,10 +10321,10 @@
       </p:sp>
       <p:pic>
         <p:nvPicPr>
-          <p:cNvPr id="8" name="Picture 7" descr="Chart, line chart&#10;&#10;Description automatically generated">
+          <p:cNvPr id="2" name="Picture 1" descr="Chart, line chart&#10;&#10;Description automatically generated">
             <a:extLst>
               <a:ext uri="{FF2B5EF4-FFF2-40B4-BE49-F238E27FC236}">
-                <a16:creationId xmlns:a16="http://schemas.microsoft.com/office/drawing/2014/main" id="{7F30A4CA-D01F-8E27-F547-58D5360F5CE7}"/>
+                <a16:creationId xmlns:a16="http://schemas.microsoft.com/office/drawing/2014/main" id="{A1778ECF-CB12-C208-72E2-9E2A230B5245}"/>
               </a:ext>
             </a:extLst>
           </p:cNvPr>
@@ -10166,7 +10334,7 @@
           <p:nvPr/>
         </p:nvPicPr>
         <p:blipFill>
-          <a:blip r:embed="rId2">
+          <a:blip r:embed="rId3">
             <a:extLst>
               <a:ext uri="{28A0092B-C50C-407E-A947-70E740481C1C}">
                 <a14:useLocalDpi xmlns:a14="http://schemas.microsoft.com/office/drawing/2010/main" val="0"/>
@@ -10194,317 +10362,10 @@
       </p:pic>
       <p:sp>
         <p:nvSpPr>
-          <p:cNvPr id="3" name="Title 1">
+          <p:cNvPr id="3" name="Oval 2">
             <a:extLst>
               <a:ext uri="{FF2B5EF4-FFF2-40B4-BE49-F238E27FC236}">
-                <a16:creationId xmlns:a16="http://schemas.microsoft.com/office/drawing/2014/main" id="{88F73B6A-EA7B-230D-C6AE-939120A84835}"/>
-              </a:ext>
-            </a:extLst>
-          </p:cNvPr>
-          <p:cNvSpPr txBox="1">
-            <a:spLocks/>
-          </p:cNvSpPr>
-          <p:nvPr/>
-        </p:nvSpPr>
-        <p:spPr>
-          <a:xfrm>
-            <a:off x="8620586" y="1096297"/>
-            <a:ext cx="3265212" cy="1352397"/>
-          </a:xfrm>
-          <a:prstGeom prst="rect">
-            <a:avLst/>
-          </a:prstGeom>
-        </p:spPr>
-        <p:txBody>
-          <a:bodyPr>
-            <a:normAutofit/>
-          </a:bodyPr>
-          <a:lstStyle>
-            <a:lvl1pPr algn="l" defTabSz="914400" rtl="0" eaLnBrk="1" latinLnBrk="0" hangingPunct="1">
-              <a:lnSpc>
-                <a:spcPct val="100000"/>
-              </a:lnSpc>
-              <a:spcBef>
-                <a:spcPct val="0"/>
-              </a:spcBef>
-              <a:buNone/>
-              <a:defRPr sz="4000" kern="1200" cap="all" spc="30" baseline="0">
-                <a:solidFill>
-                  <a:schemeClr val="tx1"/>
-                </a:solidFill>
-                <a:latin typeface="Verdana" panose="020B0604030504040204" pitchFamily="34" charset="0"/>
-                <a:ea typeface="Verdana" panose="020B0604030504040204" pitchFamily="34" charset="0"/>
-                <a:cs typeface="+mj-cs"/>
-              </a:defRPr>
-            </a:lvl1pPr>
-          </a:lstStyle>
-          <a:p>
-            <a:pPr algn="ctr"/>
-            <a:r>
-              <a:rPr lang="en-US" dirty="0"/>
-              <a:t>IMPACT OF BMI</a:t>
-            </a:r>
-          </a:p>
-        </p:txBody>
-      </p:sp>
-      <p:sp>
-        <p:nvSpPr>
-          <p:cNvPr id="7" name="Content Placeholder 36">
-            <a:extLst>
-              <a:ext uri="{FF2B5EF4-FFF2-40B4-BE49-F238E27FC236}">
-                <a16:creationId xmlns:a16="http://schemas.microsoft.com/office/drawing/2014/main" id="{A382851B-31C1-58FD-006F-B324EF40744B}"/>
-              </a:ext>
-            </a:extLst>
-          </p:cNvPr>
-          <p:cNvSpPr txBox="1">
-            <a:spLocks/>
-          </p:cNvSpPr>
-          <p:nvPr/>
-        </p:nvSpPr>
-        <p:spPr>
-          <a:xfrm>
-            <a:off x="8582917" y="2448694"/>
-            <a:ext cx="3340550" cy="3513567"/>
-          </a:xfrm>
-          <a:prstGeom prst="rect">
-            <a:avLst/>
-          </a:prstGeom>
-        </p:spPr>
-        <p:txBody>
-          <a:bodyPr>
-            <a:normAutofit/>
-          </a:bodyPr>
-          <a:lstStyle>
-            <a:lvl1pPr marL="228600" indent="-228600" algn="l" defTabSz="914400" rtl="0" eaLnBrk="1" latinLnBrk="0" hangingPunct="1">
-              <a:lnSpc>
-                <a:spcPct val="120000"/>
-              </a:lnSpc>
-              <a:spcBef>
-                <a:spcPts val="1000"/>
-              </a:spcBef>
-              <a:buFont typeface="Arial" panose="020B0604020202020204" pitchFamily="34" charset="0"/>
-              <a:buChar char="•"/>
-              <a:defRPr sz="2000" kern="1200">
-                <a:solidFill>
-                  <a:schemeClr val="tx1"/>
-                </a:solidFill>
-                <a:latin typeface="+mn-lt"/>
-                <a:ea typeface="Verdana" panose="020B0604030504040204" pitchFamily="34" charset="0"/>
-                <a:cs typeface="Times New Roman" panose="02020603050405020304" pitchFamily="18" charset="0"/>
-              </a:defRPr>
-            </a:lvl1pPr>
-            <a:lvl2pPr marL="685800" indent="-228600" algn="l" defTabSz="914400" rtl="0" eaLnBrk="1" latinLnBrk="0" hangingPunct="1">
-              <a:lnSpc>
-                <a:spcPct val="120000"/>
-              </a:lnSpc>
-              <a:spcBef>
-                <a:spcPts val="500"/>
-              </a:spcBef>
-              <a:buFont typeface="Arial" panose="020B0604020202020204" pitchFamily="34" charset="0"/>
-              <a:buChar char="•"/>
-              <a:defRPr sz="1800" kern="1200">
-                <a:solidFill>
-                  <a:schemeClr val="tx1"/>
-                </a:solidFill>
-                <a:latin typeface="+mn-lt"/>
-                <a:ea typeface="Verdana" panose="020B0604030504040204" pitchFamily="34" charset="0"/>
-                <a:cs typeface="Times New Roman" panose="02020603050405020304" pitchFamily="18" charset="0"/>
-              </a:defRPr>
-            </a:lvl2pPr>
-            <a:lvl3pPr marL="1143000" indent="-228600" algn="l" defTabSz="914400" rtl="0" eaLnBrk="1" latinLnBrk="0" hangingPunct="1">
-              <a:lnSpc>
-                <a:spcPct val="120000"/>
-              </a:lnSpc>
-              <a:spcBef>
-                <a:spcPts val="500"/>
-              </a:spcBef>
-              <a:buFont typeface="Arial" panose="020B0604020202020204" pitchFamily="34" charset="0"/>
-              <a:buChar char="•"/>
-              <a:defRPr sz="1600" kern="1200">
-                <a:solidFill>
-                  <a:schemeClr val="tx1"/>
-                </a:solidFill>
-                <a:latin typeface="+mn-lt"/>
-                <a:ea typeface="Verdana" panose="020B0604030504040204" pitchFamily="34" charset="0"/>
-                <a:cs typeface="Times New Roman" panose="02020603050405020304" pitchFamily="18" charset="0"/>
-              </a:defRPr>
-            </a:lvl3pPr>
-            <a:lvl4pPr marL="1600200" indent="-228600" algn="l" defTabSz="914400" rtl="0" eaLnBrk="1" latinLnBrk="0" hangingPunct="1">
-              <a:lnSpc>
-                <a:spcPct val="120000"/>
-              </a:lnSpc>
-              <a:spcBef>
-                <a:spcPts val="500"/>
-              </a:spcBef>
-              <a:buFont typeface="Arial" panose="020B0604020202020204" pitchFamily="34" charset="0"/>
-              <a:buChar char="•"/>
-              <a:defRPr sz="1400" kern="1200">
-                <a:solidFill>
-                  <a:schemeClr val="tx1"/>
-                </a:solidFill>
-                <a:latin typeface="+mn-lt"/>
-                <a:ea typeface="Verdana" panose="020B0604030504040204" pitchFamily="34" charset="0"/>
-                <a:cs typeface="Times New Roman" panose="02020603050405020304" pitchFamily="18" charset="0"/>
-              </a:defRPr>
-            </a:lvl4pPr>
-            <a:lvl5pPr marL="2057400" indent="-228600" algn="l" defTabSz="914400" rtl="0" eaLnBrk="1" latinLnBrk="0" hangingPunct="1">
-              <a:lnSpc>
-                <a:spcPct val="120000"/>
-              </a:lnSpc>
-              <a:spcBef>
-                <a:spcPts val="500"/>
-              </a:spcBef>
-              <a:buFont typeface="Arial" panose="020B0604020202020204" pitchFamily="34" charset="0"/>
-              <a:buChar char="•"/>
-              <a:defRPr sz="1400" kern="1200">
-                <a:solidFill>
-                  <a:schemeClr val="tx1"/>
-                </a:solidFill>
-                <a:latin typeface="+mn-lt"/>
-                <a:ea typeface="Verdana" panose="020B0604030504040204" pitchFamily="34" charset="0"/>
-                <a:cs typeface="Times New Roman" panose="02020603050405020304" pitchFamily="18" charset="0"/>
-              </a:defRPr>
-            </a:lvl5pPr>
-            <a:lvl6pPr marL="2514600" indent="-228600" algn="l" defTabSz="914400" rtl="0" eaLnBrk="1" latinLnBrk="0" hangingPunct="1">
-              <a:lnSpc>
-                <a:spcPct val="90000"/>
-              </a:lnSpc>
-              <a:spcBef>
-                <a:spcPts val="500"/>
-              </a:spcBef>
-              <a:buFont typeface="Arial" panose="020B0604020202020204" pitchFamily="34" charset="0"/>
-              <a:buChar char="•"/>
-              <a:defRPr sz="1800" kern="1200">
-                <a:solidFill>
-                  <a:schemeClr val="tx1"/>
-                </a:solidFill>
-                <a:latin typeface="+mn-lt"/>
-                <a:ea typeface="+mn-ea"/>
-                <a:cs typeface="+mn-cs"/>
-              </a:defRPr>
-            </a:lvl6pPr>
-            <a:lvl7pPr marL="2971800" indent="-228600" algn="l" defTabSz="914400" rtl="0" eaLnBrk="1" latinLnBrk="0" hangingPunct="1">
-              <a:lnSpc>
-                <a:spcPct val="90000"/>
-              </a:lnSpc>
-              <a:spcBef>
-                <a:spcPts val="500"/>
-              </a:spcBef>
-              <a:buFont typeface="Arial" panose="020B0604020202020204" pitchFamily="34" charset="0"/>
-              <a:buChar char="•"/>
-              <a:defRPr sz="1800" kern="1200">
-                <a:solidFill>
-                  <a:schemeClr val="tx1"/>
-                </a:solidFill>
-                <a:latin typeface="+mn-lt"/>
-                <a:ea typeface="+mn-ea"/>
-                <a:cs typeface="+mn-cs"/>
-              </a:defRPr>
-            </a:lvl7pPr>
-            <a:lvl8pPr marL="3429000" indent="-228600" algn="l" defTabSz="914400" rtl="0" eaLnBrk="1" latinLnBrk="0" hangingPunct="1">
-              <a:lnSpc>
-                <a:spcPct val="90000"/>
-              </a:lnSpc>
-              <a:spcBef>
-                <a:spcPts val="500"/>
-              </a:spcBef>
-              <a:buFont typeface="Arial" panose="020B0604020202020204" pitchFamily="34" charset="0"/>
-              <a:buChar char="•"/>
-              <a:defRPr sz="1800" kern="1200">
-                <a:solidFill>
-                  <a:schemeClr val="tx1"/>
-                </a:solidFill>
-                <a:latin typeface="+mn-lt"/>
-                <a:ea typeface="+mn-ea"/>
-                <a:cs typeface="+mn-cs"/>
-              </a:defRPr>
-            </a:lvl8pPr>
-            <a:lvl9pPr marL="3886200" indent="-228600" algn="l" defTabSz="914400" rtl="0" eaLnBrk="1" latinLnBrk="0" hangingPunct="1">
-              <a:lnSpc>
-                <a:spcPct val="90000"/>
-              </a:lnSpc>
-              <a:spcBef>
-                <a:spcPts val="500"/>
-              </a:spcBef>
-              <a:buFont typeface="Arial" panose="020B0604020202020204" pitchFamily="34" charset="0"/>
-              <a:buChar char="•"/>
-              <a:defRPr sz="1800" kern="1200">
-                <a:solidFill>
-                  <a:schemeClr val="tx1"/>
-                </a:solidFill>
-                <a:latin typeface="+mn-lt"/>
-                <a:ea typeface="+mn-ea"/>
-                <a:cs typeface="+mn-cs"/>
-              </a:defRPr>
-            </a:lvl9pPr>
-          </a:lstStyle>
-          <a:p>
-            <a:pPr>
-              <a:buFont typeface="Wingdings" panose="05000000000000000000" pitchFamily="2" charset="2"/>
-              <a:buChar char="§"/>
-            </a:pPr>
-            <a:r>
-              <a:rPr lang="en-US" altLang="en-US" sz="1800" dirty="0"/>
-              <a:t>Preterm births refer to live births that occur </a:t>
-            </a:r>
-            <a:r>
-              <a:rPr lang="en-US" altLang="en-US" sz="1800" dirty="0">
-                <a:solidFill>
-                  <a:srgbClr val="E85D04"/>
-                </a:solidFill>
-              </a:rPr>
-              <a:t>before 37 weeks</a:t>
-            </a:r>
-            <a:r>
-              <a:rPr lang="en-US" altLang="en-US" sz="1800" dirty="0"/>
-              <a:t> of pregnancy is completed</a:t>
-            </a:r>
-          </a:p>
-          <a:p>
-            <a:pPr>
-              <a:buFont typeface="Wingdings" panose="05000000000000000000" pitchFamily="2" charset="2"/>
-              <a:buChar char="§"/>
-            </a:pPr>
-            <a:r>
-              <a:rPr lang="en-US" altLang="en-US" sz="1800" dirty="0"/>
-              <a:t>This is generally considered </a:t>
-            </a:r>
-            <a:r>
-              <a:rPr lang="en-US" altLang="en-US" sz="1800" dirty="0">
-                <a:solidFill>
-                  <a:srgbClr val="E85D04"/>
-                </a:solidFill>
-              </a:rPr>
-              <a:t>dangerous</a:t>
-            </a:r>
-            <a:r>
-              <a:rPr lang="en-US" altLang="en-US" sz="1800" dirty="0"/>
-              <a:t>, as the baby may  develop </a:t>
-            </a:r>
-            <a:r>
-              <a:rPr lang="en-US" altLang="en-US" sz="1800" dirty="0">
-                <a:solidFill>
-                  <a:srgbClr val="E85D04"/>
-                </a:solidFill>
-              </a:rPr>
-              <a:t>long-term health issues</a:t>
-            </a:r>
-          </a:p>
-          <a:p>
-            <a:pPr lvl="1">
-              <a:buFont typeface="Wingdings" panose="05000000000000000000" pitchFamily="2" charset="2"/>
-              <a:buChar char="§"/>
-            </a:pPr>
-            <a:endParaRPr lang="en-US" dirty="0"/>
-          </a:p>
-        </p:txBody>
-      </p:sp>
-      <p:sp>
-        <p:nvSpPr>
-          <p:cNvPr id="11" name="Oval 10">
-            <a:extLst>
-              <a:ext uri="{FF2B5EF4-FFF2-40B4-BE49-F238E27FC236}">
-                <a16:creationId xmlns:a16="http://schemas.microsoft.com/office/drawing/2014/main" id="{8DF8DFC6-B566-C0BD-60FE-D390300A429F}"/>
+                <a16:creationId xmlns:a16="http://schemas.microsoft.com/office/drawing/2014/main" id="{24468DEC-55C7-FFA6-2383-47C48597EA52}"/>
               </a:ext>
             </a:extLst>
           </p:cNvPr>
@@ -10513,8 +10374,8 @@
         </p:nvSpPr>
         <p:spPr>
           <a:xfrm>
-            <a:off x="1513117" y="4698069"/>
-            <a:ext cx="914400" cy="914400"/>
+            <a:off x="1466076" y="4476750"/>
+            <a:ext cx="914400" cy="1135719"/>
           </a:xfrm>
           <a:prstGeom prst="ellipse">
             <a:avLst/>
@@ -10641,16 +10502,16 @@
           </a:lstStyle>
           <a:p>
             <a:pPr algn="ctr"/>
-            <a:endParaRPr lang="en-US"/>
+            <a:endParaRPr lang="en-US" dirty="0"/>
           </a:p>
         </p:txBody>
       </p:sp>
       <p:sp>
         <p:nvSpPr>
-          <p:cNvPr id="12" name="TextBox 9">
+          <p:cNvPr id="7" name="TextBox 9">
             <a:extLst>
               <a:ext uri="{FF2B5EF4-FFF2-40B4-BE49-F238E27FC236}">
-                <a16:creationId xmlns:a16="http://schemas.microsoft.com/office/drawing/2014/main" id="{363D6DE7-1099-A0DB-5A71-256EC60BC82A}"/>
+                <a16:creationId xmlns:a16="http://schemas.microsoft.com/office/drawing/2014/main" id="{D45DD1FA-3535-4CEE-C8CE-D3E2A9E6C56A}"/>
               </a:ext>
             </a:extLst>
           </p:cNvPr>
@@ -10780,22 +10641,23 @@
       </p:sp>
       <p:cxnSp>
         <p:nvCxnSpPr>
-          <p:cNvPr id="14" name="Straight Arrow Connector 13">
+          <p:cNvPr id="10" name="Straight Arrow Connector 9">
             <a:extLst>
               <a:ext uri="{FF2B5EF4-FFF2-40B4-BE49-F238E27FC236}">
-                <a16:creationId xmlns:a16="http://schemas.microsoft.com/office/drawing/2014/main" id="{B15563C5-86A3-0168-347C-264ADF0F6FD8}"/>
+                <a16:creationId xmlns:a16="http://schemas.microsoft.com/office/drawing/2014/main" id="{2F4258D1-42A2-7277-660B-35ECA8377588}"/>
               </a:ext>
             </a:extLst>
           </p:cNvPr>
           <p:cNvCxnSpPr>
-            <a:stCxn id="12" idx="1"/>
+            <a:cxnSpLocks/>
+            <a:stCxn id="7" idx="1"/>
           </p:cNvCxnSpPr>
           <p:nvPr/>
         </p:nvCxnSpPr>
         <p:spPr>
           <a:xfrm flipH="1" flipV="1">
-            <a:off x="2164702" y="5612469"/>
-            <a:ext cx="262815" cy="349792"/>
+            <a:off x="2105025" y="5505450"/>
+            <a:ext cx="322492" cy="456811"/>
           </a:xfrm>
           <a:prstGeom prst="straightConnector1">
             <a:avLst/>
@@ -10822,10 +10684,317 @@
           </a:fontRef>
         </p:style>
       </p:cxnSp>
+      <p:sp>
+        <p:nvSpPr>
+          <p:cNvPr id="11" name="Title 1">
+            <a:extLst>
+              <a:ext uri="{FF2B5EF4-FFF2-40B4-BE49-F238E27FC236}">
+                <a16:creationId xmlns:a16="http://schemas.microsoft.com/office/drawing/2014/main" id="{1D75F7FE-CF36-347E-4D6C-F75FD4BBDC18}"/>
+              </a:ext>
+            </a:extLst>
+          </p:cNvPr>
+          <p:cNvSpPr txBox="1">
+            <a:spLocks/>
+          </p:cNvSpPr>
+          <p:nvPr/>
+        </p:nvSpPr>
+        <p:spPr>
+          <a:xfrm>
+            <a:off x="8620586" y="1096297"/>
+            <a:ext cx="3265212" cy="1352397"/>
+          </a:xfrm>
+          <a:prstGeom prst="rect">
+            <a:avLst/>
+          </a:prstGeom>
+        </p:spPr>
+        <p:txBody>
+          <a:bodyPr>
+            <a:normAutofit/>
+          </a:bodyPr>
+          <a:lstStyle>
+            <a:lvl1pPr algn="l" defTabSz="914400" rtl="0" eaLnBrk="1" latinLnBrk="0" hangingPunct="1">
+              <a:lnSpc>
+                <a:spcPct val="100000"/>
+              </a:lnSpc>
+              <a:spcBef>
+                <a:spcPct val="0"/>
+              </a:spcBef>
+              <a:buNone/>
+              <a:defRPr sz="4000" kern="1200" cap="all" spc="30" baseline="0">
+                <a:solidFill>
+                  <a:schemeClr val="tx1"/>
+                </a:solidFill>
+                <a:latin typeface="Verdana" panose="020B0604030504040204" pitchFamily="34" charset="0"/>
+                <a:ea typeface="Verdana" panose="020B0604030504040204" pitchFamily="34" charset="0"/>
+                <a:cs typeface="+mj-cs"/>
+              </a:defRPr>
+            </a:lvl1pPr>
+          </a:lstStyle>
+          <a:p>
+            <a:pPr algn="ctr"/>
+            <a:r>
+              <a:rPr lang="en-US" dirty="0"/>
+              <a:t>IMPACT OF BMI</a:t>
+            </a:r>
+          </a:p>
+        </p:txBody>
+      </p:sp>
+      <p:sp>
+        <p:nvSpPr>
+          <p:cNvPr id="12" name="Content Placeholder 36">
+            <a:extLst>
+              <a:ext uri="{FF2B5EF4-FFF2-40B4-BE49-F238E27FC236}">
+                <a16:creationId xmlns:a16="http://schemas.microsoft.com/office/drawing/2014/main" id="{E5A640A1-993D-82BC-6CE1-0F87B880B9A2}"/>
+              </a:ext>
+            </a:extLst>
+          </p:cNvPr>
+          <p:cNvSpPr txBox="1">
+            <a:spLocks/>
+          </p:cNvSpPr>
+          <p:nvPr/>
+        </p:nvSpPr>
+        <p:spPr>
+          <a:xfrm>
+            <a:off x="8582917" y="2448694"/>
+            <a:ext cx="3340550" cy="3513567"/>
+          </a:xfrm>
+          <a:prstGeom prst="rect">
+            <a:avLst/>
+          </a:prstGeom>
+        </p:spPr>
+        <p:txBody>
+          <a:bodyPr>
+            <a:normAutofit/>
+          </a:bodyPr>
+          <a:lstStyle>
+            <a:lvl1pPr marL="228600" indent="-228600" algn="l" defTabSz="914400" rtl="0" eaLnBrk="1" latinLnBrk="0" hangingPunct="1">
+              <a:lnSpc>
+                <a:spcPct val="120000"/>
+              </a:lnSpc>
+              <a:spcBef>
+                <a:spcPts val="1000"/>
+              </a:spcBef>
+              <a:buFont typeface="Arial" panose="020B0604020202020204" pitchFamily="34" charset="0"/>
+              <a:buChar char="•"/>
+              <a:defRPr sz="2000" kern="1200">
+                <a:solidFill>
+                  <a:schemeClr val="tx1"/>
+                </a:solidFill>
+                <a:latin typeface="+mn-lt"/>
+                <a:ea typeface="Verdana" panose="020B0604030504040204" pitchFamily="34" charset="0"/>
+                <a:cs typeface="Times New Roman" panose="02020603050405020304" pitchFamily="18" charset="0"/>
+              </a:defRPr>
+            </a:lvl1pPr>
+            <a:lvl2pPr marL="685800" indent="-228600" algn="l" defTabSz="914400" rtl="0" eaLnBrk="1" latinLnBrk="0" hangingPunct="1">
+              <a:lnSpc>
+                <a:spcPct val="120000"/>
+              </a:lnSpc>
+              <a:spcBef>
+                <a:spcPts val="500"/>
+              </a:spcBef>
+              <a:buFont typeface="Arial" panose="020B0604020202020204" pitchFamily="34" charset="0"/>
+              <a:buChar char="•"/>
+              <a:defRPr sz="1800" kern="1200">
+                <a:solidFill>
+                  <a:schemeClr val="tx1"/>
+                </a:solidFill>
+                <a:latin typeface="+mn-lt"/>
+                <a:ea typeface="Verdana" panose="020B0604030504040204" pitchFamily="34" charset="0"/>
+                <a:cs typeface="Times New Roman" panose="02020603050405020304" pitchFamily="18" charset="0"/>
+              </a:defRPr>
+            </a:lvl2pPr>
+            <a:lvl3pPr marL="1143000" indent="-228600" algn="l" defTabSz="914400" rtl="0" eaLnBrk="1" latinLnBrk="0" hangingPunct="1">
+              <a:lnSpc>
+                <a:spcPct val="120000"/>
+              </a:lnSpc>
+              <a:spcBef>
+                <a:spcPts val="500"/>
+              </a:spcBef>
+              <a:buFont typeface="Arial" panose="020B0604020202020204" pitchFamily="34" charset="0"/>
+              <a:buChar char="•"/>
+              <a:defRPr sz="1600" kern="1200">
+                <a:solidFill>
+                  <a:schemeClr val="tx1"/>
+                </a:solidFill>
+                <a:latin typeface="+mn-lt"/>
+                <a:ea typeface="Verdana" panose="020B0604030504040204" pitchFamily="34" charset="0"/>
+                <a:cs typeface="Times New Roman" panose="02020603050405020304" pitchFamily="18" charset="0"/>
+              </a:defRPr>
+            </a:lvl3pPr>
+            <a:lvl4pPr marL="1600200" indent="-228600" algn="l" defTabSz="914400" rtl="0" eaLnBrk="1" latinLnBrk="0" hangingPunct="1">
+              <a:lnSpc>
+                <a:spcPct val="120000"/>
+              </a:lnSpc>
+              <a:spcBef>
+                <a:spcPts val="500"/>
+              </a:spcBef>
+              <a:buFont typeface="Arial" panose="020B0604020202020204" pitchFamily="34" charset="0"/>
+              <a:buChar char="•"/>
+              <a:defRPr sz="1400" kern="1200">
+                <a:solidFill>
+                  <a:schemeClr val="tx1"/>
+                </a:solidFill>
+                <a:latin typeface="+mn-lt"/>
+                <a:ea typeface="Verdana" panose="020B0604030504040204" pitchFamily="34" charset="0"/>
+                <a:cs typeface="Times New Roman" panose="02020603050405020304" pitchFamily="18" charset="0"/>
+              </a:defRPr>
+            </a:lvl4pPr>
+            <a:lvl5pPr marL="2057400" indent="-228600" algn="l" defTabSz="914400" rtl="0" eaLnBrk="1" latinLnBrk="0" hangingPunct="1">
+              <a:lnSpc>
+                <a:spcPct val="120000"/>
+              </a:lnSpc>
+              <a:spcBef>
+                <a:spcPts val="500"/>
+              </a:spcBef>
+              <a:buFont typeface="Arial" panose="020B0604020202020204" pitchFamily="34" charset="0"/>
+              <a:buChar char="•"/>
+              <a:defRPr sz="1400" kern="1200">
+                <a:solidFill>
+                  <a:schemeClr val="tx1"/>
+                </a:solidFill>
+                <a:latin typeface="+mn-lt"/>
+                <a:ea typeface="Verdana" panose="020B0604030504040204" pitchFamily="34" charset="0"/>
+                <a:cs typeface="Times New Roman" panose="02020603050405020304" pitchFamily="18" charset="0"/>
+              </a:defRPr>
+            </a:lvl5pPr>
+            <a:lvl6pPr marL="2514600" indent="-228600" algn="l" defTabSz="914400" rtl="0" eaLnBrk="1" latinLnBrk="0" hangingPunct="1">
+              <a:lnSpc>
+                <a:spcPct val="90000"/>
+              </a:lnSpc>
+              <a:spcBef>
+                <a:spcPts val="500"/>
+              </a:spcBef>
+              <a:buFont typeface="Arial" panose="020B0604020202020204" pitchFamily="34" charset="0"/>
+              <a:buChar char="•"/>
+              <a:defRPr sz="1800" kern="1200">
+                <a:solidFill>
+                  <a:schemeClr val="tx1"/>
+                </a:solidFill>
+                <a:latin typeface="+mn-lt"/>
+                <a:ea typeface="+mn-ea"/>
+                <a:cs typeface="+mn-cs"/>
+              </a:defRPr>
+            </a:lvl6pPr>
+            <a:lvl7pPr marL="2971800" indent="-228600" algn="l" defTabSz="914400" rtl="0" eaLnBrk="1" latinLnBrk="0" hangingPunct="1">
+              <a:lnSpc>
+                <a:spcPct val="90000"/>
+              </a:lnSpc>
+              <a:spcBef>
+                <a:spcPts val="500"/>
+              </a:spcBef>
+              <a:buFont typeface="Arial" panose="020B0604020202020204" pitchFamily="34" charset="0"/>
+              <a:buChar char="•"/>
+              <a:defRPr sz="1800" kern="1200">
+                <a:solidFill>
+                  <a:schemeClr val="tx1"/>
+                </a:solidFill>
+                <a:latin typeface="+mn-lt"/>
+                <a:ea typeface="+mn-ea"/>
+                <a:cs typeface="+mn-cs"/>
+              </a:defRPr>
+            </a:lvl7pPr>
+            <a:lvl8pPr marL="3429000" indent="-228600" algn="l" defTabSz="914400" rtl="0" eaLnBrk="1" latinLnBrk="0" hangingPunct="1">
+              <a:lnSpc>
+                <a:spcPct val="90000"/>
+              </a:lnSpc>
+              <a:spcBef>
+                <a:spcPts val="500"/>
+              </a:spcBef>
+              <a:buFont typeface="Arial" panose="020B0604020202020204" pitchFamily="34" charset="0"/>
+              <a:buChar char="•"/>
+              <a:defRPr sz="1800" kern="1200">
+                <a:solidFill>
+                  <a:schemeClr val="tx1"/>
+                </a:solidFill>
+                <a:latin typeface="+mn-lt"/>
+                <a:ea typeface="+mn-ea"/>
+                <a:cs typeface="+mn-cs"/>
+              </a:defRPr>
+            </a:lvl8pPr>
+            <a:lvl9pPr marL="3886200" indent="-228600" algn="l" defTabSz="914400" rtl="0" eaLnBrk="1" latinLnBrk="0" hangingPunct="1">
+              <a:lnSpc>
+                <a:spcPct val="90000"/>
+              </a:lnSpc>
+              <a:spcBef>
+                <a:spcPts val="500"/>
+              </a:spcBef>
+              <a:buFont typeface="Arial" panose="020B0604020202020204" pitchFamily="34" charset="0"/>
+              <a:buChar char="•"/>
+              <a:defRPr sz="1800" kern="1200">
+                <a:solidFill>
+                  <a:schemeClr val="tx1"/>
+                </a:solidFill>
+                <a:latin typeface="+mn-lt"/>
+                <a:ea typeface="+mn-ea"/>
+                <a:cs typeface="+mn-cs"/>
+              </a:defRPr>
+            </a:lvl9pPr>
+          </a:lstStyle>
+          <a:p>
+            <a:pPr>
+              <a:buFont typeface="Wingdings" panose="05000000000000000000" pitchFamily="2" charset="2"/>
+              <a:buChar char="§"/>
+            </a:pPr>
+            <a:r>
+              <a:rPr lang="en-US" altLang="en-US" sz="1800" dirty="0"/>
+              <a:t>Preterm births refer to live births that occur </a:t>
+            </a:r>
+            <a:r>
+              <a:rPr lang="en-US" altLang="en-US" sz="1800" dirty="0">
+                <a:solidFill>
+                  <a:srgbClr val="E85D04"/>
+                </a:solidFill>
+              </a:rPr>
+              <a:t>before 37 weeks</a:t>
+            </a:r>
+            <a:r>
+              <a:rPr lang="en-US" altLang="en-US" sz="1800" dirty="0"/>
+              <a:t> of pregnancy is completed</a:t>
+            </a:r>
+          </a:p>
+          <a:p>
+            <a:pPr>
+              <a:buFont typeface="Wingdings" panose="05000000000000000000" pitchFamily="2" charset="2"/>
+              <a:buChar char="§"/>
+            </a:pPr>
+            <a:r>
+              <a:rPr lang="en-US" altLang="en-US" sz="1800" dirty="0"/>
+              <a:t>This is generally considered </a:t>
+            </a:r>
+            <a:r>
+              <a:rPr lang="en-US" altLang="en-US" sz="1800" dirty="0">
+                <a:solidFill>
+                  <a:srgbClr val="E85D04"/>
+                </a:solidFill>
+              </a:rPr>
+              <a:t>dangerous</a:t>
+            </a:r>
+            <a:r>
+              <a:rPr lang="en-US" altLang="en-US" sz="1800" dirty="0"/>
+              <a:t>, as the baby may  develop </a:t>
+            </a:r>
+            <a:r>
+              <a:rPr lang="en-US" altLang="en-US" sz="1800" dirty="0">
+                <a:solidFill>
+                  <a:srgbClr val="E85D04"/>
+                </a:solidFill>
+              </a:rPr>
+              <a:t>long-term health issues</a:t>
+            </a:r>
+          </a:p>
+          <a:p>
+            <a:pPr lvl="1">
+              <a:buFont typeface="Wingdings" panose="05000000000000000000" pitchFamily="2" charset="2"/>
+              <a:buChar char="§"/>
+            </a:pPr>
+            <a:endParaRPr lang="en-US" dirty="0"/>
+          </a:p>
+        </p:txBody>
+      </p:sp>
     </p:spTree>
     <p:extLst>
       <p:ext uri="{BB962C8B-B14F-4D97-AF65-F5344CB8AC3E}">
-        <p14:creationId xmlns:p14="http://schemas.microsoft.com/office/powerpoint/2010/main" val="1152861195"/>
+        <p14:creationId xmlns:p14="http://schemas.microsoft.com/office/powerpoint/2010/main" val="674720221"/>
       </p:ext>
     </p:extLst>
   </p:cSld>
@@ -23050,12 +23219,53 @@
           </a:p>
         </p:txBody>
       </p:sp>
+      <p:pic>
+        <p:nvPicPr>
+          <p:cNvPr id="5" name="Picture 4" descr="Chart, line chart&#10;&#10;Description automatically generated">
+            <a:extLst>
+              <a:ext uri="{FF2B5EF4-FFF2-40B4-BE49-F238E27FC236}">
+                <a16:creationId xmlns:a16="http://schemas.microsoft.com/office/drawing/2014/main" id="{502FB349-ECD9-DBE2-A26C-BD2341D93748}"/>
+              </a:ext>
+            </a:extLst>
+          </p:cNvPr>
+          <p:cNvPicPr>
+            <a:picLocks noChangeAspect="1"/>
+          </p:cNvPicPr>
+          <p:nvPr/>
+        </p:nvPicPr>
+        <p:blipFill>
+          <a:blip r:embed="rId3">
+            <a:extLst>
+              <a:ext uri="{28A0092B-C50C-407E-A947-70E740481C1C}">
+                <a14:useLocalDpi xmlns:a14="http://schemas.microsoft.com/office/drawing/2010/main" val="0"/>
+              </a:ext>
+            </a:extLst>
+          </a:blip>
+          <a:stretch>
+            <a:fillRect/>
+          </a:stretch>
+        </p:blipFill>
+        <p:spPr>
+          <a:xfrm>
+            <a:off x="256876" y="1593202"/>
+            <a:ext cx="8147952" cy="4073976"/>
+          </a:xfrm>
+          <a:prstGeom prst="rect">
+            <a:avLst/>
+          </a:prstGeom>
+          <a:ln w="57150">
+            <a:solidFill>
+              <a:srgbClr val="0582CA"/>
+            </a:solidFill>
+          </a:ln>
+        </p:spPr>
+      </p:pic>
       <p:sp>
         <p:nvSpPr>
-          <p:cNvPr id="3" name="Title 1">
+          <p:cNvPr id="8" name="Title 1">
             <a:extLst>
               <a:ext uri="{FF2B5EF4-FFF2-40B4-BE49-F238E27FC236}">
-                <a16:creationId xmlns:a16="http://schemas.microsoft.com/office/drawing/2014/main" id="{299B45D8-4453-F807-AA0B-87CCA3C76451}"/>
+                <a16:creationId xmlns:a16="http://schemas.microsoft.com/office/drawing/2014/main" id="{C6D93648-A8E6-2103-9564-7C0E4E1B8C91}"/>
               </a:ext>
             </a:extLst>
           </p:cNvPr>
@@ -23066,8 +23276,8 @@
         </p:nvSpPr>
         <p:spPr>
           <a:xfrm>
-            <a:off x="287193" y="825710"/>
-            <a:ext cx="4432941" cy="732503"/>
+            <a:off x="8582917" y="1096297"/>
+            <a:ext cx="3265212" cy="1352397"/>
           </a:xfrm>
           <a:prstGeom prst="rect">
             <a:avLst/>
@@ -23097,7 +23307,6 @@
             </a:lvl1pPr>
           </a:lstStyle>
           <a:p>
-            <a:pPr algn="ctr"/>
             <a:r>
               <a:rPr lang="en-US" dirty="0"/>
               <a:t>IMPACT OF BMI</a:t>
@@ -23107,10 +23316,10 @@
       </p:sp>
       <p:sp>
         <p:nvSpPr>
-          <p:cNvPr id="5" name="Content Placeholder 36">
+          <p:cNvPr id="9" name="Content Placeholder 36">
             <a:extLst>
               <a:ext uri="{FF2B5EF4-FFF2-40B4-BE49-F238E27FC236}">
-                <a16:creationId xmlns:a16="http://schemas.microsoft.com/office/drawing/2014/main" id="{5CE7664D-C510-E0D4-5EBA-D5D4BFAD8593}"/>
+                <a16:creationId xmlns:a16="http://schemas.microsoft.com/office/drawing/2014/main" id="{30654048-7515-04D5-0728-04B186234242}"/>
               </a:ext>
             </a:extLst>
           </p:cNvPr>
@@ -23121,8 +23330,8 @@
         </p:nvSpPr>
         <p:spPr>
           <a:xfrm>
-            <a:off x="8582917" y="2448694"/>
-            <a:ext cx="3340550" cy="3513567"/>
+            <a:off x="8582917" y="2369975"/>
+            <a:ext cx="3340550" cy="3526971"/>
           </a:xfrm>
           <a:prstGeom prst="rect">
             <a:avLst/>
@@ -23297,12 +23506,24 @@
             </a:lvl9pPr>
           </a:lstStyle>
           <a:p>
-            <a:pPr marL="457200" lvl="1" indent="0">
-              <a:buNone/>
+            <a:pPr>
+              <a:buFont typeface="Wingdings" panose="05000000000000000000" pitchFamily="2" charset="2"/>
+              <a:buChar char="§"/>
             </a:pPr>
-            <a:endParaRPr lang="en-US" altLang="en-US" sz="1800" dirty="0">
-              <a:latin typeface="Arial" panose="020B0604020202020204" pitchFamily="34" charset="0"/>
-            </a:endParaRPr>
+            <a:r>
+              <a:rPr lang="en-US" sz="1900" dirty="0"/>
+              <a:t>Cesarean Mode refers to the surgical delivery procedure</a:t>
+            </a:r>
+          </a:p>
+          <a:p>
+            <a:pPr>
+              <a:buFont typeface="Wingdings" panose="05000000000000000000" pitchFamily="2" charset="2"/>
+              <a:buChar char="§"/>
+            </a:pPr>
+            <a:r>
+              <a:rPr lang="en-US" altLang="en-US" sz="1900" dirty="0"/>
+              <a:t>Induction of Labor refers to methods of stimulating the uterus for the purposes of inducing labor</a:t>
+            </a:r>
           </a:p>
           <a:p>
             <a:pPr lvl="1">
@@ -23313,51 +23534,10 @@
           </a:p>
         </p:txBody>
       </p:sp>
-      <p:pic>
-        <p:nvPicPr>
-          <p:cNvPr id="10" name="Picture 9" descr="Chart, line chart&#10;&#10;Description automatically generated">
-            <a:extLst>
-              <a:ext uri="{FF2B5EF4-FFF2-40B4-BE49-F238E27FC236}">
-                <a16:creationId xmlns:a16="http://schemas.microsoft.com/office/drawing/2014/main" id="{5C9061FD-5044-3870-0DEA-A7D2D8A76777}"/>
-              </a:ext>
-            </a:extLst>
-          </p:cNvPr>
-          <p:cNvPicPr>
-            <a:picLocks noChangeAspect="1"/>
-          </p:cNvPicPr>
-          <p:nvPr/>
-        </p:nvPicPr>
-        <p:blipFill>
-          <a:blip r:embed="rId2">
-            <a:extLst>
-              <a:ext uri="{28A0092B-C50C-407E-A947-70E740481C1C}">
-                <a14:useLocalDpi xmlns:a14="http://schemas.microsoft.com/office/drawing/2010/main" val="0"/>
-              </a:ext>
-            </a:extLst>
-          </a:blip>
-          <a:stretch>
-            <a:fillRect/>
-          </a:stretch>
-        </p:blipFill>
-        <p:spPr>
-          <a:xfrm>
-            <a:off x="1652242" y="1588532"/>
-            <a:ext cx="8887515" cy="4443758"/>
-          </a:xfrm>
-          <a:prstGeom prst="rect">
-            <a:avLst/>
-          </a:prstGeom>
-          <a:ln w="57150">
-            <a:solidFill>
-              <a:srgbClr val="0582CA"/>
-            </a:solidFill>
-          </a:ln>
-        </p:spPr>
-      </p:pic>
     </p:spTree>
     <p:extLst>
       <p:ext uri="{BB962C8B-B14F-4D97-AF65-F5344CB8AC3E}">
-        <p14:creationId xmlns:p14="http://schemas.microsoft.com/office/powerpoint/2010/main" val="3384049920"/>
+        <p14:creationId xmlns:p14="http://schemas.microsoft.com/office/powerpoint/2010/main" val="1652905464"/>
       </p:ext>
     </p:extLst>
   </p:cSld>
@@ -24225,6 +24405,15 @@
 </file>
 
 <file path=customXml/item2.xml><?xml version="1.0" encoding="utf-8"?>
+<?mso-contentType ?>
+<FormTemplates xmlns="http://schemas.microsoft.com/sharepoint/v3/contenttype/forms">
+  <Display>DocumentLibraryForm</Display>
+  <Edit>DocumentLibraryForm</Edit>
+  <New>DocumentLibraryForm</New>
+</FormTemplates>
+</file>
+
+<file path=customXml/item3.xml><?xml version="1.0" encoding="utf-8"?>
 <ct:contentTypeSchema xmlns:ct="http://schemas.microsoft.com/office/2006/metadata/contentType" xmlns:ma="http://schemas.microsoft.com/office/2006/metadata/properties/metaAttributes" ct:_="" ma:_="" ma:contentTypeName="Document" ma:contentTypeID="0x010100C12ECD6C40FCB548A2F070481B8D2BE4" ma:contentTypeVersion="6" ma:contentTypeDescription="Create a new document." ma:contentTypeScope="" ma:versionID="9e4ec0c945ce08b2ab3ab2cc40be4cf6">
   <xsd:schema xmlns:xsd="http://www.w3.org/2001/XMLSchema" xmlns:xs="http://www.w3.org/2001/XMLSchema" xmlns:p="http://schemas.microsoft.com/office/2006/metadata/properties" xmlns:ns3="667e26b5-248a-4389-a65f-951c5a9bab3c" targetNamespace="http://schemas.microsoft.com/office/2006/metadata/properties" ma:root="true" ma:fieldsID="5df20083d56dd8e42f9ec60ccdc9b8a6" ns3:_="">
     <xsd:import namespace="667e26b5-248a-4389-a65f-951c5a9bab3c"/>
@@ -24382,15 +24571,6 @@
 </ct:contentTypeSchema>
 </file>
 
-<file path=customXml/item3.xml><?xml version="1.0" encoding="utf-8"?>
-<?mso-contentType ?>
-<FormTemplates xmlns="http://schemas.microsoft.com/sharepoint/v3/contenttype/forms">
-  <Display>DocumentLibraryForm</Display>
-  <Edit>DocumentLibraryForm</Edit>
-  <New>DocumentLibraryForm</New>
-</FormTemplates>
-</file>
-
 <file path=customXml/itemProps1.xml><?xml version="1.0" encoding="utf-8"?>
 <ds:datastoreItem xmlns:ds="http://schemas.openxmlformats.org/officeDocument/2006/customXml" ds:itemID="{B6F1018E-E76A-4D3C-87B4-1B7F78A0FE21}">
   <ds:schemaRefs>
@@ -24408,6 +24588,14 @@
 </file>
 
 <file path=customXml/itemProps2.xml><?xml version="1.0" encoding="utf-8"?>
+<ds:datastoreItem xmlns:ds="http://schemas.openxmlformats.org/officeDocument/2006/customXml" ds:itemID="{21196880-332C-4F5A-9898-176DAAE03C5B}">
+  <ds:schemaRefs>
+    <ds:schemaRef ds:uri="http://schemas.microsoft.com/sharepoint/v3/contenttype/forms"/>
+  </ds:schemaRefs>
+</ds:datastoreItem>
+</file>
+
+<file path=customXml/itemProps3.xml><?xml version="1.0" encoding="utf-8"?>
 <ds:datastoreItem xmlns:ds="http://schemas.openxmlformats.org/officeDocument/2006/customXml" ds:itemID="{02B1956C-3C53-482E-BB50-017B98ABDE68}">
   <ds:schemaRefs>
     <ds:schemaRef ds:uri="http://schemas.microsoft.com/office/2006/metadata/contentType"/>
@@ -24423,12 +24611,4 @@
     <ds:schemaRef ds:uri="http://schemas.microsoft.com/internal/obd"/>
   </ds:schemaRefs>
 </ds:datastoreItem>
-</file>
-
-<file path=customXml/itemProps3.xml><?xml version="1.0" encoding="utf-8"?>
-<ds:datastoreItem xmlns:ds="http://schemas.openxmlformats.org/officeDocument/2006/customXml" ds:itemID="{21196880-332C-4F5A-9898-176DAAE03C5B}">
-  <ds:schemaRefs>
-    <ds:schemaRef ds:uri="http://schemas.microsoft.com/sharepoint/v3/contenttype/forms"/>
-  </ds:schemaRefs>
-</ds:datastoreItem>
 </file>
--- a/presentation_materials/ece143-final_presentation.pptx
+++ b/presentation_materials/ece143-final_presentation.pptx
@@ -19314,7 +19314,7 @@
 </file>
 
 <file path=ppt/slides/slide25.xml><?xml version="1.0" encoding="utf-8"?>
-<p:sld xmlns:a="http://schemas.openxmlformats.org/drawingml/2006/main" xmlns:r="http://schemas.openxmlformats.org/officeDocument/2006/relationships" xmlns:p="http://schemas.openxmlformats.org/presentationml/2006/main" show="0">
+<p:sld xmlns:a="http://schemas.openxmlformats.org/drawingml/2006/main" xmlns:r="http://schemas.openxmlformats.org/officeDocument/2006/relationships" xmlns:p="http://schemas.openxmlformats.org/presentationml/2006/main">
   <p:cSld>
     <p:spTree>
       <p:nvGrpSpPr>
@@ -19510,7 +19510,7 @@
 </file>
 
 <file path=ppt/slides/slide26.xml><?xml version="1.0" encoding="utf-8"?>
-<p:sld xmlns:a="http://schemas.openxmlformats.org/drawingml/2006/main" xmlns:r="http://schemas.openxmlformats.org/officeDocument/2006/relationships" xmlns:p="http://schemas.openxmlformats.org/presentationml/2006/main" show="0">
+<p:sld xmlns:a="http://schemas.openxmlformats.org/drawingml/2006/main" xmlns:r="http://schemas.openxmlformats.org/officeDocument/2006/relationships" xmlns:p="http://schemas.openxmlformats.org/presentationml/2006/main">
   <p:cSld>
     <p:spTree>
       <p:nvGrpSpPr>
@@ -19704,7 +19704,7 @@
 </file>
 
 <file path=ppt/slides/slide27.xml><?xml version="1.0" encoding="utf-8"?>
-<p:sld xmlns:a="http://schemas.openxmlformats.org/drawingml/2006/main" xmlns:r="http://schemas.openxmlformats.org/officeDocument/2006/relationships" xmlns:p="http://schemas.openxmlformats.org/presentationml/2006/main" show="0">
+<p:sld xmlns:a="http://schemas.openxmlformats.org/drawingml/2006/main" xmlns:r="http://schemas.openxmlformats.org/officeDocument/2006/relationships" xmlns:p="http://schemas.openxmlformats.org/presentationml/2006/main">
   <p:cSld>
     <p:spTree>
       <p:nvGrpSpPr>
@@ -20046,7 +20046,7 @@
 </file>
 
 <file path=ppt/slides/slide28.xml><?xml version="1.0" encoding="utf-8"?>
-<p:sld xmlns:a="http://schemas.openxmlformats.org/drawingml/2006/main" xmlns:r="http://schemas.openxmlformats.org/officeDocument/2006/relationships" xmlns:p="http://schemas.openxmlformats.org/presentationml/2006/main" show="0">
+<p:sld xmlns:a="http://schemas.openxmlformats.org/drawingml/2006/main" xmlns:r="http://schemas.openxmlformats.org/officeDocument/2006/relationships" xmlns:p="http://schemas.openxmlformats.org/presentationml/2006/main">
   <p:cSld>
     <p:spTree>
       <p:nvGrpSpPr>
@@ -20392,7 +20392,7 @@
 </file>
 
 <file path=ppt/slides/slide29.xml><?xml version="1.0" encoding="utf-8"?>
-<p:sld xmlns:a="http://schemas.openxmlformats.org/drawingml/2006/main" xmlns:r="http://schemas.openxmlformats.org/officeDocument/2006/relationships" xmlns:p="http://schemas.openxmlformats.org/presentationml/2006/main" show="0">
+<p:sld xmlns:a="http://schemas.openxmlformats.org/drawingml/2006/main" xmlns:r="http://schemas.openxmlformats.org/officeDocument/2006/relationships" xmlns:p="http://schemas.openxmlformats.org/presentationml/2006/main">
   <p:cSld>
     <p:spTree>
       <p:nvGrpSpPr>
@@ -23262,60 +23262,6 @@
       </p:pic>
       <p:sp>
         <p:nvSpPr>
-          <p:cNvPr id="8" name="Title 1">
-            <a:extLst>
-              <a:ext uri="{FF2B5EF4-FFF2-40B4-BE49-F238E27FC236}">
-                <a16:creationId xmlns:a16="http://schemas.microsoft.com/office/drawing/2014/main" id="{C6D93648-A8E6-2103-9564-7C0E4E1B8C91}"/>
-              </a:ext>
-            </a:extLst>
-          </p:cNvPr>
-          <p:cNvSpPr txBox="1">
-            <a:spLocks/>
-          </p:cNvSpPr>
-          <p:nvPr/>
-        </p:nvSpPr>
-        <p:spPr>
-          <a:xfrm>
-            <a:off x="8582917" y="1096297"/>
-            <a:ext cx="3265212" cy="1352397"/>
-          </a:xfrm>
-          <a:prstGeom prst="rect">
-            <a:avLst/>
-          </a:prstGeom>
-        </p:spPr>
-        <p:txBody>
-          <a:bodyPr>
-            <a:normAutofit/>
-          </a:bodyPr>
-          <a:lstStyle>
-            <a:lvl1pPr algn="l" defTabSz="914400" rtl="0" eaLnBrk="1" latinLnBrk="0" hangingPunct="1">
-              <a:lnSpc>
-                <a:spcPct val="100000"/>
-              </a:lnSpc>
-              <a:spcBef>
-                <a:spcPct val="0"/>
-              </a:spcBef>
-              <a:buNone/>
-              <a:defRPr sz="4000" kern="1200" cap="all" spc="30" baseline="0">
-                <a:solidFill>
-                  <a:schemeClr val="tx1"/>
-                </a:solidFill>
-                <a:latin typeface="Verdana" panose="020B0604030504040204" pitchFamily="34" charset="0"/>
-                <a:ea typeface="Verdana" panose="020B0604030504040204" pitchFamily="34" charset="0"/>
-                <a:cs typeface="+mj-cs"/>
-              </a:defRPr>
-            </a:lvl1pPr>
-          </a:lstStyle>
-          <a:p>
-            <a:r>
-              <a:rPr lang="en-US" dirty="0"/>
-              <a:t>IMPACT OF BMI</a:t>
-            </a:r>
-          </a:p>
-        </p:txBody>
-      </p:sp>
-      <p:sp>
-        <p:nvSpPr>
           <p:cNvPr id="9" name="Content Placeholder 36">
             <a:extLst>
               <a:ext uri="{FF2B5EF4-FFF2-40B4-BE49-F238E27FC236}">
@@ -23531,6 +23477,61 @@
               <a:buChar char="§"/>
             </a:pPr>
             <a:endParaRPr lang="en-US" dirty="0"/>
+          </a:p>
+        </p:txBody>
+      </p:sp>
+      <p:sp>
+        <p:nvSpPr>
+          <p:cNvPr id="3" name="Title 1">
+            <a:extLst>
+              <a:ext uri="{FF2B5EF4-FFF2-40B4-BE49-F238E27FC236}">
+                <a16:creationId xmlns:a16="http://schemas.microsoft.com/office/drawing/2014/main" id="{FE20AA9B-FDC2-5B1F-CE8E-CFCA2052EA19}"/>
+              </a:ext>
+            </a:extLst>
+          </p:cNvPr>
+          <p:cNvSpPr txBox="1">
+            <a:spLocks/>
+          </p:cNvSpPr>
+          <p:nvPr/>
+        </p:nvSpPr>
+        <p:spPr>
+          <a:xfrm>
+            <a:off x="8620586" y="1096297"/>
+            <a:ext cx="3265212" cy="1352397"/>
+          </a:xfrm>
+          <a:prstGeom prst="rect">
+            <a:avLst/>
+          </a:prstGeom>
+        </p:spPr>
+        <p:txBody>
+          <a:bodyPr>
+            <a:normAutofit/>
+          </a:bodyPr>
+          <a:lstStyle>
+            <a:lvl1pPr algn="l" defTabSz="914400" rtl="0" eaLnBrk="1" latinLnBrk="0" hangingPunct="1">
+              <a:lnSpc>
+                <a:spcPct val="100000"/>
+              </a:lnSpc>
+              <a:spcBef>
+                <a:spcPct val="0"/>
+              </a:spcBef>
+              <a:buNone/>
+              <a:defRPr sz="4000" kern="1200" cap="all" spc="30" baseline="0">
+                <a:solidFill>
+                  <a:schemeClr val="tx1"/>
+                </a:solidFill>
+                <a:latin typeface="Verdana" panose="020B0604030504040204" pitchFamily="34" charset="0"/>
+                <a:ea typeface="Verdana" panose="020B0604030504040204" pitchFamily="34" charset="0"/>
+                <a:cs typeface="+mj-cs"/>
+              </a:defRPr>
+            </a:lvl1pPr>
+          </a:lstStyle>
+          <a:p>
+            <a:pPr algn="ctr"/>
+            <a:r>
+              <a:rPr lang="en-US" dirty="0"/>
+              <a:t>IMPACT OF BMI</a:t>
+            </a:r>
           </a:p>
         </p:txBody>
       </p:sp>
@@ -24405,15 +24406,6 @@
 </file>
 
 <file path=customXml/item2.xml><?xml version="1.0" encoding="utf-8"?>
-<?mso-contentType ?>
-<FormTemplates xmlns="http://schemas.microsoft.com/sharepoint/v3/contenttype/forms">
-  <Display>DocumentLibraryForm</Display>
-  <Edit>DocumentLibraryForm</Edit>
-  <New>DocumentLibraryForm</New>
-</FormTemplates>
-</file>
-
-<file path=customXml/item3.xml><?xml version="1.0" encoding="utf-8"?>
 <ct:contentTypeSchema xmlns:ct="http://schemas.microsoft.com/office/2006/metadata/contentType" xmlns:ma="http://schemas.microsoft.com/office/2006/metadata/properties/metaAttributes" ct:_="" ma:_="" ma:contentTypeName="Document" ma:contentTypeID="0x010100C12ECD6C40FCB548A2F070481B8D2BE4" ma:contentTypeVersion="6" ma:contentTypeDescription="Create a new document." ma:contentTypeScope="" ma:versionID="9e4ec0c945ce08b2ab3ab2cc40be4cf6">
   <xsd:schema xmlns:xsd="http://www.w3.org/2001/XMLSchema" xmlns:xs="http://www.w3.org/2001/XMLSchema" xmlns:p="http://schemas.microsoft.com/office/2006/metadata/properties" xmlns:ns3="667e26b5-248a-4389-a65f-951c5a9bab3c" targetNamespace="http://schemas.microsoft.com/office/2006/metadata/properties" ma:root="true" ma:fieldsID="5df20083d56dd8e42f9ec60ccdc9b8a6" ns3:_="">
     <xsd:import namespace="667e26b5-248a-4389-a65f-951c5a9bab3c"/>
@@ -24571,31 +24563,32 @@
 </ct:contentTypeSchema>
 </file>
 
+<file path=customXml/item3.xml><?xml version="1.0" encoding="utf-8"?>
+<?mso-contentType ?>
+<FormTemplates xmlns="http://schemas.microsoft.com/sharepoint/v3/contenttype/forms">
+  <Display>DocumentLibraryForm</Display>
+  <Edit>DocumentLibraryForm</Edit>
+  <New>DocumentLibraryForm</New>
+</FormTemplates>
+</file>
+
 <file path=customXml/itemProps1.xml><?xml version="1.0" encoding="utf-8"?>
 <ds:datastoreItem xmlns:ds="http://schemas.openxmlformats.org/officeDocument/2006/customXml" ds:itemID="{B6F1018E-E76A-4D3C-87B4-1B7F78A0FE21}">
   <ds:schemaRefs>
+    <ds:schemaRef ds:uri="http://www.w3.org/XML/1998/namespace"/>
+    <ds:schemaRef ds:uri="http://purl.org/dc/dcmitype/"/>
+    <ds:schemaRef ds:uri="667e26b5-248a-4389-a65f-951c5a9bab3c"/>
     <ds:schemaRef ds:uri="http://purl.org/dc/elements/1.1/"/>
+    <ds:schemaRef ds:uri="http://schemas.microsoft.com/office/2006/documentManagement/types"/>
     <ds:schemaRef ds:uri="http://schemas.microsoft.com/office/2006/metadata/properties"/>
-    <ds:schemaRef ds:uri="http://www.w3.org/XML/1998/namespace"/>
-    <ds:schemaRef ds:uri="http://schemas.microsoft.com/office/2006/documentManagement/types"/>
-    <ds:schemaRef ds:uri="http://purl.org/dc/dcmitype/"/>
+    <ds:schemaRef ds:uri="http://purl.org/dc/terms/"/>
     <ds:schemaRef ds:uri="http://schemas.microsoft.com/office/infopath/2007/PartnerControls"/>
     <ds:schemaRef ds:uri="http://schemas.openxmlformats.org/package/2006/metadata/core-properties"/>
-    <ds:schemaRef ds:uri="667e26b5-248a-4389-a65f-951c5a9bab3c"/>
-    <ds:schemaRef ds:uri="http://purl.org/dc/terms/"/>
   </ds:schemaRefs>
 </ds:datastoreItem>
 </file>
 
 <file path=customXml/itemProps2.xml><?xml version="1.0" encoding="utf-8"?>
-<ds:datastoreItem xmlns:ds="http://schemas.openxmlformats.org/officeDocument/2006/customXml" ds:itemID="{21196880-332C-4F5A-9898-176DAAE03C5B}">
-  <ds:schemaRefs>
-    <ds:schemaRef ds:uri="http://schemas.microsoft.com/sharepoint/v3/contenttype/forms"/>
-  </ds:schemaRefs>
-</ds:datastoreItem>
-</file>
-
-<file path=customXml/itemProps3.xml><?xml version="1.0" encoding="utf-8"?>
 <ds:datastoreItem xmlns:ds="http://schemas.openxmlformats.org/officeDocument/2006/customXml" ds:itemID="{02B1956C-3C53-482E-BB50-017B98ABDE68}">
   <ds:schemaRefs>
     <ds:schemaRef ds:uri="http://schemas.microsoft.com/office/2006/metadata/contentType"/>
@@ -24611,4 +24604,12 @@
     <ds:schemaRef ds:uri="http://schemas.microsoft.com/internal/obd"/>
   </ds:schemaRefs>
 </ds:datastoreItem>
+</file>
+
+<file path=customXml/itemProps3.xml><?xml version="1.0" encoding="utf-8"?>
+<ds:datastoreItem xmlns:ds="http://schemas.openxmlformats.org/officeDocument/2006/customXml" ds:itemID="{21196880-332C-4F5A-9898-176DAAE03C5B}">
+  <ds:schemaRefs>
+    <ds:schemaRef ds:uri="http://schemas.microsoft.com/sharepoint/v3/contenttype/forms"/>
+  </ds:schemaRefs>
+</ds:datastoreItem>
 </file>
--- a/presentation_materials/ece143-final_presentation.pptx
+++ b/presentation_materials/ece143-final_presentation.pptx
@@ -22467,6 +22467,135 @@
           </a:p>
         </p:txBody>
       </p:sp>
+      <p:sp>
+        <p:nvSpPr>
+          <p:cNvPr id="8" name="Footer Placeholder 6">
+            <a:extLst>
+              <a:ext uri="{FF2B5EF4-FFF2-40B4-BE49-F238E27FC236}">
+                <a16:creationId xmlns:a16="http://schemas.microsoft.com/office/drawing/2014/main" id="{2792414A-DE88-0AA3-FA1F-A5C5C88553BA}"/>
+              </a:ext>
+            </a:extLst>
+          </p:cNvPr>
+          <p:cNvSpPr txBox="1">
+            <a:spLocks/>
+          </p:cNvSpPr>
+          <p:nvPr/>
+        </p:nvSpPr>
+        <p:spPr>
+          <a:xfrm>
+            <a:off x="9947911" y="6380956"/>
+            <a:ext cx="1780166" cy="268287"/>
+          </a:xfrm>
+          <a:prstGeom prst="rect">
+            <a:avLst/>
+          </a:prstGeom>
+        </p:spPr>
+        <p:txBody>
+          <a:bodyPr/>
+          <a:lstStyle>
+            <a:defPPr>
+              <a:defRPr lang="en-US"/>
+            </a:defPPr>
+            <a:lvl1pPr marL="0" algn="l" defTabSz="914400" rtl="0" eaLnBrk="1" latinLnBrk="0" hangingPunct="1">
+              <a:defRPr sz="1800" kern="1200">
+                <a:solidFill>
+                  <a:schemeClr val="tx1"/>
+                </a:solidFill>
+                <a:latin typeface="+mn-lt"/>
+                <a:ea typeface="+mn-ea"/>
+                <a:cs typeface="+mn-cs"/>
+              </a:defRPr>
+            </a:lvl1pPr>
+            <a:lvl2pPr marL="457200" algn="l" defTabSz="914400" rtl="0" eaLnBrk="1" latinLnBrk="0" hangingPunct="1">
+              <a:defRPr sz="1800" kern="1200">
+                <a:solidFill>
+                  <a:schemeClr val="tx1"/>
+                </a:solidFill>
+                <a:latin typeface="+mn-lt"/>
+                <a:ea typeface="+mn-ea"/>
+                <a:cs typeface="+mn-cs"/>
+              </a:defRPr>
+            </a:lvl2pPr>
+            <a:lvl3pPr marL="914400" algn="l" defTabSz="914400" rtl="0" eaLnBrk="1" latinLnBrk="0" hangingPunct="1">
+              <a:defRPr sz="1800" kern="1200">
+                <a:solidFill>
+                  <a:schemeClr val="tx1"/>
+                </a:solidFill>
+                <a:latin typeface="+mn-lt"/>
+                <a:ea typeface="+mn-ea"/>
+                <a:cs typeface="+mn-cs"/>
+              </a:defRPr>
+            </a:lvl3pPr>
+            <a:lvl4pPr marL="1371600" algn="l" defTabSz="914400" rtl="0" eaLnBrk="1" latinLnBrk="0" hangingPunct="1">
+              <a:defRPr sz="1800" kern="1200">
+                <a:solidFill>
+                  <a:schemeClr val="tx1"/>
+                </a:solidFill>
+                <a:latin typeface="+mn-lt"/>
+                <a:ea typeface="+mn-ea"/>
+                <a:cs typeface="+mn-cs"/>
+              </a:defRPr>
+            </a:lvl4pPr>
+            <a:lvl5pPr marL="1828800" algn="l" defTabSz="914400" rtl="0" eaLnBrk="1" latinLnBrk="0" hangingPunct="1">
+              <a:defRPr sz="1800" kern="1200">
+                <a:solidFill>
+                  <a:schemeClr val="tx1"/>
+                </a:solidFill>
+                <a:latin typeface="+mn-lt"/>
+                <a:ea typeface="+mn-ea"/>
+                <a:cs typeface="+mn-cs"/>
+              </a:defRPr>
+            </a:lvl5pPr>
+            <a:lvl6pPr marL="2286000" algn="l" defTabSz="914400" rtl="0" eaLnBrk="1" latinLnBrk="0" hangingPunct="1">
+              <a:defRPr sz="1800" kern="1200">
+                <a:solidFill>
+                  <a:schemeClr val="tx1"/>
+                </a:solidFill>
+                <a:latin typeface="+mn-lt"/>
+                <a:ea typeface="+mn-ea"/>
+                <a:cs typeface="+mn-cs"/>
+              </a:defRPr>
+            </a:lvl6pPr>
+            <a:lvl7pPr marL="2743200" algn="l" defTabSz="914400" rtl="0" eaLnBrk="1" latinLnBrk="0" hangingPunct="1">
+              <a:defRPr sz="1800" kern="1200">
+                <a:solidFill>
+                  <a:schemeClr val="tx1"/>
+                </a:solidFill>
+                <a:latin typeface="+mn-lt"/>
+                <a:ea typeface="+mn-ea"/>
+                <a:cs typeface="+mn-cs"/>
+              </a:defRPr>
+            </a:lvl7pPr>
+            <a:lvl8pPr marL="3200400" algn="l" defTabSz="914400" rtl="0" eaLnBrk="1" latinLnBrk="0" hangingPunct="1">
+              <a:defRPr sz="1800" kern="1200">
+                <a:solidFill>
+                  <a:schemeClr val="tx1"/>
+                </a:solidFill>
+                <a:latin typeface="+mn-lt"/>
+                <a:ea typeface="+mn-ea"/>
+                <a:cs typeface="+mn-cs"/>
+              </a:defRPr>
+            </a:lvl8pPr>
+            <a:lvl9pPr marL="3657600" algn="l" defTabSz="914400" rtl="0" eaLnBrk="1" latinLnBrk="0" hangingPunct="1">
+              <a:defRPr sz="1800" kern="1200">
+                <a:solidFill>
+                  <a:schemeClr val="tx1"/>
+                </a:solidFill>
+                <a:latin typeface="+mn-lt"/>
+                <a:ea typeface="+mn-ea"/>
+                <a:cs typeface="+mn-cs"/>
+              </a:defRPr>
+            </a:lvl9pPr>
+          </a:lstStyle>
+          <a:p>
+            <a:pPr algn="r"/>
+            <a:r>
+              <a:rPr lang="en-US" sz="1100" dirty="0"/>
+              <a:t>Physical Characteristics</a:t>
+            </a:r>
+          </a:p>
+        </p:txBody>
+      </p:sp>
     </p:spTree>
     <p:extLst>
       <p:ext uri="{BB962C8B-B14F-4D97-AF65-F5344CB8AC3E}">
@@ -24406,6 +24535,15 @@
 </file>
 
 <file path=customXml/item2.xml><?xml version="1.0" encoding="utf-8"?>
+<?mso-contentType ?>
+<FormTemplates xmlns="http://schemas.microsoft.com/sharepoint/v3/contenttype/forms">
+  <Display>DocumentLibraryForm</Display>
+  <Edit>DocumentLibraryForm</Edit>
+  <New>DocumentLibraryForm</New>
+</FormTemplates>
+</file>
+
+<file path=customXml/item3.xml><?xml version="1.0" encoding="utf-8"?>
 <ct:contentTypeSchema xmlns:ct="http://schemas.microsoft.com/office/2006/metadata/contentType" xmlns:ma="http://schemas.microsoft.com/office/2006/metadata/properties/metaAttributes" ct:_="" ma:_="" ma:contentTypeName="Document" ma:contentTypeID="0x010100C12ECD6C40FCB548A2F070481B8D2BE4" ma:contentTypeVersion="6" ma:contentTypeDescription="Create a new document." ma:contentTypeScope="" ma:versionID="9e4ec0c945ce08b2ab3ab2cc40be4cf6">
   <xsd:schema xmlns:xsd="http://www.w3.org/2001/XMLSchema" xmlns:xs="http://www.w3.org/2001/XMLSchema" xmlns:p="http://schemas.microsoft.com/office/2006/metadata/properties" xmlns:ns3="667e26b5-248a-4389-a65f-951c5a9bab3c" targetNamespace="http://schemas.microsoft.com/office/2006/metadata/properties" ma:root="true" ma:fieldsID="5df20083d56dd8e42f9ec60ccdc9b8a6" ns3:_="">
     <xsd:import namespace="667e26b5-248a-4389-a65f-951c5a9bab3c"/>
@@ -24563,32 +24701,31 @@
 </ct:contentTypeSchema>
 </file>
 
-<file path=customXml/item3.xml><?xml version="1.0" encoding="utf-8"?>
-<?mso-contentType ?>
-<FormTemplates xmlns="http://schemas.microsoft.com/sharepoint/v3/contenttype/forms">
-  <Display>DocumentLibraryForm</Display>
-  <Edit>DocumentLibraryForm</Edit>
-  <New>DocumentLibraryForm</New>
-</FormTemplates>
-</file>
-
 <file path=customXml/itemProps1.xml><?xml version="1.0" encoding="utf-8"?>
 <ds:datastoreItem xmlns:ds="http://schemas.openxmlformats.org/officeDocument/2006/customXml" ds:itemID="{B6F1018E-E76A-4D3C-87B4-1B7F78A0FE21}">
   <ds:schemaRefs>
+    <ds:schemaRef ds:uri="http://schemas.openxmlformats.org/package/2006/metadata/core-properties"/>
+    <ds:schemaRef ds:uri="http://purl.org/dc/terms/"/>
+    <ds:schemaRef ds:uri="http://purl.org/dc/dcmitype/"/>
+    <ds:schemaRef ds:uri="http://schemas.microsoft.com/office/infopath/2007/PartnerControls"/>
     <ds:schemaRef ds:uri="http://www.w3.org/XML/1998/namespace"/>
-    <ds:schemaRef ds:uri="http://purl.org/dc/dcmitype/"/>
+    <ds:schemaRef ds:uri="http://schemas.microsoft.com/office/2006/documentManagement/types"/>
+    <ds:schemaRef ds:uri="http://purl.org/dc/elements/1.1/"/>
     <ds:schemaRef ds:uri="667e26b5-248a-4389-a65f-951c5a9bab3c"/>
-    <ds:schemaRef ds:uri="http://purl.org/dc/elements/1.1/"/>
-    <ds:schemaRef ds:uri="http://schemas.microsoft.com/office/2006/documentManagement/types"/>
     <ds:schemaRef ds:uri="http://schemas.microsoft.com/office/2006/metadata/properties"/>
-    <ds:schemaRef ds:uri="http://purl.org/dc/terms/"/>
-    <ds:schemaRef ds:uri="http://schemas.microsoft.com/office/infopath/2007/PartnerControls"/>
-    <ds:schemaRef ds:uri="http://schemas.openxmlformats.org/package/2006/metadata/core-properties"/>
   </ds:schemaRefs>
 </ds:datastoreItem>
 </file>
 
 <file path=customXml/itemProps2.xml><?xml version="1.0" encoding="utf-8"?>
+<ds:datastoreItem xmlns:ds="http://schemas.openxmlformats.org/officeDocument/2006/customXml" ds:itemID="{21196880-332C-4F5A-9898-176DAAE03C5B}">
+  <ds:schemaRefs>
+    <ds:schemaRef ds:uri="http://schemas.microsoft.com/sharepoint/v3/contenttype/forms"/>
+  </ds:schemaRefs>
+</ds:datastoreItem>
+</file>
+
+<file path=customXml/itemProps3.xml><?xml version="1.0" encoding="utf-8"?>
 <ds:datastoreItem xmlns:ds="http://schemas.openxmlformats.org/officeDocument/2006/customXml" ds:itemID="{02B1956C-3C53-482E-BB50-017B98ABDE68}">
   <ds:schemaRefs>
     <ds:schemaRef ds:uri="http://schemas.microsoft.com/office/2006/metadata/contentType"/>
@@ -24604,12 +24741,4 @@
     <ds:schemaRef ds:uri="http://schemas.microsoft.com/internal/obd"/>
   </ds:schemaRefs>
 </ds:datastoreItem>
-</file>
-
-<file path=customXml/itemProps3.xml><?xml version="1.0" encoding="utf-8"?>
-<ds:datastoreItem xmlns:ds="http://schemas.openxmlformats.org/officeDocument/2006/customXml" ds:itemID="{21196880-332C-4F5A-9898-176DAAE03C5B}">
-  <ds:schemaRefs>
-    <ds:schemaRef ds:uri="http://schemas.microsoft.com/sharepoint/v3/contenttype/forms"/>
-  </ds:schemaRefs>
-</ds:datastoreItem>
 </file>